--- a/Homicide_Machine_Learning.pptx
+++ b/Homicide_Machine_Learning.pptx
@@ -7,12 +7,14 @@
   <p:sldIdLst>
     <p:sldId id="256" r:id="rId2"/>
     <p:sldId id="257" r:id="rId3"/>
-    <p:sldId id="258" r:id="rId4"/>
-    <p:sldId id="259" r:id="rId5"/>
-    <p:sldId id="260" r:id="rId6"/>
-    <p:sldId id="261" r:id="rId7"/>
-    <p:sldId id="268" r:id="rId8"/>
-    <p:sldId id="269" r:id="rId9"/>
+    <p:sldId id="270" r:id="rId4"/>
+    <p:sldId id="258" r:id="rId5"/>
+    <p:sldId id="259" r:id="rId6"/>
+    <p:sldId id="271" r:id="rId7"/>
+    <p:sldId id="272" r:id="rId8"/>
+    <p:sldId id="273" r:id="rId9"/>
+    <p:sldId id="274" r:id="rId10"/>
+    <p:sldId id="269" r:id="rId11"/>
   </p:sldIdLst>
   <p:sldSz cx="12192000" cy="6858000"/>
   <p:notesSz cx="6858000" cy="9144000"/>
@@ -289,7 +291,7 @@
             <a:fld id="{87DE6118-2437-4B30-8E3C-4D2BE6020583}" type="datetimeFigureOut">
               <a:rPr lang="en-US" dirty="0"/>
               <a:pPr/>
-              <a:t>11/9/19</a:t>
+              <a:t>11/11/19</a:t>
             </a:fld>
             <a:endParaRPr lang="en-US" dirty="0"/>
           </a:p>
@@ -615,7 +617,7 @@
           <a:p>
             <a:fld id="{87DE6118-2437-4B30-8E3C-4D2BE6020583}" type="datetimeFigureOut">
               <a:rPr lang="en-US" dirty="0"/>
-              <a:t>11/9/19</a:t>
+              <a:t>11/11/19</a:t>
             </a:fld>
             <a:endParaRPr lang="en-US" dirty="0"/>
           </a:p>
@@ -790,7 +792,7 @@
           <a:p>
             <a:fld id="{87DE6118-2437-4B30-8E3C-4D2BE6020583}" type="datetimeFigureOut">
               <a:rPr lang="en-US" dirty="0"/>
-              <a:t>11/9/19</a:t>
+              <a:t>11/11/19</a:t>
             </a:fld>
             <a:endParaRPr lang="en-US" dirty="0"/>
           </a:p>
@@ -955,7 +957,7 @@
           <a:p>
             <a:fld id="{87DE6118-2437-4B30-8E3C-4D2BE6020583}" type="datetimeFigureOut">
               <a:rPr lang="en-US" dirty="0"/>
-              <a:t>11/9/19</a:t>
+              <a:t>11/11/19</a:t>
             </a:fld>
             <a:endParaRPr lang="en-US" dirty="0"/>
           </a:p>
@@ -1228,7 +1230,7 @@
             <a:fld id="{87DE6118-2437-4B30-8E3C-4D2BE6020583}" type="datetimeFigureOut">
               <a:rPr lang="en-US" dirty="0"/>
               <a:pPr/>
-              <a:t>11/9/19</a:t>
+              <a:t>11/11/19</a:t>
             </a:fld>
             <a:endParaRPr lang="en-US" dirty="0"/>
           </a:p>
@@ -1618,7 +1620,7 @@
           <a:p>
             <a:fld id="{87DE6118-2437-4B30-8E3C-4D2BE6020583}" type="datetimeFigureOut">
               <a:rPr lang="en-US" dirty="0"/>
-              <a:t>11/9/19</a:t>
+              <a:t>11/11/19</a:t>
             </a:fld>
             <a:endParaRPr lang="en-US" dirty="0"/>
           </a:p>
@@ -2090,7 +2092,7 @@
           <a:p>
             <a:fld id="{87DE6118-2437-4B30-8E3C-4D2BE6020583}" type="datetimeFigureOut">
               <a:rPr lang="en-US" dirty="0"/>
-              <a:t>11/9/19</a:t>
+              <a:t>11/11/19</a:t>
             </a:fld>
             <a:endParaRPr lang="en-US" dirty="0"/>
           </a:p>
@@ -2203,7 +2205,7 @@
           <a:p>
             <a:fld id="{87DE6118-2437-4B30-8E3C-4D2BE6020583}" type="datetimeFigureOut">
               <a:rPr lang="en-US" dirty="0"/>
-              <a:t>11/9/19</a:t>
+              <a:t>11/11/19</a:t>
             </a:fld>
             <a:endParaRPr lang="en-US" dirty="0"/>
           </a:p>
@@ -2293,7 +2295,7 @@
           <a:p>
             <a:fld id="{87DE6118-2437-4B30-8E3C-4D2BE6020583}" type="datetimeFigureOut">
               <a:rPr lang="en-US" dirty="0"/>
-              <a:t>11/9/19</a:t>
+              <a:t>11/11/19</a:t>
             </a:fld>
             <a:endParaRPr lang="en-US" dirty="0"/>
           </a:p>
@@ -2635,7 +2637,7 @@
             <a:fld id="{87DE6118-2437-4B30-8E3C-4D2BE6020583}" type="datetimeFigureOut">
               <a:rPr lang="en-US" dirty="0"/>
               <a:pPr/>
-              <a:t>11/9/19</a:t>
+              <a:t>11/11/19</a:t>
             </a:fld>
             <a:endParaRPr lang="en-US" dirty="0"/>
           </a:p>
@@ -3020,7 +3022,7 @@
             <a:fld id="{87DE6118-2437-4B30-8E3C-4D2BE6020583}" type="datetimeFigureOut">
               <a:rPr lang="en-US" dirty="0"/>
               <a:pPr/>
-              <a:t>11/9/19</a:t>
+              <a:t>11/11/19</a:t>
             </a:fld>
             <a:endParaRPr lang="en-US" dirty="0"/>
           </a:p>
@@ -3295,7 +3297,7 @@
             <a:fld id="{87DE6118-2437-4B30-8E3C-4D2BE6020583}" type="datetimeFigureOut">
               <a:rPr lang="en-US" dirty="0"/>
               <a:pPr/>
-              <a:t>11/9/19</a:t>
+              <a:t>11/11/19</a:t>
             </a:fld>
             <a:endParaRPr lang="en-US" dirty="0"/>
           </a:p>
@@ -4006,6 +4008,110 @@
 </p:sld>
 </file>
 
+<file path=ppt/slides/slide10.xml><?xml version="1.0" encoding="utf-8"?>
+<p:sld xmlns:a="http://schemas.openxmlformats.org/drawingml/2006/main" xmlns:r="http://schemas.openxmlformats.org/officeDocument/2006/relationships" xmlns:p="http://schemas.openxmlformats.org/presentationml/2006/main">
+  <p:cSld>
+    <p:spTree>
+      <p:nvGrpSpPr>
+        <p:cNvPr id="1" name=""/>
+        <p:cNvGrpSpPr/>
+        <p:nvPr/>
+      </p:nvGrpSpPr>
+      <p:grpSpPr>
+        <a:xfrm>
+          <a:off x="0" y="0"/>
+          <a:ext cx="0" cy="0"/>
+          <a:chOff x="0" y="0"/>
+          <a:chExt cx="0" cy="0"/>
+        </a:xfrm>
+      </p:grpSpPr>
+      <p:sp>
+        <p:nvSpPr>
+          <p:cNvPr id="2" name="Title 1">
+            <a:extLst>
+              <a:ext uri="{FF2B5EF4-FFF2-40B4-BE49-F238E27FC236}">
+                <a16:creationId xmlns:a16="http://schemas.microsoft.com/office/drawing/2014/main" id="{561DAF69-F241-B246-B90B-FCD4DC5BA6EC}"/>
+              </a:ext>
+            </a:extLst>
+          </p:cNvPr>
+          <p:cNvSpPr>
+            <a:spLocks noGrp="1"/>
+          </p:cNvSpPr>
+          <p:nvPr>
+            <p:ph type="title"/>
+          </p:nvPr>
+        </p:nvSpPr>
+        <p:spPr>
+          <a:xfrm>
+            <a:off x="6096000" y="3011424"/>
+            <a:ext cx="4138809" cy="1812876"/>
+          </a:xfrm>
+        </p:spPr>
+        <p:txBody>
+          <a:bodyPr>
+            <a:normAutofit/>
+          </a:bodyPr>
+          <a:lstStyle/>
+          <a:p>
+            <a:r>
+              <a:rPr lang="en-US" sz="12000" dirty="0">
+                <a:latin typeface="HGGothicE" panose="020B0909000000000000" pitchFamily="49" charset="-128"/>
+                <a:ea typeface="HGGothicE" panose="020B0909000000000000" pitchFamily="49" charset="-128"/>
+              </a:rPr>
+              <a:t>Q &amp; A</a:t>
+            </a:r>
+          </a:p>
+        </p:txBody>
+      </p:sp>
+      <p:pic>
+        <p:nvPicPr>
+          <p:cNvPr id="5" name="Graphic 4" descr="Detective">
+            <a:extLst>
+              <a:ext uri="{FF2B5EF4-FFF2-40B4-BE49-F238E27FC236}">
+                <a16:creationId xmlns:a16="http://schemas.microsoft.com/office/drawing/2014/main" id="{35EAD6F1-B4DB-0C4F-909A-7FE00275588D}"/>
+              </a:ext>
+            </a:extLst>
+          </p:cNvPr>
+          <p:cNvPicPr>
+            <a:picLocks noChangeAspect="1"/>
+          </p:cNvPicPr>
+          <p:nvPr/>
+        </p:nvPicPr>
+        <p:blipFill>
+          <a:blip r:embed="rId2">
+            <a:extLst>
+              <a:ext uri="{96DAC541-7B7A-43D3-8B79-37D633B846F1}">
+                <asvg:svgBlip xmlns:asvg="http://schemas.microsoft.com/office/drawing/2016/SVG/main" r:embed="rId3"/>
+              </a:ext>
+            </a:extLst>
+          </a:blip>
+          <a:stretch>
+            <a:fillRect/>
+          </a:stretch>
+        </p:blipFill>
+        <p:spPr>
+          <a:xfrm>
+            <a:off x="-512066" y="286348"/>
+            <a:ext cx="7310081" cy="6820515"/>
+          </a:xfrm>
+          <a:prstGeom prst="rect">
+            <a:avLst/>
+          </a:prstGeom>
+        </p:spPr>
+      </p:pic>
+    </p:spTree>
+    <p:extLst>
+      <p:ext uri="{BB962C8B-B14F-4D97-AF65-F5344CB8AC3E}">
+        <p14:creationId xmlns:p14="http://schemas.microsoft.com/office/powerpoint/2010/main" val="3002473394"/>
+      </p:ext>
+    </p:extLst>
+  </p:cSld>
+  <p:clrMapOvr>
+    <a:masterClrMapping/>
+  </p:clrMapOvr>
+</p:sld>
+</file>
+
 <file path=ppt/slides/slide2.xml><?xml version="1.0" encoding="utf-8"?>
 <p:sld xmlns:a="http://schemas.openxmlformats.org/drawingml/2006/main" xmlns:r="http://schemas.openxmlformats.org/officeDocument/2006/relationships" xmlns:p="http://schemas.openxmlformats.org/presentationml/2006/main">
   <p:cSld>
@@ -4138,8 +4244,8 @@
         </p:nvSpPr>
         <p:spPr>
           <a:xfrm>
-            <a:off x="3218213" y="3183466"/>
-            <a:ext cx="7788453" cy="2455334"/>
+            <a:off x="2772383" y="3183466"/>
+            <a:ext cx="8234283" cy="2455334"/>
           </a:xfrm>
         </p:spPr>
         <p:txBody>
@@ -4154,7 +4260,7 @@
                 <a:latin typeface="HGGothicE" panose="020B0909000000000000" pitchFamily="49" charset="-128"/>
                 <a:ea typeface="HGGothicE" panose="020B0909000000000000" pitchFamily="49" charset="-128"/>
               </a:rPr>
-              <a:t>The FBI released expanded homicide data in the summer of 2019 that includes victim data and links victims to arrestees.  </a:t>
+              <a:t>The FBI released expanded homicide data in the summer of 2019 that includes victim data and links victims to arrestees, along with other incident data.  </a:t>
             </a:r>
           </a:p>
           <a:p>
@@ -4171,7 +4277,7 @@
                 <a:latin typeface="HGGothicE" panose="020B0909000000000000" pitchFamily="49" charset="-128"/>
                 <a:ea typeface="HGGothicE" panose="020B0909000000000000" pitchFamily="49" charset="-128"/>
               </a:rPr>
-              <a:t>This final project gives us the opportunity to revisit our prior analysis and try to predict homicide data based on what we already know.</a:t>
+              <a:t>This final project gives us the opportunity to revisit our prior analysis and try to predict homicide variables based on what we already know.</a:t>
             </a:r>
           </a:p>
         </p:txBody>
@@ -4224,8 +4330,8 @@
         </p:nvSpPr>
         <p:spPr>
           <a:xfrm>
-            <a:off x="1371600" y="685801"/>
-            <a:ext cx="9601200" cy="691738"/>
+            <a:off x="1371600" y="685800"/>
+            <a:ext cx="9601200" cy="1376463"/>
           </a:xfrm>
         </p:spPr>
         <p:txBody>
@@ -4241,48 +4347,54 @@
               </a:rPr>
               <a:t>FROM LAST TIME…</a:t>
             </a:r>
-            <a:endParaRPr lang="en-US" sz="2000" dirty="0">
-              <a:latin typeface="HGGothicE" panose="020B0909000000000000" pitchFamily="49" charset="-128"/>
-              <a:ea typeface="HGGothicE" panose="020B0909000000000000" pitchFamily="49" charset="-128"/>
-            </a:endParaRPr>
-          </a:p>
-        </p:txBody>
-      </p:sp>
-      <p:sp>
-        <p:nvSpPr>
-          <p:cNvPr id="5" name="Content Placeholder 4">
+            <a:br>
+              <a:rPr lang="en-US" sz="4000" dirty="0">
+                <a:latin typeface="HGGothicE" panose="020B0909000000000000" pitchFamily="49" charset="-128"/>
+                <a:ea typeface="HGGothicE" panose="020B0909000000000000" pitchFamily="49" charset="-128"/>
+              </a:rPr>
+            </a:br>
+            <a:r>
+              <a:rPr lang="en-US" sz="2000" dirty="0">
+                <a:latin typeface="HGGothicE" panose="020B0909000000000000" pitchFamily="49" charset="-128"/>
+                <a:ea typeface="HGGothicE" panose="020B0909000000000000" pitchFamily="49" charset="-128"/>
+              </a:rPr>
+              <a:t>Our analysis was limited to what the FBI API provided, and added census and election data:</a:t>
+            </a:r>
+          </a:p>
+        </p:txBody>
+      </p:sp>
+      <p:sp>
+        <p:nvSpPr>
+          <p:cNvPr id="5" name="TextBox 4">
             <a:extLst>
               <a:ext uri="{FF2B5EF4-FFF2-40B4-BE49-F238E27FC236}">
-                <a16:creationId xmlns:a16="http://schemas.microsoft.com/office/drawing/2014/main" id="{9BBB4E0D-1BEA-6F44-BF45-150DA76D2693}"/>
+                <a16:creationId xmlns:a16="http://schemas.microsoft.com/office/drawing/2014/main" id="{32F7516F-A7FA-4D43-A391-AAFAB3EFBBC0}"/>
               </a:ext>
             </a:extLst>
           </p:cNvPr>
-          <p:cNvSpPr>
-            <a:spLocks noGrp="1"/>
-          </p:cNvSpPr>
-          <p:nvPr>
-            <p:ph idx="1"/>
-          </p:nvPr>
+          <p:cNvSpPr txBox="1"/>
+          <p:nvPr/>
         </p:nvSpPr>
         <p:spPr>
           <a:xfrm>
-            <a:off x="1371600" y="1754659"/>
-            <a:ext cx="9601200" cy="4112741"/>
+            <a:off x="1371599" y="2302538"/>
+            <a:ext cx="10301591" cy="3508653"/>
           </a:xfrm>
+          <a:prstGeom prst="rect">
+            <a:avLst/>
+          </a:prstGeom>
+          <a:noFill/>
         </p:spPr>
         <p:txBody>
-          <a:bodyPr>
-            <a:normAutofit fontScale="92500" lnSpcReduction="20000"/>
+          <a:bodyPr wrap="square" rtlCol="0">
+            <a:spAutoFit/>
           </a:bodyPr>
           <a:lstStyle/>
           <a:p>
-            <a:endParaRPr lang="en-US" sz="2400" dirty="0">
-              <a:latin typeface="GulimChe" panose="020B0609000101010101" pitchFamily="49" charset="-127"/>
-              <a:ea typeface="GulimChe" panose="020B0609000101010101" pitchFamily="49" charset="-127"/>
-            </a:endParaRPr>
-          </a:p>
-          <a:p>
             <a:pPr>
+              <a:lnSpc>
+                <a:spcPct val="170000"/>
+              </a:lnSpc>
               <a:buClr>
                 <a:srgbClr val="C00000"/>
               </a:buClr>
@@ -4295,11 +4407,14 @@
                 <a:latin typeface="GulimChe" panose="020B0609000101010101" pitchFamily="49" charset="-127"/>
                 <a:ea typeface="GulimChe" panose="020B0609000101010101" pitchFamily="49" charset="-127"/>
               </a:rPr>
-              <a:t>What can we try to predict?</a:t>
+              <a:t>Number of homicides nationally and by state</a:t>
             </a:r>
           </a:p>
           <a:p>
             <a:pPr>
+              <a:lnSpc>
+                <a:spcPct val="170000"/>
+              </a:lnSpc>
               <a:buClr>
                 <a:srgbClr val="C00000"/>
               </a:buClr>
@@ -4307,13 +4422,19 @@
               <a:buFont typeface="Arial Unicode MS" panose="020B0604020202020204" pitchFamily="34" charset="-128"/>
               <a:buChar char="☠"/>
             </a:pPr>
-            <a:endParaRPr lang="en-US" sz="2400" dirty="0">
-              <a:latin typeface="GulimChe" panose="020B0609000101010101" pitchFamily="49" charset="-127"/>
-              <a:ea typeface="GulimChe" panose="020B0609000101010101" pitchFamily="49" charset="-127"/>
-            </a:endParaRPr>
+            <a:r>
+              <a:rPr lang="en-US" sz="2400" dirty="0">
+                <a:latin typeface="GulimChe" panose="020B0609000101010101" pitchFamily="49" charset="-127"/>
+                <a:ea typeface="GulimChe" panose="020B0609000101010101" pitchFamily="49" charset="-127"/>
+              </a:rPr>
+              <a:t>Gender, ethnicity, race, age of offender counts by state</a:t>
+            </a:r>
           </a:p>
           <a:p>
             <a:pPr>
+              <a:lnSpc>
+                <a:spcPct val="170000"/>
+              </a:lnSpc>
               <a:buClr>
                 <a:srgbClr val="C00000"/>
               </a:buClr>
@@ -4326,11 +4447,14 @@
                 <a:latin typeface="GulimChe" panose="020B0609000101010101" pitchFamily="49" charset="-127"/>
                 <a:ea typeface="GulimChe" panose="020B0609000101010101" pitchFamily="49" charset="-127"/>
               </a:rPr>
-              <a:t>Are homicide numbers increasing?</a:t>
+              <a:t>Gender, ethnicity, race, age of victim counts by state</a:t>
             </a:r>
           </a:p>
           <a:p>
             <a:pPr>
+              <a:lnSpc>
+                <a:spcPct val="170000"/>
+              </a:lnSpc>
               <a:buClr>
                 <a:srgbClr val="C00000"/>
               </a:buClr>
@@ -4338,13 +4462,19 @@
               <a:buFont typeface="Arial Unicode MS" panose="020B0604020202020204" pitchFamily="34" charset="-128"/>
               <a:buChar char="☠"/>
             </a:pPr>
-            <a:endParaRPr lang="en-US" sz="2400" dirty="0">
-              <a:latin typeface="GulimChe" panose="020B0609000101010101" pitchFamily="49" charset="-127"/>
-              <a:ea typeface="GulimChe" panose="020B0609000101010101" pitchFamily="49" charset="-127"/>
-            </a:endParaRPr>
+            <a:r>
+              <a:rPr lang="en-US" sz="2400" dirty="0">
+                <a:latin typeface="GulimChe" panose="020B0609000101010101" pitchFamily="49" charset="-127"/>
+                <a:ea typeface="GulimChe" panose="020B0609000101010101" pitchFamily="49" charset="-127"/>
+              </a:rPr>
+              <a:t>Counts of relationship of victim to offender by state</a:t>
+            </a:r>
           </a:p>
           <a:p>
             <a:pPr>
+              <a:lnSpc>
+                <a:spcPct val="170000"/>
+              </a:lnSpc>
               <a:buClr>
                 <a:srgbClr val="C00000"/>
               </a:buClr>
@@ -4357,112 +4487,18 @@
                 <a:latin typeface="GulimChe" panose="020B0609000101010101" pitchFamily="49" charset="-127"/>
                 <a:ea typeface="GulimChe" panose="020B0609000101010101" pitchFamily="49" charset="-127"/>
               </a:rPr>
-              <a:t>Are more victims male or female?</a:t>
-            </a:r>
-          </a:p>
-          <a:p>
-            <a:pPr>
-              <a:buClr>
-                <a:srgbClr val="C00000"/>
-              </a:buClr>
-              <a:buSzPct val="125000"/>
-              <a:buFont typeface="Arial Unicode MS" panose="020B0604020202020204" pitchFamily="34" charset="-128"/>
-              <a:buChar char="☠"/>
-            </a:pPr>
-            <a:endParaRPr lang="en-US" sz="2400" dirty="0">
-              <a:latin typeface="GulimChe" panose="020B0609000101010101" pitchFamily="49" charset="-127"/>
-              <a:ea typeface="GulimChe" panose="020B0609000101010101" pitchFamily="49" charset="-127"/>
-            </a:endParaRPr>
-          </a:p>
-          <a:p>
-            <a:pPr>
-              <a:buClr>
-                <a:srgbClr val="C00000"/>
-              </a:buClr>
-              <a:buSzPct val="125000"/>
-              <a:buFont typeface="Arial Unicode MS" panose="020B0604020202020204" pitchFamily="34" charset="-128"/>
-              <a:buChar char="☠"/>
-            </a:pPr>
-            <a:r>
-              <a:rPr lang="en-US" sz="2400" dirty="0">
-                <a:latin typeface="GulimChe" panose="020B0609000101010101" pitchFamily="49" charset="-127"/>
-                <a:ea typeface="GulimChe" panose="020B0609000101010101" pitchFamily="49" charset="-127"/>
-              </a:rPr>
-              <a:t>What kind of relationships do victims have with their offenders?</a:t>
-            </a:r>
-          </a:p>
-          <a:p>
-            <a:pPr>
-              <a:buClr>
-                <a:srgbClr val="C00000"/>
-              </a:buClr>
-              <a:buSzPct val="125000"/>
-              <a:buFont typeface="Arial Unicode MS" panose="020B0604020202020204" pitchFamily="34" charset="-128"/>
-              <a:buChar char="☠"/>
-            </a:pPr>
-            <a:endParaRPr lang="en-US" sz="2400" dirty="0">
-              <a:latin typeface="GulimChe" panose="020B0609000101010101" pitchFamily="49" charset="-127"/>
-              <a:ea typeface="GulimChe" panose="020B0609000101010101" pitchFamily="49" charset="-127"/>
-            </a:endParaRPr>
-          </a:p>
-          <a:p>
-            <a:pPr>
-              <a:buClr>
-                <a:srgbClr val="C00000"/>
-              </a:buClr>
-              <a:buSzPct val="125000"/>
-              <a:buFont typeface="Arial Unicode MS" panose="020B0604020202020204" pitchFamily="34" charset="-128"/>
-              <a:buChar char="☠"/>
-            </a:pPr>
-            <a:r>
-              <a:rPr lang="en-US" sz="2400" dirty="0">
-                <a:latin typeface="GulimChe" panose="020B0609000101010101" pitchFamily="49" charset="-127"/>
-                <a:ea typeface="GulimChe" panose="020B0609000101010101" pitchFamily="49" charset="-127"/>
-              </a:rPr>
-              <a:t>Does state data provide more insight versus national data?</a:t>
-            </a:r>
-          </a:p>
-          <a:p>
-            <a:pPr marL="0" indent="0">
-              <a:buNone/>
-            </a:pPr>
+              <a:t>No information linked between offender and victim</a:t>
+            </a:r>
+          </a:p>
+          <a:p>
             <a:endParaRPr lang="en-US" dirty="0"/>
           </a:p>
         </p:txBody>
       </p:sp>
-      <p:pic>
-        <p:nvPicPr>
-          <p:cNvPr id="6" name="Content Placeholder 8">
-            <a:extLst>
-              <a:ext uri="{FF2B5EF4-FFF2-40B4-BE49-F238E27FC236}">
-                <a16:creationId xmlns:a16="http://schemas.microsoft.com/office/drawing/2014/main" id="{9C5A7D7C-F32B-FA42-B30A-E4CB90AD5AD9}"/>
-              </a:ext>
-            </a:extLst>
-          </p:cNvPr>
-          <p:cNvPicPr>
-            <a:picLocks noChangeAspect="1"/>
-          </p:cNvPicPr>
-          <p:nvPr/>
-        </p:nvPicPr>
-        <p:blipFill rotWithShape="1">
-          <a:blip r:embed="rId2"/>
-          <a:srcRect l="5552" t="8157" r="6031" b="5712"/>
-          <a:stretch/>
-        </p:blipFill>
-        <p:spPr>
-          <a:xfrm>
-            <a:off x="7588333" y="521555"/>
-            <a:ext cx="4045203" cy="3120625"/>
-          </a:xfrm>
-          <a:prstGeom prst="rect">
-            <a:avLst/>
-          </a:prstGeom>
-        </p:spPr>
-      </p:pic>
     </p:spTree>
     <p:extLst>
       <p:ext uri="{BB962C8B-B14F-4D97-AF65-F5344CB8AC3E}">
-        <p14:creationId xmlns:p14="http://schemas.microsoft.com/office/powerpoint/2010/main" val="2298955858"/>
+        <p14:creationId xmlns:p14="http://schemas.microsoft.com/office/powerpoint/2010/main" val="1484642806"/>
       </p:ext>
     </p:extLst>
   </p:cSld>
@@ -4491,10 +4527,10 @@
       </p:grpSpPr>
       <p:sp>
         <p:nvSpPr>
-          <p:cNvPr id="2" name="Title 1">
+          <p:cNvPr id="4" name="Title 3">
             <a:extLst>
               <a:ext uri="{FF2B5EF4-FFF2-40B4-BE49-F238E27FC236}">
-                <a16:creationId xmlns:a16="http://schemas.microsoft.com/office/drawing/2014/main" id="{E8B20FD1-F3AB-B344-96CB-AF7A7B9D09B9}"/>
+                <a16:creationId xmlns:a16="http://schemas.microsoft.com/office/drawing/2014/main" id="{EF1174C7-588A-2B4B-BC31-6C113B8BC9AF}"/>
               </a:ext>
             </a:extLst>
           </p:cNvPr>
@@ -4505,9 +4541,16 @@
             <p:ph type="title"/>
           </p:nvPr>
         </p:nvSpPr>
-        <p:spPr/>
-        <p:txBody>
-          <a:bodyPr/>
+        <p:spPr>
+          <a:xfrm>
+            <a:off x="1371600" y="685801"/>
+            <a:ext cx="9601200" cy="691738"/>
+          </a:xfrm>
+        </p:spPr>
+        <p:txBody>
+          <a:bodyPr>
+            <a:normAutofit/>
+          </a:bodyPr>
           <a:lstStyle/>
           <a:p>
             <a:r>
@@ -4515,210 +4558,139 @@
                 <a:latin typeface="HGGothicE" panose="020B0909000000000000" pitchFamily="49" charset="-128"/>
                 <a:ea typeface="HGGothicE" panose="020B0909000000000000" pitchFamily="49" charset="-128"/>
               </a:rPr>
-              <a:t>QUESTIONS 2.0</a:t>
-            </a:r>
-            <a:br>
-              <a:rPr lang="en-US" dirty="0">
-                <a:latin typeface="HGGothicE" panose="020B0909000000000000" pitchFamily="49" charset="-128"/>
-                <a:ea typeface="HGGothicE" panose="020B0909000000000000" pitchFamily="49" charset="-128"/>
-              </a:rPr>
-            </a:br>
-            <a:r>
-              <a:rPr lang="en-US" sz="2000" dirty="0">
-                <a:latin typeface="HGGothicE" panose="020B0909000000000000" pitchFamily="49" charset="-128"/>
-                <a:ea typeface="HGGothicE" panose="020B0909000000000000" pitchFamily="49" charset="-128"/>
-              </a:rPr>
-              <a:t>Our second exploration stemmed from our own curiosity, where we researched to see if we could find relationships between homicide and:</a:t>
-            </a:r>
-            <a:endParaRPr lang="en-US" dirty="0">
+              <a:t>FROM LAST TIME…</a:t>
+            </a:r>
+            <a:endParaRPr lang="en-US" sz="2000" dirty="0">
               <a:latin typeface="HGGothicE" panose="020B0909000000000000" pitchFamily="49" charset="-128"/>
               <a:ea typeface="HGGothicE" panose="020B0909000000000000" pitchFamily="49" charset="-128"/>
             </a:endParaRPr>
           </a:p>
         </p:txBody>
       </p:sp>
-      <p:sp>
-        <p:nvSpPr>
-          <p:cNvPr id="3" name="Content Placeholder 2">
+      <p:pic>
+        <p:nvPicPr>
+          <p:cNvPr id="6" name="Content Placeholder 8">
             <a:extLst>
               <a:ext uri="{FF2B5EF4-FFF2-40B4-BE49-F238E27FC236}">
-                <a16:creationId xmlns:a16="http://schemas.microsoft.com/office/drawing/2014/main" id="{FF2EDE24-550C-B842-B077-B7E6C8E2FD3C}"/>
+                <a16:creationId xmlns:a16="http://schemas.microsoft.com/office/drawing/2014/main" id="{9C5A7D7C-F32B-FA42-B30A-E4CB90AD5AD9}"/>
               </a:ext>
             </a:extLst>
           </p:cNvPr>
-          <p:cNvSpPr>
-            <a:spLocks noGrp="1"/>
-          </p:cNvSpPr>
-          <p:nvPr>
-            <p:ph idx="1"/>
-          </p:nvPr>
-        </p:nvSpPr>
+          <p:cNvPicPr>
+            <a:picLocks noChangeAspect="1"/>
+          </p:cNvPicPr>
+          <p:nvPr/>
+        </p:nvPicPr>
+        <p:blipFill rotWithShape="1">
+          <a:blip r:embed="rId2"/>
+          <a:srcRect l="5552" t="8157" r="6031" b="5712"/>
+          <a:stretch/>
+        </p:blipFill>
         <p:spPr>
           <a:xfrm>
-            <a:off x="1371600" y="2171700"/>
-            <a:ext cx="9601200" cy="4238368"/>
+            <a:off x="1689293" y="1745969"/>
+            <a:ext cx="2853524" cy="2201318"/>
           </a:xfrm>
+          <a:prstGeom prst="rect">
+            <a:avLst/>
+          </a:prstGeom>
         </p:spPr>
-        <p:txBody>
-          <a:bodyPr>
-            <a:normAutofit fontScale="85000" lnSpcReduction="20000"/>
-          </a:bodyPr>
-          <a:lstStyle/>
-          <a:p>
-            <a:pPr>
-              <a:lnSpc>
-                <a:spcPct val="170000"/>
-              </a:lnSpc>
-              <a:buClr>
-                <a:srgbClr val="C00000"/>
-              </a:buClr>
-              <a:buSzPct val="125000"/>
-              <a:buFont typeface="Arial Unicode MS" panose="020B0604020202020204" pitchFamily="34" charset="-128"/>
-              <a:buChar char="☠"/>
-            </a:pPr>
-            <a:r>
-              <a:rPr lang="en-US" sz="2300" dirty="0">
-                <a:latin typeface="GulimChe" panose="020B0609000101010101" pitchFamily="49" charset="-127"/>
-                <a:ea typeface="GulimChe" panose="020B0609000101010101" pitchFamily="49" charset="-127"/>
-              </a:rPr>
-              <a:t>Location</a:t>
-            </a:r>
-          </a:p>
-          <a:p>
-            <a:pPr>
-              <a:lnSpc>
-                <a:spcPct val="170000"/>
-              </a:lnSpc>
-              <a:buClr>
-                <a:srgbClr val="C00000"/>
-              </a:buClr>
-              <a:buSzPct val="125000"/>
-              <a:buFont typeface="Arial Unicode MS" panose="020B0604020202020204" pitchFamily="34" charset="-128"/>
-              <a:buChar char="☠"/>
-            </a:pPr>
-            <a:r>
-              <a:rPr lang="en-US" sz="2300" dirty="0">
-                <a:latin typeface="GulimChe" panose="020B0609000101010101" pitchFamily="49" charset="-127"/>
-                <a:ea typeface="GulimChe" panose="020B0609000101010101" pitchFamily="49" charset="-127"/>
-              </a:rPr>
-              <a:t>Economic status</a:t>
-            </a:r>
-          </a:p>
-          <a:p>
-            <a:pPr>
-              <a:lnSpc>
-                <a:spcPct val="170000"/>
-              </a:lnSpc>
-              <a:buClr>
-                <a:srgbClr val="C00000"/>
-              </a:buClr>
-              <a:buSzPct val="125000"/>
-              <a:buFont typeface="Arial Unicode MS" panose="020B0604020202020204" pitchFamily="34" charset="-128"/>
-              <a:buChar char="☠"/>
-            </a:pPr>
-            <a:r>
-              <a:rPr lang="en-US" sz="2300" dirty="0">
-                <a:latin typeface="GulimChe" panose="020B0609000101010101" pitchFamily="49" charset="-127"/>
-                <a:ea typeface="GulimChe" panose="020B0609000101010101" pitchFamily="49" charset="-127"/>
-              </a:rPr>
-              <a:t>Weapon usage </a:t>
-            </a:r>
-          </a:p>
-          <a:p>
-            <a:pPr>
-              <a:lnSpc>
-                <a:spcPct val="170000"/>
-              </a:lnSpc>
-              <a:buClr>
-                <a:srgbClr val="C00000"/>
-              </a:buClr>
-              <a:buSzPct val="125000"/>
-              <a:buFont typeface="Arial Unicode MS" panose="020B0604020202020204" pitchFamily="34" charset="-128"/>
-              <a:buChar char="☠"/>
-            </a:pPr>
-            <a:r>
-              <a:rPr lang="en-US" sz="2300" dirty="0">
-                <a:latin typeface="GulimChe" panose="020B0609000101010101" pitchFamily="49" charset="-127"/>
-                <a:ea typeface="GulimChe" panose="020B0609000101010101" pitchFamily="49" charset="-127"/>
-              </a:rPr>
-              <a:t>Religious affiliations and cults</a:t>
-            </a:r>
-          </a:p>
-          <a:p>
-            <a:pPr>
-              <a:lnSpc>
-                <a:spcPct val="170000"/>
-              </a:lnSpc>
-              <a:buClr>
-                <a:srgbClr val="C00000"/>
-              </a:buClr>
-              <a:buSzPct val="125000"/>
-              <a:buFont typeface="Arial Unicode MS" panose="020B0604020202020204" pitchFamily="34" charset="-128"/>
-              <a:buChar char="☠"/>
-            </a:pPr>
-            <a:r>
-              <a:rPr lang="en-US" sz="2300" dirty="0">
-                <a:latin typeface="GulimChe" panose="020B0609000101010101" pitchFamily="49" charset="-127"/>
-                <a:ea typeface="GulimChe" panose="020B0609000101010101" pitchFamily="49" charset="-127"/>
-              </a:rPr>
-              <a:t>Mental health trends in the US</a:t>
-            </a:r>
-          </a:p>
-          <a:p>
-            <a:pPr>
-              <a:lnSpc>
-                <a:spcPct val="170000"/>
-              </a:lnSpc>
-              <a:buClr>
-                <a:srgbClr val="C00000"/>
-              </a:buClr>
-              <a:buSzPct val="125000"/>
-              <a:buFont typeface="Arial Unicode MS" panose="020B0604020202020204" pitchFamily="34" charset="-128"/>
-              <a:buChar char="☠"/>
-            </a:pPr>
-            <a:r>
-              <a:rPr lang="en-US" sz="2300" dirty="0">
-                <a:latin typeface="GulimChe" panose="020B0609000101010101" pitchFamily="49" charset="-127"/>
-                <a:ea typeface="GulimChe" panose="020B0609000101010101" pitchFamily="49" charset="-127"/>
-              </a:rPr>
-              <a:t>Weather </a:t>
-            </a:r>
-          </a:p>
-          <a:p>
-            <a:pPr>
-              <a:lnSpc>
-                <a:spcPct val="170000"/>
-              </a:lnSpc>
-              <a:buClr>
-                <a:srgbClr val="C00000"/>
-              </a:buClr>
-              <a:buSzPct val="125000"/>
-              <a:buFont typeface="Arial Unicode MS" panose="020B0604020202020204" pitchFamily="34" charset="-128"/>
-              <a:buChar char="☠"/>
-            </a:pPr>
-            <a:r>
-              <a:rPr lang="en-US" sz="2300" dirty="0">
-                <a:latin typeface="GulimChe" panose="020B0609000101010101" pitchFamily="49" charset="-127"/>
-                <a:ea typeface="GulimChe" panose="020B0609000101010101" pitchFamily="49" charset="-127"/>
-              </a:rPr>
-              <a:t>Political climate</a:t>
-            </a:r>
-          </a:p>
-          <a:p>
-            <a:endParaRPr lang="en-US" dirty="0"/>
-          </a:p>
-          <a:p>
-            <a:endParaRPr lang="en-US" dirty="0"/>
-          </a:p>
-          <a:p>
-            <a:endParaRPr lang="en-US" dirty="0"/>
-          </a:p>
-        </p:txBody>
-      </p:sp>
+      </p:pic>
+      <p:pic>
+        <p:nvPicPr>
+          <p:cNvPr id="7" name="Content Placeholder 7">
+            <a:extLst>
+              <a:ext uri="{FF2B5EF4-FFF2-40B4-BE49-F238E27FC236}">
+                <a16:creationId xmlns:a16="http://schemas.microsoft.com/office/drawing/2014/main" id="{C343DBC0-33BF-084D-9C5E-68D2ACCF30E8}"/>
+              </a:ext>
+            </a:extLst>
+          </p:cNvPr>
+          <p:cNvPicPr>
+            <a:picLocks noChangeAspect="1"/>
+          </p:cNvPicPr>
+          <p:nvPr/>
+        </p:nvPicPr>
+        <p:blipFill rotWithShape="1">
+          <a:blip r:embed="rId3"/>
+          <a:srcRect l="8586" t="10984" r="8843" b="8018"/>
+          <a:stretch/>
+        </p:blipFill>
+        <p:spPr>
+          <a:xfrm>
+            <a:off x="1689293" y="4196776"/>
+            <a:ext cx="2853524" cy="2247879"/>
+          </a:xfrm>
+          <a:prstGeom prst="rect">
+            <a:avLst/>
+          </a:prstGeom>
+        </p:spPr>
+      </p:pic>
+      <p:pic>
+        <p:nvPicPr>
+          <p:cNvPr id="8" name="Google Shape;62;p14">
+            <a:extLst>
+              <a:ext uri="{FF2B5EF4-FFF2-40B4-BE49-F238E27FC236}">
+                <a16:creationId xmlns:a16="http://schemas.microsoft.com/office/drawing/2014/main" id="{269610D0-167E-2545-9693-AA6CFF7B110E}"/>
+              </a:ext>
+            </a:extLst>
+          </p:cNvPr>
+          <p:cNvPicPr preferRelativeResize="0"/>
+          <p:nvPr/>
+        </p:nvPicPr>
+        <p:blipFill rotWithShape="1">
+          <a:blip r:embed="rId4">
+            <a:alphaModFix/>
+          </a:blip>
+          <a:srcRect l="6502" r="6486"/>
+          <a:stretch/>
+        </p:blipFill>
+        <p:spPr>
+          <a:xfrm>
+            <a:off x="5603132" y="1745969"/>
+            <a:ext cx="5369668" cy="1754767"/>
+          </a:xfrm>
+          <a:prstGeom prst="rect">
+            <a:avLst/>
+          </a:prstGeom>
+          <a:noFill/>
+          <a:ln>
+            <a:noFill/>
+          </a:ln>
+        </p:spPr>
+      </p:pic>
+      <p:pic>
+        <p:nvPicPr>
+          <p:cNvPr id="9" name="Content Placeholder 5">
+            <a:extLst>
+              <a:ext uri="{FF2B5EF4-FFF2-40B4-BE49-F238E27FC236}">
+                <a16:creationId xmlns:a16="http://schemas.microsoft.com/office/drawing/2014/main" id="{84A6F12D-2772-CB4F-B8AE-31120FD0ADB9}"/>
+              </a:ext>
+            </a:extLst>
+          </p:cNvPr>
+          <p:cNvPicPr>
+            <a:picLocks noChangeAspect="1"/>
+          </p:cNvPicPr>
+          <p:nvPr/>
+        </p:nvPicPr>
+        <p:blipFill rotWithShape="1">
+          <a:blip r:embed="rId5"/>
+          <a:srcRect l="8027"/>
+          <a:stretch/>
+        </p:blipFill>
+        <p:spPr>
+          <a:xfrm>
+            <a:off x="5603132" y="4196776"/>
+            <a:ext cx="5369668" cy="1946113"/>
+          </a:xfrm>
+          <a:prstGeom prst="rect">
+            <a:avLst/>
+          </a:prstGeom>
+        </p:spPr>
+      </p:pic>
     </p:spTree>
     <p:extLst>
       <p:ext uri="{BB962C8B-B14F-4D97-AF65-F5344CB8AC3E}">
-        <p14:creationId xmlns:p14="http://schemas.microsoft.com/office/powerpoint/2010/main" val="3660587141"/>
+        <p14:creationId xmlns:p14="http://schemas.microsoft.com/office/powerpoint/2010/main" val="2298955858"/>
       </p:ext>
     </p:extLst>
   </p:cSld>
@@ -4750,7 +4722,7 @@
           <p:cNvPr id="2" name="Title 1">
             <a:extLst>
               <a:ext uri="{FF2B5EF4-FFF2-40B4-BE49-F238E27FC236}">
-                <a16:creationId xmlns:a16="http://schemas.microsoft.com/office/drawing/2014/main" id="{7578BACF-DD22-E943-ABC2-6EB7D915ACFB}"/>
+                <a16:creationId xmlns:a16="http://schemas.microsoft.com/office/drawing/2014/main" id="{E8B20FD1-F3AB-B344-96CB-AF7A7B9D09B9}"/>
               </a:ext>
             </a:extLst>
           </p:cNvPr>
@@ -4761,12 +4733,7 @@
             <p:ph type="title"/>
           </p:nvPr>
         </p:nvSpPr>
-        <p:spPr>
-          <a:xfrm>
-            <a:off x="1101777" y="520908"/>
-            <a:ext cx="9601200" cy="1485900"/>
-          </a:xfrm>
-        </p:spPr>
+        <p:spPr/>
         <p:txBody>
           <a:bodyPr/>
           <a:lstStyle/>
@@ -4776,20 +4743,7 @@
                 <a:latin typeface="HGGothicE" panose="020B0909000000000000" pitchFamily="49" charset="-128"/>
                 <a:ea typeface="HGGothicE" panose="020B0909000000000000" pitchFamily="49" charset="-128"/>
               </a:rPr>
-              <a:t>FINAL QUESTIONS</a:t>
-            </a:r>
-            <a:br>
-              <a:rPr lang="en-US" dirty="0">
-                <a:latin typeface="HGGothicE" panose="020B0909000000000000" pitchFamily="49" charset="-128"/>
-                <a:ea typeface="HGGothicE" panose="020B0909000000000000" pitchFamily="49" charset="-128"/>
-              </a:rPr>
-            </a:br>
-            <a:r>
-              <a:rPr lang="en-US" sz="2000" dirty="0">
-                <a:latin typeface="HGGothicE" panose="020B0909000000000000" pitchFamily="49" charset="-128"/>
-                <a:ea typeface="HGGothicE" panose="020B0909000000000000" pitchFamily="49" charset="-128"/>
-              </a:rPr>
-              <a:t>Based on what we found and thought we could reasonably measure, we are looking at the following topics:</a:t>
+              <a:t>NOW…</a:t>
             </a:r>
             <a:endParaRPr lang="en-US" dirty="0">
               <a:latin typeface="HGGothicE" panose="020B0909000000000000" pitchFamily="49" charset="-128"/>
@@ -4798,136 +4752,2049 @@
           </a:p>
         </p:txBody>
       </p:sp>
-      <p:sp>
-        <p:nvSpPr>
-          <p:cNvPr id="3" name="Content Placeholder 2">
+      <p:graphicFrame>
+        <p:nvGraphicFramePr>
+          <p:cNvPr id="6" name="Table 5">
             <a:extLst>
               <a:ext uri="{FF2B5EF4-FFF2-40B4-BE49-F238E27FC236}">
-                <a16:creationId xmlns:a16="http://schemas.microsoft.com/office/drawing/2014/main" id="{F9CBBE14-994A-A84C-A2F8-C27432D66091}"/>
+                <a16:creationId xmlns:a16="http://schemas.microsoft.com/office/drawing/2014/main" id="{66963F8F-6DA5-234B-99FD-E85CE146D564}"/>
               </a:ext>
             </a:extLst>
           </p:cNvPr>
-          <p:cNvSpPr>
-            <a:spLocks noGrp="1"/>
-          </p:cNvSpPr>
+          <p:cNvGraphicFramePr>
+            <a:graphicFrameLocks noGrp="1"/>
+          </p:cNvGraphicFramePr>
           <p:nvPr>
-            <p:ph idx="1"/>
+            <p:extLst>
+              <p:ext uri="{D42A27DB-BD31-4B8C-83A1-F6EECF244321}">
+                <p14:modId xmlns:p14="http://schemas.microsoft.com/office/powerpoint/2010/main" val="1905778146"/>
+              </p:ext>
+            </p:extLst>
           </p:nvPr>
+        </p:nvGraphicFramePr>
+        <p:xfrm>
+          <a:off x="1219200" y="1428750"/>
+          <a:ext cx="6592111" cy="5022561"/>
+        </p:xfrm>
+        <a:graphic>
+          <a:graphicData uri="http://schemas.openxmlformats.org/drawingml/2006/table">
+            <a:tbl>
+              <a:tblPr>
+                <a:tableStyleId>{5C22544A-7EE6-4342-B048-85BDC9FD1C3A}</a:tableStyleId>
+              </a:tblPr>
+              <a:tblGrid>
+                <a:gridCol w="1942289">
+                  <a:extLst>
+                    <a:ext uri="{9D8B030D-6E8A-4147-A177-3AD203B41FA5}">
+                      <a16:colId xmlns:a16="http://schemas.microsoft.com/office/drawing/2014/main" val="529638251"/>
+                    </a:ext>
+                  </a:extLst>
+                </a:gridCol>
+                <a:gridCol w="1663430">
+                  <a:extLst>
+                    <a:ext uri="{9D8B030D-6E8A-4147-A177-3AD203B41FA5}">
+                      <a16:colId xmlns:a16="http://schemas.microsoft.com/office/drawing/2014/main" val="302757644"/>
+                    </a:ext>
+                  </a:extLst>
+                </a:gridCol>
+                <a:gridCol w="1494298">
+                  <a:extLst>
+                    <a:ext uri="{9D8B030D-6E8A-4147-A177-3AD203B41FA5}">
+                      <a16:colId xmlns:a16="http://schemas.microsoft.com/office/drawing/2014/main" val="3106589019"/>
+                    </a:ext>
+                  </a:extLst>
+                </a:gridCol>
+                <a:gridCol w="1492094">
+                  <a:extLst>
+                    <a:ext uri="{9D8B030D-6E8A-4147-A177-3AD203B41FA5}">
+                      <a16:colId xmlns:a16="http://schemas.microsoft.com/office/drawing/2014/main" val="4454495"/>
+                    </a:ext>
+                  </a:extLst>
+                </a:gridCol>
+              </a:tblGrid>
+              <a:tr h="205866">
+                <a:tc>
+                  <a:txBody>
+                    <a:bodyPr/>
+                    <a:lstStyle/>
+                    <a:p>
+                      <a:pPr algn="ctr" fontAlgn="ctr"/>
+                      <a:r>
+                        <a:rPr lang="en-US" sz="1050" b="1" i="0" u="none" strike="noStrike" dirty="0">
+                          <a:solidFill>
+                            <a:srgbClr val="000000"/>
+                          </a:solidFill>
+                          <a:effectLst/>
+                          <a:latin typeface="Calibri" panose="020F0502020204030204" pitchFamily="34" charset="0"/>
+                        </a:rPr>
+                        <a:t>Category</a:t>
+                      </a:r>
+                    </a:p>
+                  </a:txBody>
+                  <a:tcPr marL="6715" marR="6715" marT="6715" marB="0" anchor="ctr"/>
+                </a:tc>
+                <a:tc>
+                  <a:txBody>
+                    <a:bodyPr/>
+                    <a:lstStyle/>
+                    <a:p>
+                      <a:pPr algn="ctr" fontAlgn="ctr"/>
+                      <a:r>
+                        <a:rPr lang="en-US" sz="1050" b="1" i="0" u="none" strike="noStrike" dirty="0">
+                          <a:solidFill>
+                            <a:srgbClr val="000000"/>
+                          </a:solidFill>
+                          <a:effectLst/>
+                          <a:latin typeface="Calibri" panose="020F0502020204030204" pitchFamily="34" charset="0"/>
+                        </a:rPr>
+                        <a:t>Ex 1</a:t>
+                      </a:r>
+                    </a:p>
+                  </a:txBody>
+                  <a:tcPr marL="6715" marR="6715" marT="6715" marB="0" anchor="ctr"/>
+                </a:tc>
+                <a:tc>
+                  <a:txBody>
+                    <a:bodyPr/>
+                    <a:lstStyle/>
+                    <a:p>
+                      <a:pPr algn="ctr" fontAlgn="ctr"/>
+                      <a:r>
+                        <a:rPr lang="en-US" sz="1050" b="1" i="0" u="none" strike="noStrike" dirty="0">
+                          <a:solidFill>
+                            <a:srgbClr val="000000"/>
+                          </a:solidFill>
+                          <a:effectLst/>
+                          <a:latin typeface="Calibri" panose="020F0502020204030204" pitchFamily="34" charset="0"/>
+                        </a:rPr>
+                        <a:t>Ex 2</a:t>
+                      </a:r>
+                    </a:p>
+                  </a:txBody>
+                  <a:tcPr marL="6715" marR="6715" marT="6715" marB="0" anchor="ctr"/>
+                </a:tc>
+                <a:tc>
+                  <a:txBody>
+                    <a:bodyPr/>
+                    <a:lstStyle/>
+                    <a:p>
+                      <a:pPr algn="ctr" fontAlgn="ctr"/>
+                      <a:r>
+                        <a:rPr lang="en-US" sz="1050" b="1" i="0" u="none" strike="noStrike" dirty="0">
+                          <a:solidFill>
+                            <a:srgbClr val="000000"/>
+                          </a:solidFill>
+                          <a:effectLst/>
+                          <a:latin typeface="Calibri" panose="020F0502020204030204" pitchFamily="34" charset="0"/>
+                        </a:rPr>
+                        <a:t>Ex 3</a:t>
+                      </a:r>
+                    </a:p>
+                  </a:txBody>
+                  <a:tcPr marL="6715" marR="6715" marT="6715" marB="0" anchor="ctr"/>
+                </a:tc>
+                <a:extLst>
+                  <a:ext uri="{0D108BD9-81ED-4DB2-BD59-A6C34878D82A}">
+                    <a16:rowId xmlns:a16="http://schemas.microsoft.com/office/drawing/2014/main" val="3864256481"/>
+                  </a:ext>
+                </a:extLst>
+              </a:tr>
+              <a:tr h="196138">
+                <a:tc>
+                  <a:txBody>
+                    <a:bodyPr/>
+                    <a:lstStyle/>
+                    <a:p>
+                      <a:pPr algn="ctr" fontAlgn="ctr"/>
+                      <a:r>
+                        <a:rPr lang="en-US" sz="1050" b="1" u="none" strike="noStrike" dirty="0" err="1">
+                          <a:effectLst/>
+                        </a:rPr>
+                        <a:t>arrestee_id</a:t>
+                      </a:r>
+                      <a:endParaRPr lang="en-US" sz="1050" b="1" i="0" u="none" strike="noStrike" dirty="0">
+                        <a:solidFill>
+                          <a:srgbClr val="000000"/>
+                        </a:solidFill>
+                        <a:effectLst/>
+                        <a:latin typeface="Calibri" panose="020F0502020204030204" pitchFamily="34" charset="0"/>
+                      </a:endParaRPr>
+                    </a:p>
+                  </a:txBody>
+                  <a:tcPr marL="6715" marR="6715" marT="6715" marB="0" anchor="ctr"/>
+                </a:tc>
+                <a:tc>
+                  <a:txBody>
+                    <a:bodyPr/>
+                    <a:lstStyle/>
+                    <a:p>
+                      <a:pPr algn="ctr" fontAlgn="ctr"/>
+                      <a:r>
+                        <a:rPr lang="en-US" sz="1050" u="none" strike="noStrike">
+                          <a:effectLst/>
+                        </a:rPr>
+                        <a:t>27601649</a:t>
+                      </a:r>
+                      <a:endParaRPr lang="en-US" sz="1050" b="0" i="0" u="none" strike="noStrike">
+                        <a:solidFill>
+                          <a:srgbClr val="000000"/>
+                        </a:solidFill>
+                        <a:effectLst/>
+                        <a:latin typeface="Calibri" panose="020F0502020204030204" pitchFamily="34" charset="0"/>
+                      </a:endParaRPr>
+                    </a:p>
+                  </a:txBody>
+                  <a:tcPr marL="6715" marR="6715" marT="6715" marB="0" anchor="ctr"/>
+                </a:tc>
+                <a:tc>
+                  <a:txBody>
+                    <a:bodyPr/>
+                    <a:lstStyle/>
+                    <a:p>
+                      <a:pPr algn="ctr" fontAlgn="ctr"/>
+                      <a:r>
+                        <a:rPr lang="en-US" sz="1050" u="none" strike="noStrike">
+                          <a:effectLst/>
+                        </a:rPr>
+                        <a:t>32145814</a:t>
+                      </a:r>
+                      <a:endParaRPr lang="en-US" sz="1050" b="0" i="0" u="none" strike="noStrike">
+                        <a:solidFill>
+                          <a:srgbClr val="000000"/>
+                        </a:solidFill>
+                        <a:effectLst/>
+                        <a:latin typeface="Calibri" panose="020F0502020204030204" pitchFamily="34" charset="0"/>
+                      </a:endParaRPr>
+                    </a:p>
+                  </a:txBody>
+                  <a:tcPr marL="6715" marR="6715" marT="6715" marB="0" anchor="ctr"/>
+                </a:tc>
+                <a:tc>
+                  <a:txBody>
+                    <a:bodyPr/>
+                    <a:lstStyle/>
+                    <a:p>
+                      <a:pPr algn="ctr" fontAlgn="ctr"/>
+                      <a:r>
+                        <a:rPr lang="en-US" sz="1050" u="none" strike="noStrike">
+                          <a:effectLst/>
+                        </a:rPr>
+                        <a:t>28740817</a:t>
+                      </a:r>
+                      <a:endParaRPr lang="en-US" sz="1050" b="0" i="0" u="none" strike="noStrike">
+                        <a:solidFill>
+                          <a:srgbClr val="000000"/>
+                        </a:solidFill>
+                        <a:effectLst/>
+                        <a:latin typeface="Calibri" panose="020F0502020204030204" pitchFamily="34" charset="0"/>
+                      </a:endParaRPr>
+                    </a:p>
+                  </a:txBody>
+                  <a:tcPr marL="6715" marR="6715" marT="6715" marB="0" anchor="ctr"/>
+                </a:tc>
+                <a:extLst>
+                  <a:ext uri="{0D108BD9-81ED-4DB2-BD59-A6C34878D82A}">
+                    <a16:rowId xmlns:a16="http://schemas.microsoft.com/office/drawing/2014/main" val="3346958674"/>
+                  </a:ext>
+                </a:extLst>
+              </a:tr>
+              <a:tr h="196138">
+                <a:tc>
+                  <a:txBody>
+                    <a:bodyPr/>
+                    <a:lstStyle/>
+                    <a:p>
+                      <a:pPr algn="ctr" fontAlgn="ctr"/>
+                      <a:r>
+                        <a:rPr lang="en-US" sz="1050" b="1" u="none" strike="noStrike" dirty="0" err="1">
+                          <a:effectLst/>
+                        </a:rPr>
+                        <a:t>arrestee_incident_id</a:t>
+                      </a:r>
+                      <a:endParaRPr lang="en-US" sz="1050" b="1" i="0" u="none" strike="noStrike" dirty="0">
+                        <a:solidFill>
+                          <a:srgbClr val="000000"/>
+                        </a:solidFill>
+                        <a:effectLst/>
+                        <a:latin typeface="Calibri" panose="020F0502020204030204" pitchFamily="34" charset="0"/>
+                      </a:endParaRPr>
+                    </a:p>
+                  </a:txBody>
+                  <a:tcPr marL="6715" marR="6715" marT="6715" marB="0" anchor="ctr"/>
+                </a:tc>
+                <a:tc>
+                  <a:txBody>
+                    <a:bodyPr/>
+                    <a:lstStyle/>
+                    <a:p>
+                      <a:pPr algn="ctr" fontAlgn="ctr"/>
+                      <a:r>
+                        <a:rPr lang="en-US" sz="1050" u="none" strike="noStrike">
+                          <a:effectLst/>
+                        </a:rPr>
+                        <a:t>94289060</a:t>
+                      </a:r>
+                      <a:endParaRPr lang="en-US" sz="1050" b="0" i="0" u="none" strike="noStrike">
+                        <a:solidFill>
+                          <a:srgbClr val="000000"/>
+                        </a:solidFill>
+                        <a:effectLst/>
+                        <a:latin typeface="Calibri" panose="020F0502020204030204" pitchFamily="34" charset="0"/>
+                      </a:endParaRPr>
+                    </a:p>
+                  </a:txBody>
+                  <a:tcPr marL="6715" marR="6715" marT="6715" marB="0" anchor="ctr"/>
+                </a:tc>
+                <a:tc>
+                  <a:txBody>
+                    <a:bodyPr/>
+                    <a:lstStyle/>
+                    <a:p>
+                      <a:pPr algn="ctr" fontAlgn="ctr"/>
+                      <a:r>
+                        <a:rPr lang="en-US" sz="1050" u="none" strike="noStrike">
+                          <a:effectLst/>
+                        </a:rPr>
+                        <a:t>107816657</a:t>
+                      </a:r>
+                      <a:endParaRPr lang="en-US" sz="1050" b="0" i="0" u="none" strike="noStrike">
+                        <a:solidFill>
+                          <a:srgbClr val="000000"/>
+                        </a:solidFill>
+                        <a:effectLst/>
+                        <a:latin typeface="Calibri" panose="020F0502020204030204" pitchFamily="34" charset="0"/>
+                      </a:endParaRPr>
+                    </a:p>
+                  </a:txBody>
+                  <a:tcPr marL="6715" marR="6715" marT="6715" marB="0" anchor="ctr"/>
+                </a:tc>
+                <a:tc>
+                  <a:txBody>
+                    <a:bodyPr/>
+                    <a:lstStyle/>
+                    <a:p>
+                      <a:pPr algn="ctr" fontAlgn="ctr"/>
+                      <a:r>
+                        <a:rPr lang="en-US" sz="1050" u="none" strike="noStrike">
+                          <a:effectLst/>
+                        </a:rPr>
+                        <a:t>97592974</a:t>
+                      </a:r>
+                      <a:endParaRPr lang="en-US" sz="1050" b="0" i="0" u="none" strike="noStrike">
+                        <a:solidFill>
+                          <a:srgbClr val="000000"/>
+                        </a:solidFill>
+                        <a:effectLst/>
+                        <a:latin typeface="Calibri" panose="020F0502020204030204" pitchFamily="34" charset="0"/>
+                      </a:endParaRPr>
+                    </a:p>
+                  </a:txBody>
+                  <a:tcPr marL="6715" marR="6715" marT="6715" marB="0" anchor="ctr"/>
+                </a:tc>
+                <a:extLst>
+                  <a:ext uri="{0D108BD9-81ED-4DB2-BD59-A6C34878D82A}">
+                    <a16:rowId xmlns:a16="http://schemas.microsoft.com/office/drawing/2014/main" val="4091426251"/>
+                  </a:ext>
+                </a:extLst>
+              </a:tr>
+              <a:tr h="299080">
+                <a:tc>
+                  <a:txBody>
+                    <a:bodyPr/>
+                    <a:lstStyle/>
+                    <a:p>
+                      <a:pPr algn="ctr" fontAlgn="ctr"/>
+                      <a:r>
+                        <a:rPr lang="en-US" sz="1050" b="1" u="none" strike="noStrike" dirty="0" err="1">
+                          <a:effectLst/>
+                        </a:rPr>
+                        <a:t>arrest_date</a:t>
+                      </a:r>
+                      <a:endParaRPr lang="en-US" sz="1050" b="1" i="0" u="none" strike="noStrike" dirty="0">
+                        <a:solidFill>
+                          <a:srgbClr val="000000"/>
+                        </a:solidFill>
+                        <a:effectLst/>
+                        <a:latin typeface="Calibri" panose="020F0502020204030204" pitchFamily="34" charset="0"/>
+                      </a:endParaRPr>
+                    </a:p>
+                  </a:txBody>
+                  <a:tcPr marL="6715" marR="6715" marT="6715" marB="0" anchor="ctr"/>
+                </a:tc>
+                <a:tc>
+                  <a:txBody>
+                    <a:bodyPr/>
+                    <a:lstStyle/>
+                    <a:p>
+                      <a:pPr algn="ctr" fontAlgn="ctr"/>
+                      <a:r>
+                        <a:rPr lang="en-US" sz="1050" u="none" strike="noStrike">
+                          <a:effectLst/>
+                        </a:rPr>
+                        <a:t>2/25/16 0:00</a:t>
+                      </a:r>
+                      <a:endParaRPr lang="en-US" sz="1050" b="0" i="0" u="none" strike="noStrike">
+                        <a:solidFill>
+                          <a:srgbClr val="000000"/>
+                        </a:solidFill>
+                        <a:effectLst/>
+                        <a:latin typeface="Calibri" panose="020F0502020204030204" pitchFamily="34" charset="0"/>
+                      </a:endParaRPr>
+                    </a:p>
+                  </a:txBody>
+                  <a:tcPr marL="6715" marR="6715" marT="6715" marB="0" anchor="ctr"/>
+                </a:tc>
+                <a:tc>
+                  <a:txBody>
+                    <a:bodyPr/>
+                    <a:lstStyle/>
+                    <a:p>
+                      <a:pPr algn="ctr" fontAlgn="ctr"/>
+                      <a:r>
+                        <a:rPr lang="en-US" sz="1050" u="none" strike="noStrike">
+                          <a:effectLst/>
+                        </a:rPr>
+                        <a:t>7/8/18 0:00</a:t>
+                      </a:r>
+                      <a:endParaRPr lang="en-US" sz="1050" b="0" i="0" u="none" strike="noStrike">
+                        <a:solidFill>
+                          <a:srgbClr val="000000"/>
+                        </a:solidFill>
+                        <a:effectLst/>
+                        <a:latin typeface="Calibri" panose="020F0502020204030204" pitchFamily="34" charset="0"/>
+                      </a:endParaRPr>
+                    </a:p>
+                  </a:txBody>
+                  <a:tcPr marL="6715" marR="6715" marT="6715" marB="0" anchor="ctr"/>
+                </a:tc>
+                <a:tc>
+                  <a:txBody>
+                    <a:bodyPr/>
+                    <a:lstStyle/>
+                    <a:p>
+                      <a:pPr algn="ctr" fontAlgn="ctr"/>
+                      <a:r>
+                        <a:rPr lang="en-US" sz="1050" u="none" strike="noStrike">
+                          <a:effectLst/>
+                        </a:rPr>
+                        <a:t>12/24/17 0:00</a:t>
+                      </a:r>
+                      <a:endParaRPr lang="en-US" sz="1050" b="0" i="0" u="none" strike="noStrike">
+                        <a:solidFill>
+                          <a:srgbClr val="000000"/>
+                        </a:solidFill>
+                        <a:effectLst/>
+                        <a:latin typeface="Calibri" panose="020F0502020204030204" pitchFamily="34" charset="0"/>
+                      </a:endParaRPr>
+                    </a:p>
+                  </a:txBody>
+                  <a:tcPr marL="6715" marR="6715" marT="6715" marB="0" anchor="ctr"/>
+                </a:tc>
+                <a:extLst>
+                  <a:ext uri="{0D108BD9-81ED-4DB2-BD59-A6C34878D82A}">
+                    <a16:rowId xmlns:a16="http://schemas.microsoft.com/office/drawing/2014/main" val="3651711375"/>
+                  </a:ext>
+                </a:extLst>
+              </a:tr>
+              <a:tr h="342002">
+                <a:tc>
+                  <a:txBody>
+                    <a:bodyPr/>
+                    <a:lstStyle/>
+                    <a:p>
+                      <a:pPr algn="ctr" fontAlgn="ctr"/>
+                      <a:r>
+                        <a:rPr lang="en-US" sz="1050" b="1" u="none" strike="noStrike" dirty="0" err="1">
+                          <a:effectLst/>
+                        </a:rPr>
+                        <a:t>arrest_type_name</a:t>
+                      </a:r>
+                      <a:endParaRPr lang="en-US" sz="1050" b="1" i="0" u="none" strike="noStrike" dirty="0">
+                        <a:solidFill>
+                          <a:srgbClr val="000000"/>
+                        </a:solidFill>
+                        <a:effectLst/>
+                        <a:latin typeface="Calibri" panose="020F0502020204030204" pitchFamily="34" charset="0"/>
+                      </a:endParaRPr>
+                    </a:p>
+                  </a:txBody>
+                  <a:tcPr marL="6715" marR="6715" marT="6715" marB="0" anchor="ctr"/>
+                </a:tc>
+                <a:tc>
+                  <a:txBody>
+                    <a:bodyPr/>
+                    <a:lstStyle/>
+                    <a:p>
+                      <a:pPr algn="ctr" fontAlgn="ctr"/>
+                      <a:r>
+                        <a:rPr lang="en-US" sz="1050" u="none" strike="noStrike">
+                          <a:effectLst/>
+                        </a:rPr>
+                        <a:t>Taken INTO Custody</a:t>
+                      </a:r>
+                      <a:endParaRPr lang="en-US" sz="1050" b="0" i="0" u="none" strike="noStrike">
+                        <a:solidFill>
+                          <a:srgbClr val="000000"/>
+                        </a:solidFill>
+                        <a:effectLst/>
+                        <a:latin typeface="Calibri" panose="020F0502020204030204" pitchFamily="34" charset="0"/>
+                      </a:endParaRPr>
+                    </a:p>
+                  </a:txBody>
+                  <a:tcPr marL="6715" marR="6715" marT="6715" marB="0" anchor="ctr"/>
+                </a:tc>
+                <a:tc>
+                  <a:txBody>
+                    <a:bodyPr/>
+                    <a:lstStyle/>
+                    <a:p>
+                      <a:pPr algn="ctr" fontAlgn="ctr"/>
+                      <a:r>
+                        <a:rPr lang="en-US" sz="1050" u="none" strike="noStrike" dirty="0">
+                          <a:effectLst/>
+                        </a:rPr>
+                        <a:t>Taken INTO Custody</a:t>
+                      </a:r>
+                      <a:endParaRPr lang="en-US" sz="1050" b="0" i="0" u="none" strike="noStrike" dirty="0">
+                        <a:solidFill>
+                          <a:srgbClr val="000000"/>
+                        </a:solidFill>
+                        <a:effectLst/>
+                        <a:latin typeface="Calibri" panose="020F0502020204030204" pitchFamily="34" charset="0"/>
+                      </a:endParaRPr>
+                    </a:p>
+                  </a:txBody>
+                  <a:tcPr marL="6715" marR="6715" marT="6715" marB="0" anchor="ctr"/>
+                </a:tc>
+                <a:tc>
+                  <a:txBody>
+                    <a:bodyPr/>
+                    <a:lstStyle/>
+                    <a:p>
+                      <a:pPr algn="ctr" fontAlgn="ctr"/>
+                      <a:r>
+                        <a:rPr lang="en-US" sz="1050" u="none" strike="noStrike">
+                          <a:effectLst/>
+                        </a:rPr>
+                        <a:t>On View</a:t>
+                      </a:r>
+                      <a:endParaRPr lang="en-US" sz="1050" b="0" i="0" u="none" strike="noStrike">
+                        <a:solidFill>
+                          <a:srgbClr val="000000"/>
+                        </a:solidFill>
+                        <a:effectLst/>
+                        <a:latin typeface="Calibri" panose="020F0502020204030204" pitchFamily="34" charset="0"/>
+                      </a:endParaRPr>
+                    </a:p>
+                  </a:txBody>
+                  <a:tcPr marL="6715" marR="6715" marT="6715" marB="0" anchor="ctr"/>
+                </a:tc>
+                <a:extLst>
+                  <a:ext uri="{0D108BD9-81ED-4DB2-BD59-A6C34878D82A}">
+                    <a16:rowId xmlns:a16="http://schemas.microsoft.com/office/drawing/2014/main" val="3686306859"/>
+                  </a:ext>
+                </a:extLst>
+              </a:tr>
+              <a:tr h="572614">
+                <a:tc>
+                  <a:txBody>
+                    <a:bodyPr/>
+                    <a:lstStyle/>
+                    <a:p>
+                      <a:pPr algn="ctr" fontAlgn="ctr"/>
+                      <a:r>
+                        <a:rPr lang="en-US" sz="1050" b="1" u="none" strike="noStrike" dirty="0" err="1">
+                          <a:effectLst/>
+                        </a:rPr>
+                        <a:t>offense_name</a:t>
+                      </a:r>
+                      <a:endParaRPr lang="en-US" sz="1050" b="1" i="0" u="none" strike="noStrike" dirty="0">
+                        <a:solidFill>
+                          <a:srgbClr val="000000"/>
+                        </a:solidFill>
+                        <a:effectLst/>
+                        <a:latin typeface="Calibri" panose="020F0502020204030204" pitchFamily="34" charset="0"/>
+                      </a:endParaRPr>
+                    </a:p>
+                  </a:txBody>
+                  <a:tcPr marL="6715" marR="6715" marT="6715" marB="0" anchor="ctr"/>
+                </a:tc>
+                <a:tc>
+                  <a:txBody>
+                    <a:bodyPr/>
+                    <a:lstStyle/>
+                    <a:p>
+                      <a:pPr algn="ctr" fontAlgn="ctr"/>
+                      <a:r>
+                        <a:rPr lang="en-US" sz="1050" u="none" strike="noStrike">
+                          <a:effectLst/>
+                        </a:rPr>
+                        <a:t>Murder and Nonnegligent Manslaughter</a:t>
+                      </a:r>
+                      <a:endParaRPr lang="en-US" sz="1050" b="0" i="0" u="none" strike="noStrike">
+                        <a:solidFill>
+                          <a:srgbClr val="000000"/>
+                        </a:solidFill>
+                        <a:effectLst/>
+                        <a:latin typeface="Calibri" panose="020F0502020204030204" pitchFamily="34" charset="0"/>
+                      </a:endParaRPr>
+                    </a:p>
+                  </a:txBody>
+                  <a:tcPr marL="6715" marR="6715" marT="6715" marB="0" anchor="ctr"/>
+                </a:tc>
+                <a:tc>
+                  <a:txBody>
+                    <a:bodyPr/>
+                    <a:lstStyle/>
+                    <a:p>
+                      <a:pPr algn="ctr" fontAlgn="ctr"/>
+                      <a:r>
+                        <a:rPr lang="en-US" sz="1050" u="none" strike="noStrike">
+                          <a:effectLst/>
+                        </a:rPr>
+                        <a:t>Murder and Nonnegligent Manslaughter</a:t>
+                      </a:r>
+                      <a:endParaRPr lang="en-US" sz="1050" b="0" i="0" u="none" strike="noStrike">
+                        <a:solidFill>
+                          <a:srgbClr val="000000"/>
+                        </a:solidFill>
+                        <a:effectLst/>
+                        <a:latin typeface="Calibri" panose="020F0502020204030204" pitchFamily="34" charset="0"/>
+                      </a:endParaRPr>
+                    </a:p>
+                  </a:txBody>
+                  <a:tcPr marL="6715" marR="6715" marT="6715" marB="0" anchor="ctr"/>
+                </a:tc>
+                <a:tc>
+                  <a:txBody>
+                    <a:bodyPr/>
+                    <a:lstStyle/>
+                    <a:p>
+                      <a:pPr algn="ctr" fontAlgn="ctr"/>
+                      <a:r>
+                        <a:rPr lang="en-US" sz="1050" u="none" strike="noStrike">
+                          <a:effectLst/>
+                        </a:rPr>
+                        <a:t>Murder and Nonnegligent Manslaughter</a:t>
+                      </a:r>
+                      <a:endParaRPr lang="en-US" sz="1050" b="0" i="0" u="none" strike="noStrike">
+                        <a:solidFill>
+                          <a:srgbClr val="000000"/>
+                        </a:solidFill>
+                        <a:effectLst/>
+                        <a:latin typeface="Calibri" panose="020F0502020204030204" pitchFamily="34" charset="0"/>
+                      </a:endParaRPr>
+                    </a:p>
+                  </a:txBody>
+                  <a:tcPr marL="6715" marR="6715" marT="6715" marB="0" anchor="ctr"/>
+                </a:tc>
+                <a:extLst>
+                  <a:ext uri="{0D108BD9-81ED-4DB2-BD59-A6C34878D82A}">
+                    <a16:rowId xmlns:a16="http://schemas.microsoft.com/office/drawing/2014/main" val="2014987629"/>
+                  </a:ext>
+                </a:extLst>
+              </a:tr>
+              <a:tr h="196138">
+                <a:tc>
+                  <a:txBody>
+                    <a:bodyPr/>
+                    <a:lstStyle/>
+                    <a:p>
+                      <a:pPr algn="ctr" fontAlgn="ctr"/>
+                      <a:r>
+                        <a:rPr lang="en-US" sz="1050" b="1" u="none" strike="noStrike" dirty="0" err="1">
+                          <a:effectLst/>
+                        </a:rPr>
+                        <a:t>arrestee_age_num</a:t>
+                      </a:r>
+                      <a:endParaRPr lang="en-US" sz="1050" b="1" i="0" u="none" strike="noStrike" dirty="0">
+                        <a:solidFill>
+                          <a:srgbClr val="000000"/>
+                        </a:solidFill>
+                        <a:effectLst/>
+                        <a:latin typeface="Calibri" panose="020F0502020204030204" pitchFamily="34" charset="0"/>
+                      </a:endParaRPr>
+                    </a:p>
+                  </a:txBody>
+                  <a:tcPr marL="6715" marR="6715" marT="6715" marB="0" anchor="ctr"/>
+                </a:tc>
+                <a:tc>
+                  <a:txBody>
+                    <a:bodyPr/>
+                    <a:lstStyle/>
+                    <a:p>
+                      <a:pPr algn="ctr" fontAlgn="ctr"/>
+                      <a:r>
+                        <a:rPr lang="en-US" sz="1050" u="none" strike="noStrike">
+                          <a:effectLst/>
+                        </a:rPr>
+                        <a:t>30</a:t>
+                      </a:r>
+                      <a:endParaRPr lang="en-US" sz="1050" b="0" i="0" u="none" strike="noStrike">
+                        <a:solidFill>
+                          <a:srgbClr val="000000"/>
+                        </a:solidFill>
+                        <a:effectLst/>
+                        <a:latin typeface="Calibri" panose="020F0502020204030204" pitchFamily="34" charset="0"/>
+                      </a:endParaRPr>
+                    </a:p>
+                  </a:txBody>
+                  <a:tcPr marL="6715" marR="6715" marT="6715" marB="0" anchor="ctr"/>
+                </a:tc>
+                <a:tc>
+                  <a:txBody>
+                    <a:bodyPr/>
+                    <a:lstStyle/>
+                    <a:p>
+                      <a:pPr algn="ctr" fontAlgn="ctr"/>
+                      <a:r>
+                        <a:rPr lang="en-US" sz="1050" u="none" strike="noStrike">
+                          <a:effectLst/>
+                        </a:rPr>
+                        <a:t>19</a:t>
+                      </a:r>
+                      <a:endParaRPr lang="en-US" sz="1050" b="0" i="0" u="none" strike="noStrike">
+                        <a:solidFill>
+                          <a:srgbClr val="000000"/>
+                        </a:solidFill>
+                        <a:effectLst/>
+                        <a:latin typeface="Calibri" panose="020F0502020204030204" pitchFamily="34" charset="0"/>
+                      </a:endParaRPr>
+                    </a:p>
+                  </a:txBody>
+                  <a:tcPr marL="6715" marR="6715" marT="6715" marB="0" anchor="ctr"/>
+                </a:tc>
+                <a:tc>
+                  <a:txBody>
+                    <a:bodyPr/>
+                    <a:lstStyle/>
+                    <a:p>
+                      <a:pPr algn="ctr" fontAlgn="ctr"/>
+                      <a:r>
+                        <a:rPr lang="en-US" sz="1050" u="none" strike="noStrike">
+                          <a:effectLst/>
+                        </a:rPr>
+                        <a:t>32</a:t>
+                      </a:r>
+                      <a:endParaRPr lang="en-US" sz="1050" b="0" i="0" u="none" strike="noStrike">
+                        <a:solidFill>
+                          <a:srgbClr val="000000"/>
+                        </a:solidFill>
+                        <a:effectLst/>
+                        <a:latin typeface="Calibri" panose="020F0502020204030204" pitchFamily="34" charset="0"/>
+                      </a:endParaRPr>
+                    </a:p>
+                  </a:txBody>
+                  <a:tcPr marL="6715" marR="6715" marT="6715" marB="0" anchor="ctr"/>
+                </a:tc>
+                <a:extLst>
+                  <a:ext uri="{0D108BD9-81ED-4DB2-BD59-A6C34878D82A}">
+                    <a16:rowId xmlns:a16="http://schemas.microsoft.com/office/drawing/2014/main" val="845312032"/>
+                  </a:ext>
+                </a:extLst>
+              </a:tr>
+              <a:tr h="196138">
+                <a:tc>
+                  <a:txBody>
+                    <a:bodyPr/>
+                    <a:lstStyle/>
+                    <a:p>
+                      <a:pPr algn="ctr" fontAlgn="ctr"/>
+                      <a:r>
+                        <a:rPr lang="en-US" sz="1050" b="1" u="none" strike="noStrike" dirty="0" err="1">
+                          <a:effectLst/>
+                        </a:rPr>
+                        <a:t>arrestee_sex_code</a:t>
+                      </a:r>
+                      <a:endParaRPr lang="en-US" sz="1050" b="1" i="0" u="none" strike="noStrike" dirty="0">
+                        <a:solidFill>
+                          <a:srgbClr val="000000"/>
+                        </a:solidFill>
+                        <a:effectLst/>
+                        <a:latin typeface="Calibri" panose="020F0502020204030204" pitchFamily="34" charset="0"/>
+                      </a:endParaRPr>
+                    </a:p>
+                  </a:txBody>
+                  <a:tcPr marL="6715" marR="6715" marT="6715" marB="0" anchor="ctr"/>
+                </a:tc>
+                <a:tc>
+                  <a:txBody>
+                    <a:bodyPr/>
+                    <a:lstStyle/>
+                    <a:p>
+                      <a:pPr algn="ctr" fontAlgn="ctr"/>
+                      <a:r>
+                        <a:rPr lang="en-US" sz="1050" u="none" strike="noStrike">
+                          <a:effectLst/>
+                        </a:rPr>
+                        <a:t>M</a:t>
+                      </a:r>
+                      <a:endParaRPr lang="en-US" sz="1050" b="0" i="0" u="none" strike="noStrike">
+                        <a:solidFill>
+                          <a:srgbClr val="000000"/>
+                        </a:solidFill>
+                        <a:effectLst/>
+                        <a:latin typeface="Calibri" panose="020F0502020204030204" pitchFamily="34" charset="0"/>
+                      </a:endParaRPr>
+                    </a:p>
+                  </a:txBody>
+                  <a:tcPr marL="6715" marR="6715" marT="6715" marB="0" anchor="ctr"/>
+                </a:tc>
+                <a:tc>
+                  <a:txBody>
+                    <a:bodyPr/>
+                    <a:lstStyle/>
+                    <a:p>
+                      <a:pPr algn="ctr" fontAlgn="ctr"/>
+                      <a:r>
+                        <a:rPr lang="en-US" sz="1050" u="none" strike="noStrike">
+                          <a:effectLst/>
+                        </a:rPr>
+                        <a:t>F</a:t>
+                      </a:r>
+                      <a:endParaRPr lang="en-US" sz="1050" b="0" i="0" u="none" strike="noStrike">
+                        <a:solidFill>
+                          <a:srgbClr val="000000"/>
+                        </a:solidFill>
+                        <a:effectLst/>
+                        <a:latin typeface="Calibri" panose="020F0502020204030204" pitchFamily="34" charset="0"/>
+                      </a:endParaRPr>
+                    </a:p>
+                  </a:txBody>
+                  <a:tcPr marL="6715" marR="6715" marT="6715" marB="0" anchor="ctr"/>
+                </a:tc>
+                <a:tc>
+                  <a:txBody>
+                    <a:bodyPr/>
+                    <a:lstStyle/>
+                    <a:p>
+                      <a:pPr algn="ctr" fontAlgn="ctr"/>
+                      <a:r>
+                        <a:rPr lang="en-US" sz="1050" u="none" strike="noStrike">
+                          <a:effectLst/>
+                        </a:rPr>
+                        <a:t>M</a:t>
+                      </a:r>
+                      <a:endParaRPr lang="en-US" sz="1050" b="0" i="0" u="none" strike="noStrike">
+                        <a:solidFill>
+                          <a:srgbClr val="000000"/>
+                        </a:solidFill>
+                        <a:effectLst/>
+                        <a:latin typeface="Calibri" panose="020F0502020204030204" pitchFamily="34" charset="0"/>
+                      </a:endParaRPr>
+                    </a:p>
+                  </a:txBody>
+                  <a:tcPr marL="6715" marR="6715" marT="6715" marB="0" anchor="ctr"/>
+                </a:tc>
+                <a:extLst>
+                  <a:ext uri="{0D108BD9-81ED-4DB2-BD59-A6C34878D82A}">
+                    <a16:rowId xmlns:a16="http://schemas.microsoft.com/office/drawing/2014/main" val="3444856028"/>
+                  </a:ext>
+                </a:extLst>
+              </a:tr>
+              <a:tr h="342002">
+                <a:tc>
+                  <a:txBody>
+                    <a:bodyPr/>
+                    <a:lstStyle/>
+                    <a:p>
+                      <a:pPr algn="ctr" fontAlgn="ctr"/>
+                      <a:r>
+                        <a:rPr lang="en-US" sz="1050" b="1" u="none" strike="noStrike" dirty="0" err="1">
+                          <a:effectLst/>
+                        </a:rPr>
+                        <a:t>arrestee_race_desc</a:t>
+                      </a:r>
+                      <a:endParaRPr lang="en-US" sz="1050" b="1" i="0" u="none" strike="noStrike" dirty="0">
+                        <a:solidFill>
+                          <a:srgbClr val="000000"/>
+                        </a:solidFill>
+                        <a:effectLst/>
+                        <a:latin typeface="Calibri" panose="020F0502020204030204" pitchFamily="34" charset="0"/>
+                      </a:endParaRPr>
+                    </a:p>
+                  </a:txBody>
+                  <a:tcPr marL="6715" marR="6715" marT="6715" marB="0" anchor="ctr"/>
+                </a:tc>
+                <a:tc>
+                  <a:txBody>
+                    <a:bodyPr/>
+                    <a:lstStyle/>
+                    <a:p>
+                      <a:pPr algn="ctr" fontAlgn="ctr"/>
+                      <a:r>
+                        <a:rPr lang="en-US" sz="1050" u="none" strike="noStrike">
+                          <a:effectLst/>
+                        </a:rPr>
+                        <a:t>Black or African American</a:t>
+                      </a:r>
+                      <a:endParaRPr lang="en-US" sz="1050" b="0" i="0" u="none" strike="noStrike">
+                        <a:solidFill>
+                          <a:srgbClr val="000000"/>
+                        </a:solidFill>
+                        <a:effectLst/>
+                        <a:latin typeface="Calibri" panose="020F0502020204030204" pitchFamily="34" charset="0"/>
+                      </a:endParaRPr>
+                    </a:p>
+                  </a:txBody>
+                  <a:tcPr marL="6715" marR="6715" marT="6715" marB="0" anchor="ctr"/>
+                </a:tc>
+                <a:tc>
+                  <a:txBody>
+                    <a:bodyPr/>
+                    <a:lstStyle/>
+                    <a:p>
+                      <a:pPr algn="ctr" fontAlgn="ctr"/>
+                      <a:r>
+                        <a:rPr lang="en-US" sz="1050" u="none" strike="noStrike">
+                          <a:effectLst/>
+                        </a:rPr>
+                        <a:t>White</a:t>
+                      </a:r>
+                      <a:endParaRPr lang="en-US" sz="1050" b="0" i="0" u="none" strike="noStrike">
+                        <a:solidFill>
+                          <a:srgbClr val="000000"/>
+                        </a:solidFill>
+                        <a:effectLst/>
+                        <a:latin typeface="Calibri" panose="020F0502020204030204" pitchFamily="34" charset="0"/>
+                      </a:endParaRPr>
+                    </a:p>
+                  </a:txBody>
+                  <a:tcPr marL="6715" marR="6715" marT="6715" marB="0" anchor="ctr"/>
+                </a:tc>
+                <a:tc>
+                  <a:txBody>
+                    <a:bodyPr/>
+                    <a:lstStyle/>
+                    <a:p>
+                      <a:pPr algn="ctr" fontAlgn="ctr"/>
+                      <a:r>
+                        <a:rPr lang="en-US" sz="1050" u="none" strike="noStrike">
+                          <a:effectLst/>
+                        </a:rPr>
+                        <a:t>White</a:t>
+                      </a:r>
+                      <a:endParaRPr lang="en-US" sz="1050" b="0" i="0" u="none" strike="noStrike">
+                        <a:solidFill>
+                          <a:srgbClr val="000000"/>
+                        </a:solidFill>
+                        <a:effectLst/>
+                        <a:latin typeface="Calibri" panose="020F0502020204030204" pitchFamily="34" charset="0"/>
+                      </a:endParaRPr>
+                    </a:p>
+                  </a:txBody>
+                  <a:tcPr marL="6715" marR="6715" marT="6715" marB="0" anchor="ctr"/>
+                </a:tc>
+                <a:extLst>
+                  <a:ext uri="{0D108BD9-81ED-4DB2-BD59-A6C34878D82A}">
+                    <a16:rowId xmlns:a16="http://schemas.microsoft.com/office/drawing/2014/main" val="3290427217"/>
+                  </a:ext>
+                </a:extLst>
+              </a:tr>
+              <a:tr h="444613">
+                <a:tc>
+                  <a:txBody>
+                    <a:bodyPr/>
+                    <a:lstStyle/>
+                    <a:p>
+                      <a:pPr algn="ctr" fontAlgn="ctr"/>
+                      <a:r>
+                        <a:rPr lang="en-US" sz="1050" b="1" u="none" strike="noStrike" dirty="0" err="1">
+                          <a:effectLst/>
+                        </a:rPr>
+                        <a:t>arrestee_location_name</a:t>
+                      </a:r>
+                      <a:endParaRPr lang="en-US" sz="1050" b="1" i="0" u="none" strike="noStrike" dirty="0">
+                        <a:solidFill>
+                          <a:srgbClr val="000000"/>
+                        </a:solidFill>
+                        <a:effectLst/>
+                        <a:latin typeface="Calibri" panose="020F0502020204030204" pitchFamily="34" charset="0"/>
+                      </a:endParaRPr>
+                    </a:p>
+                  </a:txBody>
+                  <a:tcPr marL="6715" marR="6715" marT="6715" marB="0" anchor="ctr"/>
+                </a:tc>
+                <a:tc>
+                  <a:txBody>
+                    <a:bodyPr/>
+                    <a:lstStyle/>
+                    <a:p>
+                      <a:pPr algn="ctr" fontAlgn="ctr"/>
+                      <a:r>
+                        <a:rPr lang="en-US" sz="1050" u="none" strike="noStrike">
+                          <a:effectLst/>
+                        </a:rPr>
+                        <a:t>Highway/Road/Alley/Street/Sidewalk</a:t>
+                      </a:r>
+                      <a:endParaRPr lang="en-US" sz="1050" b="0" i="0" u="none" strike="noStrike">
+                        <a:solidFill>
+                          <a:srgbClr val="000000"/>
+                        </a:solidFill>
+                        <a:effectLst/>
+                        <a:latin typeface="Calibri" panose="020F0502020204030204" pitchFamily="34" charset="0"/>
+                      </a:endParaRPr>
+                    </a:p>
+                  </a:txBody>
+                  <a:tcPr marL="6715" marR="6715" marT="6715" marB="0" anchor="ctr"/>
+                </a:tc>
+                <a:tc>
+                  <a:txBody>
+                    <a:bodyPr/>
+                    <a:lstStyle/>
+                    <a:p>
+                      <a:pPr algn="ctr" fontAlgn="ctr"/>
+                      <a:r>
+                        <a:rPr lang="en-US" sz="1050" u="none" strike="noStrike">
+                          <a:effectLst/>
+                        </a:rPr>
+                        <a:t>Residence/Home</a:t>
+                      </a:r>
+                      <a:endParaRPr lang="en-US" sz="1050" b="0" i="0" u="none" strike="noStrike">
+                        <a:solidFill>
+                          <a:srgbClr val="000000"/>
+                        </a:solidFill>
+                        <a:effectLst/>
+                        <a:latin typeface="Calibri" panose="020F0502020204030204" pitchFamily="34" charset="0"/>
+                      </a:endParaRPr>
+                    </a:p>
+                  </a:txBody>
+                  <a:tcPr marL="6715" marR="6715" marT="6715" marB="0" anchor="ctr"/>
+                </a:tc>
+                <a:tc>
+                  <a:txBody>
+                    <a:bodyPr/>
+                    <a:lstStyle/>
+                    <a:p>
+                      <a:pPr algn="ctr" fontAlgn="ctr"/>
+                      <a:r>
+                        <a:rPr lang="en-US" sz="1050" u="none" strike="noStrike">
+                          <a:effectLst/>
+                        </a:rPr>
+                        <a:t>Other/Unknown</a:t>
+                      </a:r>
+                      <a:endParaRPr lang="en-US" sz="1050" b="0" i="0" u="none" strike="noStrike">
+                        <a:solidFill>
+                          <a:srgbClr val="000000"/>
+                        </a:solidFill>
+                        <a:effectLst/>
+                        <a:latin typeface="Calibri" panose="020F0502020204030204" pitchFamily="34" charset="0"/>
+                      </a:endParaRPr>
+                    </a:p>
+                  </a:txBody>
+                  <a:tcPr marL="6715" marR="6715" marT="6715" marB="0" anchor="ctr"/>
+                </a:tc>
+                <a:extLst>
+                  <a:ext uri="{0D108BD9-81ED-4DB2-BD59-A6C34878D82A}">
+                    <a16:rowId xmlns:a16="http://schemas.microsoft.com/office/drawing/2014/main" val="1764019479"/>
+                  </a:ext>
+                </a:extLst>
+              </a:tr>
+              <a:tr h="196138">
+                <a:tc>
+                  <a:txBody>
+                    <a:bodyPr/>
+                    <a:lstStyle/>
+                    <a:p>
+                      <a:pPr algn="ctr" fontAlgn="ctr"/>
+                      <a:r>
+                        <a:rPr lang="en-US" sz="1050" b="1" u="none" strike="noStrike" dirty="0" err="1">
+                          <a:effectLst/>
+                        </a:rPr>
+                        <a:t>victim_id</a:t>
+                      </a:r>
+                      <a:endParaRPr lang="en-US" sz="1050" b="1" i="0" u="none" strike="noStrike" dirty="0">
+                        <a:solidFill>
+                          <a:srgbClr val="000000"/>
+                        </a:solidFill>
+                        <a:effectLst/>
+                        <a:latin typeface="Calibri" panose="020F0502020204030204" pitchFamily="34" charset="0"/>
+                      </a:endParaRPr>
+                    </a:p>
+                  </a:txBody>
+                  <a:tcPr marL="6715" marR="6715" marT="6715" marB="0" anchor="ctr"/>
+                </a:tc>
+                <a:tc>
+                  <a:txBody>
+                    <a:bodyPr/>
+                    <a:lstStyle/>
+                    <a:p>
+                      <a:pPr algn="ctr" fontAlgn="ctr"/>
+                      <a:r>
+                        <a:rPr lang="en-US" sz="1050" u="none" strike="noStrike">
+                          <a:effectLst/>
+                        </a:rPr>
+                        <a:t>103194408</a:t>
+                      </a:r>
+                      <a:endParaRPr lang="en-US" sz="1050" b="0" i="0" u="none" strike="noStrike">
+                        <a:solidFill>
+                          <a:srgbClr val="000000"/>
+                        </a:solidFill>
+                        <a:effectLst/>
+                        <a:latin typeface="Calibri" panose="020F0502020204030204" pitchFamily="34" charset="0"/>
+                      </a:endParaRPr>
+                    </a:p>
+                  </a:txBody>
+                  <a:tcPr marL="6715" marR="6715" marT="6715" marB="0" anchor="ctr"/>
+                </a:tc>
+                <a:tc>
+                  <a:txBody>
+                    <a:bodyPr/>
+                    <a:lstStyle/>
+                    <a:p>
+                      <a:pPr algn="ctr" fontAlgn="ctr"/>
+                      <a:r>
+                        <a:rPr lang="en-US" sz="1050" u="none" strike="noStrike">
+                          <a:effectLst/>
+                        </a:rPr>
+                        <a:t>118680264</a:t>
+                      </a:r>
+                      <a:endParaRPr lang="en-US" sz="1050" b="0" i="0" u="none" strike="noStrike">
+                        <a:solidFill>
+                          <a:srgbClr val="000000"/>
+                        </a:solidFill>
+                        <a:effectLst/>
+                        <a:latin typeface="Calibri" panose="020F0502020204030204" pitchFamily="34" charset="0"/>
+                      </a:endParaRPr>
+                    </a:p>
+                  </a:txBody>
+                  <a:tcPr marL="6715" marR="6715" marT="6715" marB="0" anchor="ctr"/>
+                </a:tc>
+                <a:tc>
+                  <a:txBody>
+                    <a:bodyPr/>
+                    <a:lstStyle/>
+                    <a:p>
+                      <a:pPr algn="ctr" fontAlgn="ctr"/>
+                      <a:r>
+                        <a:rPr lang="en-US" sz="1050" u="none" strike="noStrike">
+                          <a:effectLst/>
+                        </a:rPr>
+                        <a:t>106949504</a:t>
+                      </a:r>
+                      <a:endParaRPr lang="en-US" sz="1050" b="0" i="0" u="none" strike="noStrike">
+                        <a:solidFill>
+                          <a:srgbClr val="000000"/>
+                        </a:solidFill>
+                        <a:effectLst/>
+                        <a:latin typeface="Calibri" panose="020F0502020204030204" pitchFamily="34" charset="0"/>
+                      </a:endParaRPr>
+                    </a:p>
+                  </a:txBody>
+                  <a:tcPr marL="6715" marR="6715" marT="6715" marB="0" anchor="ctr"/>
+                </a:tc>
+                <a:extLst>
+                  <a:ext uri="{0D108BD9-81ED-4DB2-BD59-A6C34878D82A}">
+                    <a16:rowId xmlns:a16="http://schemas.microsoft.com/office/drawing/2014/main" val="4075736386"/>
+                  </a:ext>
+                </a:extLst>
+              </a:tr>
+              <a:tr h="196138">
+                <a:tc>
+                  <a:txBody>
+                    <a:bodyPr/>
+                    <a:lstStyle/>
+                    <a:p>
+                      <a:pPr algn="ctr" fontAlgn="ctr"/>
+                      <a:r>
+                        <a:rPr lang="en-US" sz="1050" b="1" u="none" strike="noStrike" dirty="0" err="1">
+                          <a:effectLst/>
+                        </a:rPr>
+                        <a:t>victim_type_name</a:t>
+                      </a:r>
+                      <a:endParaRPr lang="en-US" sz="1050" b="1" i="0" u="none" strike="noStrike" dirty="0">
+                        <a:solidFill>
+                          <a:srgbClr val="000000"/>
+                        </a:solidFill>
+                        <a:effectLst/>
+                        <a:latin typeface="Calibri" panose="020F0502020204030204" pitchFamily="34" charset="0"/>
+                      </a:endParaRPr>
+                    </a:p>
+                  </a:txBody>
+                  <a:tcPr marL="6715" marR="6715" marT="6715" marB="0" anchor="ctr"/>
+                </a:tc>
+                <a:tc>
+                  <a:txBody>
+                    <a:bodyPr/>
+                    <a:lstStyle/>
+                    <a:p>
+                      <a:pPr algn="ctr" fontAlgn="ctr"/>
+                      <a:r>
+                        <a:rPr lang="en-US" sz="1050" u="none" strike="noStrike">
+                          <a:effectLst/>
+                        </a:rPr>
+                        <a:t>Individual</a:t>
+                      </a:r>
+                      <a:endParaRPr lang="en-US" sz="1050" b="0" i="0" u="none" strike="noStrike">
+                        <a:solidFill>
+                          <a:srgbClr val="000000"/>
+                        </a:solidFill>
+                        <a:effectLst/>
+                        <a:latin typeface="Calibri" panose="020F0502020204030204" pitchFamily="34" charset="0"/>
+                      </a:endParaRPr>
+                    </a:p>
+                  </a:txBody>
+                  <a:tcPr marL="6715" marR="6715" marT="6715" marB="0" anchor="ctr"/>
+                </a:tc>
+                <a:tc>
+                  <a:txBody>
+                    <a:bodyPr/>
+                    <a:lstStyle/>
+                    <a:p>
+                      <a:pPr algn="ctr" fontAlgn="ctr"/>
+                      <a:r>
+                        <a:rPr lang="en-US" sz="1050" u="none" strike="noStrike">
+                          <a:effectLst/>
+                        </a:rPr>
+                        <a:t>Individual</a:t>
+                      </a:r>
+                      <a:endParaRPr lang="en-US" sz="1050" b="0" i="0" u="none" strike="noStrike">
+                        <a:solidFill>
+                          <a:srgbClr val="000000"/>
+                        </a:solidFill>
+                        <a:effectLst/>
+                        <a:latin typeface="Calibri" panose="020F0502020204030204" pitchFamily="34" charset="0"/>
+                      </a:endParaRPr>
+                    </a:p>
+                  </a:txBody>
+                  <a:tcPr marL="6715" marR="6715" marT="6715" marB="0" anchor="ctr"/>
+                </a:tc>
+                <a:tc>
+                  <a:txBody>
+                    <a:bodyPr/>
+                    <a:lstStyle/>
+                    <a:p>
+                      <a:pPr algn="ctr" fontAlgn="ctr"/>
+                      <a:r>
+                        <a:rPr lang="en-US" sz="1050" u="none" strike="noStrike">
+                          <a:effectLst/>
+                        </a:rPr>
+                        <a:t>Individual</a:t>
+                      </a:r>
+                      <a:endParaRPr lang="en-US" sz="1050" b="0" i="0" u="none" strike="noStrike">
+                        <a:solidFill>
+                          <a:srgbClr val="000000"/>
+                        </a:solidFill>
+                        <a:effectLst/>
+                        <a:latin typeface="Calibri" panose="020F0502020204030204" pitchFamily="34" charset="0"/>
+                      </a:endParaRPr>
+                    </a:p>
+                  </a:txBody>
+                  <a:tcPr marL="6715" marR="6715" marT="6715" marB="0" anchor="ctr"/>
+                </a:tc>
+                <a:extLst>
+                  <a:ext uri="{0D108BD9-81ED-4DB2-BD59-A6C34878D82A}">
+                    <a16:rowId xmlns:a16="http://schemas.microsoft.com/office/drawing/2014/main" val="1189215564"/>
+                  </a:ext>
+                </a:extLst>
+              </a:tr>
+              <a:tr h="196138">
+                <a:tc>
+                  <a:txBody>
+                    <a:bodyPr/>
+                    <a:lstStyle/>
+                    <a:p>
+                      <a:pPr algn="ctr" fontAlgn="ctr"/>
+                      <a:r>
+                        <a:rPr lang="en-US" sz="1050" b="1" u="none" strike="noStrike" dirty="0" err="1">
+                          <a:effectLst/>
+                        </a:rPr>
+                        <a:t>victim_age_num</a:t>
+                      </a:r>
+                      <a:endParaRPr lang="en-US" sz="1050" b="1" i="0" u="none" strike="noStrike" dirty="0">
+                        <a:solidFill>
+                          <a:srgbClr val="000000"/>
+                        </a:solidFill>
+                        <a:effectLst/>
+                        <a:latin typeface="Calibri" panose="020F0502020204030204" pitchFamily="34" charset="0"/>
+                      </a:endParaRPr>
+                    </a:p>
+                  </a:txBody>
+                  <a:tcPr marL="6715" marR="6715" marT="6715" marB="0" anchor="ctr"/>
+                </a:tc>
+                <a:tc>
+                  <a:txBody>
+                    <a:bodyPr/>
+                    <a:lstStyle/>
+                    <a:p>
+                      <a:pPr algn="ctr" fontAlgn="ctr"/>
+                      <a:r>
+                        <a:rPr lang="en-US" sz="1050" u="none" strike="noStrike">
+                          <a:effectLst/>
+                        </a:rPr>
+                        <a:t>24</a:t>
+                      </a:r>
+                      <a:endParaRPr lang="en-US" sz="1050" b="0" i="0" u="none" strike="noStrike">
+                        <a:solidFill>
+                          <a:srgbClr val="000000"/>
+                        </a:solidFill>
+                        <a:effectLst/>
+                        <a:latin typeface="Calibri" panose="020F0502020204030204" pitchFamily="34" charset="0"/>
+                      </a:endParaRPr>
+                    </a:p>
+                  </a:txBody>
+                  <a:tcPr marL="6715" marR="6715" marT="6715" marB="0" anchor="ctr"/>
+                </a:tc>
+                <a:tc>
+                  <a:txBody>
+                    <a:bodyPr/>
+                    <a:lstStyle/>
+                    <a:p>
+                      <a:pPr algn="ctr" fontAlgn="ctr"/>
+                      <a:r>
+                        <a:rPr lang="en-US" sz="1050" u="none" strike="noStrike">
+                          <a:effectLst/>
+                        </a:rPr>
+                        <a:t>23</a:t>
+                      </a:r>
+                      <a:endParaRPr lang="en-US" sz="1050" b="0" i="0" u="none" strike="noStrike">
+                        <a:solidFill>
+                          <a:srgbClr val="000000"/>
+                        </a:solidFill>
+                        <a:effectLst/>
+                        <a:latin typeface="Calibri" panose="020F0502020204030204" pitchFamily="34" charset="0"/>
+                      </a:endParaRPr>
+                    </a:p>
+                  </a:txBody>
+                  <a:tcPr marL="6715" marR="6715" marT="6715" marB="0" anchor="ctr"/>
+                </a:tc>
+                <a:tc>
+                  <a:txBody>
+                    <a:bodyPr/>
+                    <a:lstStyle/>
+                    <a:p>
+                      <a:pPr algn="ctr" fontAlgn="ctr"/>
+                      <a:r>
+                        <a:rPr lang="en-US" sz="1050" u="none" strike="noStrike">
+                          <a:effectLst/>
+                        </a:rPr>
+                        <a:t>20</a:t>
+                      </a:r>
+                      <a:endParaRPr lang="en-US" sz="1050" b="0" i="0" u="none" strike="noStrike">
+                        <a:solidFill>
+                          <a:srgbClr val="000000"/>
+                        </a:solidFill>
+                        <a:effectLst/>
+                        <a:latin typeface="Calibri" panose="020F0502020204030204" pitchFamily="34" charset="0"/>
+                      </a:endParaRPr>
+                    </a:p>
+                  </a:txBody>
+                  <a:tcPr marL="6715" marR="6715" marT="6715" marB="0" anchor="ctr"/>
+                </a:tc>
+                <a:extLst>
+                  <a:ext uri="{0D108BD9-81ED-4DB2-BD59-A6C34878D82A}">
+                    <a16:rowId xmlns:a16="http://schemas.microsoft.com/office/drawing/2014/main" val="2809701015"/>
+                  </a:ext>
+                </a:extLst>
+              </a:tr>
+              <a:tr h="196138">
+                <a:tc>
+                  <a:txBody>
+                    <a:bodyPr/>
+                    <a:lstStyle/>
+                    <a:p>
+                      <a:pPr algn="ctr" fontAlgn="ctr"/>
+                      <a:r>
+                        <a:rPr lang="en-US" sz="1050" b="1" u="none" strike="noStrike" dirty="0" err="1">
+                          <a:effectLst/>
+                        </a:rPr>
+                        <a:t>victim_sex_code</a:t>
+                      </a:r>
+                      <a:endParaRPr lang="en-US" sz="1050" b="1" i="0" u="none" strike="noStrike" dirty="0">
+                        <a:solidFill>
+                          <a:srgbClr val="000000"/>
+                        </a:solidFill>
+                        <a:effectLst/>
+                        <a:latin typeface="Calibri" panose="020F0502020204030204" pitchFamily="34" charset="0"/>
+                      </a:endParaRPr>
+                    </a:p>
+                  </a:txBody>
+                  <a:tcPr marL="6715" marR="6715" marT="6715" marB="0" anchor="ctr"/>
+                </a:tc>
+                <a:tc>
+                  <a:txBody>
+                    <a:bodyPr/>
+                    <a:lstStyle/>
+                    <a:p>
+                      <a:pPr algn="ctr" fontAlgn="ctr"/>
+                      <a:r>
+                        <a:rPr lang="en-US" sz="1050" u="none" strike="noStrike">
+                          <a:effectLst/>
+                        </a:rPr>
+                        <a:t>F</a:t>
+                      </a:r>
+                      <a:endParaRPr lang="en-US" sz="1050" b="0" i="0" u="none" strike="noStrike">
+                        <a:solidFill>
+                          <a:srgbClr val="000000"/>
+                        </a:solidFill>
+                        <a:effectLst/>
+                        <a:latin typeface="Calibri" panose="020F0502020204030204" pitchFamily="34" charset="0"/>
+                      </a:endParaRPr>
+                    </a:p>
+                  </a:txBody>
+                  <a:tcPr marL="6715" marR="6715" marT="6715" marB="0" anchor="ctr"/>
+                </a:tc>
+                <a:tc>
+                  <a:txBody>
+                    <a:bodyPr/>
+                    <a:lstStyle/>
+                    <a:p>
+                      <a:pPr algn="ctr" fontAlgn="ctr"/>
+                      <a:r>
+                        <a:rPr lang="en-US" sz="1050" u="none" strike="noStrike">
+                          <a:effectLst/>
+                        </a:rPr>
+                        <a:t>M</a:t>
+                      </a:r>
+                      <a:endParaRPr lang="en-US" sz="1050" b="0" i="0" u="none" strike="noStrike">
+                        <a:solidFill>
+                          <a:srgbClr val="000000"/>
+                        </a:solidFill>
+                        <a:effectLst/>
+                        <a:latin typeface="Calibri" panose="020F0502020204030204" pitchFamily="34" charset="0"/>
+                      </a:endParaRPr>
+                    </a:p>
+                  </a:txBody>
+                  <a:tcPr marL="6715" marR="6715" marT="6715" marB="0" anchor="ctr"/>
+                </a:tc>
+                <a:tc>
+                  <a:txBody>
+                    <a:bodyPr/>
+                    <a:lstStyle/>
+                    <a:p>
+                      <a:pPr algn="ctr" fontAlgn="ctr"/>
+                      <a:r>
+                        <a:rPr lang="en-US" sz="1050" u="none" strike="noStrike">
+                          <a:effectLst/>
+                        </a:rPr>
+                        <a:t>F</a:t>
+                      </a:r>
+                      <a:endParaRPr lang="en-US" sz="1050" b="0" i="0" u="none" strike="noStrike">
+                        <a:solidFill>
+                          <a:srgbClr val="000000"/>
+                        </a:solidFill>
+                        <a:effectLst/>
+                        <a:latin typeface="Calibri" panose="020F0502020204030204" pitchFamily="34" charset="0"/>
+                      </a:endParaRPr>
+                    </a:p>
+                  </a:txBody>
+                  <a:tcPr marL="6715" marR="6715" marT="6715" marB="0" anchor="ctr"/>
+                </a:tc>
+                <a:extLst>
+                  <a:ext uri="{0D108BD9-81ED-4DB2-BD59-A6C34878D82A}">
+                    <a16:rowId xmlns:a16="http://schemas.microsoft.com/office/drawing/2014/main" val="3738843070"/>
+                  </a:ext>
+                </a:extLst>
+              </a:tr>
+              <a:tr h="342002">
+                <a:tc>
+                  <a:txBody>
+                    <a:bodyPr/>
+                    <a:lstStyle/>
+                    <a:p>
+                      <a:pPr algn="ctr" fontAlgn="ctr"/>
+                      <a:r>
+                        <a:rPr lang="en-US" sz="1050" b="1" u="none" strike="noStrike" dirty="0" err="1">
+                          <a:effectLst/>
+                        </a:rPr>
+                        <a:t>victim_race_desc</a:t>
+                      </a:r>
+                      <a:endParaRPr lang="en-US" sz="1050" b="1" i="0" u="none" strike="noStrike" dirty="0">
+                        <a:solidFill>
+                          <a:srgbClr val="000000"/>
+                        </a:solidFill>
+                        <a:effectLst/>
+                        <a:latin typeface="Calibri" panose="020F0502020204030204" pitchFamily="34" charset="0"/>
+                      </a:endParaRPr>
+                    </a:p>
+                  </a:txBody>
+                  <a:tcPr marL="6715" marR="6715" marT="6715" marB="0" anchor="ctr"/>
+                </a:tc>
+                <a:tc>
+                  <a:txBody>
+                    <a:bodyPr/>
+                    <a:lstStyle/>
+                    <a:p>
+                      <a:pPr algn="ctr" fontAlgn="ctr"/>
+                      <a:r>
+                        <a:rPr lang="en-US" sz="1050" u="none" strike="noStrike">
+                          <a:effectLst/>
+                        </a:rPr>
+                        <a:t>Black or African American</a:t>
+                      </a:r>
+                      <a:endParaRPr lang="en-US" sz="1050" b="0" i="0" u="none" strike="noStrike">
+                        <a:solidFill>
+                          <a:srgbClr val="000000"/>
+                        </a:solidFill>
+                        <a:effectLst/>
+                        <a:latin typeface="Calibri" panose="020F0502020204030204" pitchFamily="34" charset="0"/>
+                      </a:endParaRPr>
+                    </a:p>
+                  </a:txBody>
+                  <a:tcPr marL="6715" marR="6715" marT="6715" marB="0" anchor="ctr"/>
+                </a:tc>
+                <a:tc>
+                  <a:txBody>
+                    <a:bodyPr/>
+                    <a:lstStyle/>
+                    <a:p>
+                      <a:pPr algn="ctr" fontAlgn="ctr"/>
+                      <a:r>
+                        <a:rPr lang="en-US" sz="1050" u="none" strike="noStrike">
+                          <a:effectLst/>
+                        </a:rPr>
+                        <a:t>White</a:t>
+                      </a:r>
+                      <a:endParaRPr lang="en-US" sz="1050" b="0" i="0" u="none" strike="noStrike">
+                        <a:solidFill>
+                          <a:srgbClr val="000000"/>
+                        </a:solidFill>
+                        <a:effectLst/>
+                        <a:latin typeface="Calibri" panose="020F0502020204030204" pitchFamily="34" charset="0"/>
+                      </a:endParaRPr>
+                    </a:p>
+                  </a:txBody>
+                  <a:tcPr marL="6715" marR="6715" marT="6715" marB="0" anchor="ctr"/>
+                </a:tc>
+                <a:tc>
+                  <a:txBody>
+                    <a:bodyPr/>
+                    <a:lstStyle/>
+                    <a:p>
+                      <a:pPr algn="ctr" fontAlgn="ctr"/>
+                      <a:r>
+                        <a:rPr lang="en-US" sz="1050" u="none" strike="noStrike">
+                          <a:effectLst/>
+                        </a:rPr>
+                        <a:t>White</a:t>
+                      </a:r>
+                      <a:endParaRPr lang="en-US" sz="1050" b="0" i="0" u="none" strike="noStrike">
+                        <a:solidFill>
+                          <a:srgbClr val="000000"/>
+                        </a:solidFill>
+                        <a:effectLst/>
+                        <a:latin typeface="Calibri" panose="020F0502020204030204" pitchFamily="34" charset="0"/>
+                      </a:endParaRPr>
+                    </a:p>
+                  </a:txBody>
+                  <a:tcPr marL="6715" marR="6715" marT="6715" marB="0" anchor="ctr"/>
+                </a:tc>
+                <a:extLst>
+                  <a:ext uri="{0D108BD9-81ED-4DB2-BD59-A6C34878D82A}">
+                    <a16:rowId xmlns:a16="http://schemas.microsoft.com/office/drawing/2014/main" val="3285867108"/>
+                  </a:ext>
+                </a:extLst>
+              </a:tr>
+              <a:tr h="196138">
+                <a:tc>
+                  <a:txBody>
+                    <a:bodyPr/>
+                    <a:lstStyle/>
+                    <a:p>
+                      <a:pPr algn="ctr" fontAlgn="ctr"/>
+                      <a:r>
+                        <a:rPr lang="en-US" sz="1050" b="1" u="none" strike="noStrike" dirty="0" err="1">
+                          <a:effectLst/>
+                        </a:rPr>
+                        <a:t>agency_id</a:t>
+                      </a:r>
+                      <a:endParaRPr lang="en-US" sz="1050" b="1" i="0" u="none" strike="noStrike" dirty="0">
+                        <a:solidFill>
+                          <a:srgbClr val="000000"/>
+                        </a:solidFill>
+                        <a:effectLst/>
+                        <a:latin typeface="Calibri" panose="020F0502020204030204" pitchFamily="34" charset="0"/>
+                      </a:endParaRPr>
+                    </a:p>
+                  </a:txBody>
+                  <a:tcPr marL="6715" marR="6715" marT="6715" marB="0" anchor="ctr"/>
+                </a:tc>
+                <a:tc>
+                  <a:txBody>
+                    <a:bodyPr/>
+                    <a:lstStyle/>
+                    <a:p>
+                      <a:pPr algn="ctr" fontAlgn="ctr"/>
+                      <a:r>
+                        <a:rPr lang="en-US" sz="1050" u="none" strike="noStrike">
+                          <a:effectLst/>
+                        </a:rPr>
+                        <a:t>18271</a:t>
+                      </a:r>
+                      <a:endParaRPr lang="en-US" sz="1050" b="0" i="0" u="none" strike="noStrike">
+                        <a:solidFill>
+                          <a:srgbClr val="000000"/>
+                        </a:solidFill>
+                        <a:effectLst/>
+                        <a:latin typeface="Calibri" panose="020F0502020204030204" pitchFamily="34" charset="0"/>
+                      </a:endParaRPr>
+                    </a:p>
+                  </a:txBody>
+                  <a:tcPr marL="6715" marR="6715" marT="6715" marB="0" anchor="ctr"/>
+                </a:tc>
+                <a:tc>
+                  <a:txBody>
+                    <a:bodyPr/>
+                    <a:lstStyle/>
+                    <a:p>
+                      <a:pPr algn="ctr" fontAlgn="ctr"/>
+                      <a:r>
+                        <a:rPr lang="en-US" sz="1050" u="none" strike="noStrike">
+                          <a:effectLst/>
+                        </a:rPr>
+                        <a:t>18271</a:t>
+                      </a:r>
+                      <a:endParaRPr lang="en-US" sz="1050" b="0" i="0" u="none" strike="noStrike">
+                        <a:solidFill>
+                          <a:srgbClr val="000000"/>
+                        </a:solidFill>
+                        <a:effectLst/>
+                        <a:latin typeface="Calibri" panose="020F0502020204030204" pitchFamily="34" charset="0"/>
+                      </a:endParaRPr>
+                    </a:p>
+                  </a:txBody>
+                  <a:tcPr marL="6715" marR="6715" marT="6715" marB="0" anchor="ctr"/>
+                </a:tc>
+                <a:tc>
+                  <a:txBody>
+                    <a:bodyPr/>
+                    <a:lstStyle/>
+                    <a:p>
+                      <a:pPr algn="ctr" fontAlgn="ctr"/>
+                      <a:r>
+                        <a:rPr lang="en-US" sz="1050" u="none" strike="noStrike">
+                          <a:effectLst/>
+                        </a:rPr>
+                        <a:t>18376</a:t>
+                      </a:r>
+                      <a:endParaRPr lang="en-US" sz="1050" b="0" i="0" u="none" strike="noStrike">
+                        <a:solidFill>
+                          <a:srgbClr val="000000"/>
+                        </a:solidFill>
+                        <a:effectLst/>
+                        <a:latin typeface="Calibri" panose="020F0502020204030204" pitchFamily="34" charset="0"/>
+                      </a:endParaRPr>
+                    </a:p>
+                  </a:txBody>
+                  <a:tcPr marL="6715" marR="6715" marT="6715" marB="0" anchor="ctr"/>
+                </a:tc>
+                <a:extLst>
+                  <a:ext uri="{0D108BD9-81ED-4DB2-BD59-A6C34878D82A}">
+                    <a16:rowId xmlns:a16="http://schemas.microsoft.com/office/drawing/2014/main" val="1961814126"/>
+                  </a:ext>
+                </a:extLst>
+              </a:tr>
+              <a:tr h="513002">
+                <a:tc>
+                  <a:txBody>
+                    <a:bodyPr/>
+                    <a:lstStyle/>
+                    <a:p>
+                      <a:pPr algn="ctr" fontAlgn="ctr"/>
+                      <a:r>
+                        <a:rPr lang="en-US" sz="1050" b="1" u="none" strike="noStrike" dirty="0" err="1">
+                          <a:effectLst/>
+                        </a:rPr>
+                        <a:t>agency_name</a:t>
+                      </a:r>
+                      <a:endParaRPr lang="en-US" sz="1050" b="1" i="0" u="none" strike="noStrike" dirty="0">
+                        <a:solidFill>
+                          <a:srgbClr val="000000"/>
+                        </a:solidFill>
+                        <a:effectLst/>
+                        <a:latin typeface="Calibri" panose="020F0502020204030204" pitchFamily="34" charset="0"/>
+                      </a:endParaRPr>
+                    </a:p>
+                  </a:txBody>
+                  <a:tcPr marL="6715" marR="6715" marT="6715" marB="0" anchor="ctr"/>
+                </a:tc>
+                <a:tc>
+                  <a:txBody>
+                    <a:bodyPr/>
+                    <a:lstStyle/>
+                    <a:p>
+                      <a:pPr algn="ctr" fontAlgn="ctr"/>
+                      <a:r>
+                        <a:rPr lang="en-US" sz="1050" u="none" strike="noStrike">
+                          <a:effectLst/>
+                        </a:rPr>
+                        <a:t>NASHVILLE METRO PD NASHVILLE</a:t>
+                      </a:r>
+                      <a:endParaRPr lang="en-US" sz="1050" b="0" i="0" u="none" strike="noStrike">
+                        <a:solidFill>
+                          <a:srgbClr val="000000"/>
+                        </a:solidFill>
+                        <a:effectLst/>
+                        <a:latin typeface="Calibri" panose="020F0502020204030204" pitchFamily="34" charset="0"/>
+                      </a:endParaRPr>
+                    </a:p>
+                  </a:txBody>
+                  <a:tcPr marL="6715" marR="6715" marT="6715" marB="0" anchor="ctr"/>
+                </a:tc>
+                <a:tc>
+                  <a:txBody>
+                    <a:bodyPr/>
+                    <a:lstStyle/>
+                    <a:p>
+                      <a:pPr algn="ctr" fontAlgn="ctr"/>
+                      <a:r>
+                        <a:rPr lang="en-US" sz="1050" u="none" strike="noStrike">
+                          <a:effectLst/>
+                        </a:rPr>
+                        <a:t>NASHVILLE METRO PD NASHVILLE</a:t>
+                      </a:r>
+                      <a:endParaRPr lang="en-US" sz="1050" b="0" i="0" u="none" strike="noStrike">
+                        <a:solidFill>
+                          <a:srgbClr val="000000"/>
+                        </a:solidFill>
+                        <a:effectLst/>
+                        <a:latin typeface="Calibri" panose="020F0502020204030204" pitchFamily="34" charset="0"/>
+                      </a:endParaRPr>
+                    </a:p>
+                  </a:txBody>
+                  <a:tcPr marL="6715" marR="6715" marT="6715" marB="0" anchor="ctr"/>
+                </a:tc>
+                <a:tc>
+                  <a:txBody>
+                    <a:bodyPr/>
+                    <a:lstStyle/>
+                    <a:p>
+                      <a:pPr algn="ctr" fontAlgn="ctr"/>
+                      <a:r>
+                        <a:rPr lang="en-US" sz="1050" u="none" strike="noStrike">
+                          <a:effectLst/>
+                        </a:rPr>
+                        <a:t>GRUNDY CO SO ALTAMONT</a:t>
+                      </a:r>
+                      <a:endParaRPr lang="en-US" sz="1050" b="0" i="0" u="none" strike="noStrike">
+                        <a:solidFill>
+                          <a:srgbClr val="000000"/>
+                        </a:solidFill>
+                        <a:effectLst/>
+                        <a:latin typeface="Calibri" panose="020F0502020204030204" pitchFamily="34" charset="0"/>
+                      </a:endParaRPr>
+                    </a:p>
+                  </a:txBody>
+                  <a:tcPr marL="6715" marR="6715" marT="6715" marB="0" anchor="ctr"/>
+                </a:tc>
+                <a:extLst>
+                  <a:ext uri="{0D108BD9-81ED-4DB2-BD59-A6C34878D82A}">
+                    <a16:rowId xmlns:a16="http://schemas.microsoft.com/office/drawing/2014/main" val="1899269211"/>
+                  </a:ext>
+                </a:extLst>
+              </a:tr>
+              <a:tr h="196138">
+                <a:tc>
+                  <a:txBody>
+                    <a:bodyPr/>
+                    <a:lstStyle/>
+                    <a:p>
+                      <a:pPr algn="ctr" fontAlgn="ctr"/>
+                      <a:r>
+                        <a:rPr lang="en-US" sz="1050" b="1" u="none" strike="noStrike" dirty="0" err="1">
+                          <a:effectLst/>
+                        </a:rPr>
+                        <a:t>weapon_name</a:t>
+                      </a:r>
+                      <a:endParaRPr lang="en-US" sz="1050" b="1" i="0" u="none" strike="noStrike" dirty="0">
+                        <a:solidFill>
+                          <a:srgbClr val="000000"/>
+                        </a:solidFill>
+                        <a:effectLst/>
+                        <a:latin typeface="Calibri" panose="020F0502020204030204" pitchFamily="34" charset="0"/>
+                      </a:endParaRPr>
+                    </a:p>
+                  </a:txBody>
+                  <a:tcPr marL="6715" marR="6715" marT="6715" marB="0" anchor="ctr"/>
+                </a:tc>
+                <a:tc>
+                  <a:txBody>
+                    <a:bodyPr/>
+                    <a:lstStyle/>
+                    <a:p>
+                      <a:pPr algn="ctr" fontAlgn="ctr"/>
+                      <a:r>
+                        <a:rPr lang="en-US" sz="1050" u="none" strike="noStrike">
+                          <a:effectLst/>
+                        </a:rPr>
+                        <a:t>Handgun</a:t>
+                      </a:r>
+                      <a:endParaRPr lang="en-US" sz="1050" b="0" i="0" u="none" strike="noStrike">
+                        <a:solidFill>
+                          <a:srgbClr val="000000"/>
+                        </a:solidFill>
+                        <a:effectLst/>
+                        <a:latin typeface="Calibri" panose="020F0502020204030204" pitchFamily="34" charset="0"/>
+                      </a:endParaRPr>
+                    </a:p>
+                  </a:txBody>
+                  <a:tcPr marL="6715" marR="6715" marT="6715" marB="0" anchor="ctr"/>
+                </a:tc>
+                <a:tc>
+                  <a:txBody>
+                    <a:bodyPr/>
+                    <a:lstStyle/>
+                    <a:p>
+                      <a:pPr algn="ctr" fontAlgn="ctr"/>
+                      <a:r>
+                        <a:rPr lang="en-US" sz="1050" u="none" strike="noStrike">
+                          <a:effectLst/>
+                        </a:rPr>
+                        <a:t>Handgun</a:t>
+                      </a:r>
+                      <a:endParaRPr lang="en-US" sz="1050" b="0" i="0" u="none" strike="noStrike">
+                        <a:solidFill>
+                          <a:srgbClr val="000000"/>
+                        </a:solidFill>
+                        <a:effectLst/>
+                        <a:latin typeface="Calibri" panose="020F0502020204030204" pitchFamily="34" charset="0"/>
+                      </a:endParaRPr>
+                    </a:p>
+                  </a:txBody>
+                  <a:tcPr marL="6715" marR="6715" marT="6715" marB="0" anchor="ctr"/>
+                </a:tc>
+                <a:tc>
+                  <a:txBody>
+                    <a:bodyPr/>
+                    <a:lstStyle/>
+                    <a:p>
+                      <a:pPr algn="ctr" fontAlgn="ctr"/>
+                      <a:r>
+                        <a:rPr lang="en-US" sz="1050" u="none" strike="noStrike" dirty="0">
+                          <a:effectLst/>
+                        </a:rPr>
+                        <a:t>Unknown</a:t>
+                      </a:r>
+                      <a:endParaRPr lang="en-US" sz="1050" b="0" i="0" u="none" strike="noStrike" dirty="0">
+                        <a:solidFill>
+                          <a:srgbClr val="000000"/>
+                        </a:solidFill>
+                        <a:effectLst/>
+                        <a:latin typeface="Calibri" panose="020F0502020204030204" pitchFamily="34" charset="0"/>
+                      </a:endParaRPr>
+                    </a:p>
+                  </a:txBody>
+                  <a:tcPr marL="6715" marR="6715" marT="6715" marB="0" anchor="ctr"/>
+                </a:tc>
+                <a:extLst>
+                  <a:ext uri="{0D108BD9-81ED-4DB2-BD59-A6C34878D82A}">
+                    <a16:rowId xmlns:a16="http://schemas.microsoft.com/office/drawing/2014/main" val="1199008716"/>
+                  </a:ext>
+                </a:extLst>
+              </a:tr>
+            </a:tbl>
+          </a:graphicData>
+        </a:graphic>
+      </p:graphicFrame>
+      <p:sp>
+        <p:nvSpPr>
+          <p:cNvPr id="7" name="TextBox 6">
+            <a:extLst>
+              <a:ext uri="{FF2B5EF4-FFF2-40B4-BE49-F238E27FC236}">
+                <a16:creationId xmlns:a16="http://schemas.microsoft.com/office/drawing/2014/main" id="{D659F6FB-3582-194F-B707-4D4B276BF349}"/>
+              </a:ext>
+            </a:extLst>
+          </p:cNvPr>
+          <p:cNvSpPr txBox="1"/>
+          <p:nvPr/>
         </p:nvSpPr>
         <p:spPr>
           <a:xfrm>
-            <a:off x="1101777" y="2605791"/>
-            <a:ext cx="10575561" cy="3581400"/>
+            <a:off x="7963711" y="1234197"/>
+            <a:ext cx="3599234" cy="6668749"/>
           </a:xfrm>
+          <a:prstGeom prst="rect">
+            <a:avLst/>
+          </a:prstGeom>
+          <a:noFill/>
         </p:spPr>
         <p:txBody>
-          <a:bodyPr>
-            <a:normAutofit/>
+          <a:bodyPr wrap="square" rtlCol="0">
+            <a:spAutoFit/>
           </a:bodyPr>
           <a:lstStyle/>
           <a:p>
             <a:pPr>
               <a:lnSpc>
-                <a:spcPct val="150000"/>
+                <a:spcPct val="160000"/>
               </a:lnSpc>
               <a:buClr>
                 <a:srgbClr val="C00000"/>
               </a:buClr>
-              <a:buSzPct val="125000"/>
+              <a:buSzPct val="120000"/>
               <a:buFont typeface="Arial Unicode MS" panose="020B0604020202020204" pitchFamily="34" charset="-128"/>
               <a:buChar char="☠"/>
             </a:pPr>
             <a:r>
-              <a:rPr lang="en-US" sz="2800" dirty="0">
+              <a:rPr lang="en-US" dirty="0">
                 <a:latin typeface="GulimChe" panose="020B0609000101010101" pitchFamily="49" charset="-127"/>
                 <a:ea typeface="GulimChe" panose="020B0609000101010101" pitchFamily="49" charset="-127"/>
               </a:rPr>
-              <a:t>Economic trends by location </a:t>
-            </a:r>
-            <a:r>
-              <a:rPr lang="en-US" sz="2400" b="1" dirty="0">
-                <a:latin typeface="GulimChe" panose="020B0609000101010101" pitchFamily="49" charset="-127"/>
-                <a:ea typeface="GulimChe" panose="020B0609000101010101" pitchFamily="49" charset="-127"/>
-              </a:rPr>
-              <a:t>(Historical census data)</a:t>
+              <a:t>Expanded data allows us to get individual incident data instead of counts</a:t>
             </a:r>
           </a:p>
           <a:p>
             <a:pPr>
               <a:lnSpc>
-                <a:spcPct val="150000"/>
+                <a:spcPct val="160000"/>
               </a:lnSpc>
               <a:buClr>
                 <a:srgbClr val="C00000"/>
               </a:buClr>
-              <a:buSzPct val="125000"/>
-              <a:buFont typeface="Arial Unicode MS" panose="020B0604020202020204" pitchFamily="34" charset="-128"/>
-              <a:buChar char="☠"/>
+              <a:buSzPct val="120000"/>
             </a:pPr>
-            <a:r>
-              <a:rPr lang="en-US" sz="2800" dirty="0">
-                <a:latin typeface="GulimChe" panose="020B0609000101010101" pitchFamily="49" charset="-127"/>
-                <a:ea typeface="GulimChe" panose="020B0609000101010101" pitchFamily="49" charset="-127"/>
-              </a:rPr>
-              <a:t>Political trends </a:t>
-            </a:r>
-            <a:r>
-              <a:rPr lang="en-US" sz="2400" b="1" dirty="0">
-                <a:latin typeface="GulimChe" panose="020B0609000101010101" pitchFamily="49" charset="-127"/>
-                <a:ea typeface="GulimChe" panose="020B0609000101010101" pitchFamily="49" charset="-127"/>
-              </a:rPr>
-              <a:t>(Public poll/election data)</a:t>
-            </a:r>
+            <a:endParaRPr lang="en-US" dirty="0">
+              <a:latin typeface="GulimChe" panose="020B0609000101010101" pitchFamily="49" charset="-127"/>
+              <a:ea typeface="GulimChe" panose="020B0609000101010101" pitchFamily="49" charset="-127"/>
+            </a:endParaRPr>
           </a:p>
           <a:p>
             <a:pPr>
               <a:lnSpc>
-                <a:spcPct val="150000"/>
+                <a:spcPct val="160000"/>
               </a:lnSpc>
               <a:buClr>
                 <a:srgbClr val="C00000"/>
               </a:buClr>
-              <a:buSzPct val="125000"/>
+              <a:buSzPct val="120000"/>
               <a:buFont typeface="Arial Unicode MS" panose="020B0604020202020204" pitchFamily="34" charset="-128"/>
               <a:buChar char="☠"/>
             </a:pPr>
             <a:r>
-              <a:rPr lang="en-US" sz="2800" dirty="0">
+              <a:rPr lang="en-US" dirty="0">
                 <a:latin typeface="GulimChe" panose="020B0609000101010101" pitchFamily="49" charset="-127"/>
                 <a:ea typeface="GulimChe" panose="020B0609000101010101" pitchFamily="49" charset="-127"/>
               </a:rPr>
-              <a:t>Victim relationship to offender </a:t>
-            </a:r>
-            <a:r>
-              <a:rPr lang="en-US" sz="2400" b="1" dirty="0">
-                <a:latin typeface="GulimChe" panose="020B0609000101010101" pitchFamily="49" charset="-127"/>
-                <a:ea typeface="GulimChe" panose="020B0609000101010101" pitchFamily="49" charset="-127"/>
-              </a:rPr>
-              <a:t>(State breakdown of FBI API)</a:t>
-            </a:r>
-          </a:p>
-          <a:p>
-            <a:pPr marL="0" indent="0">
+              <a:t>Arrestees are linked to victims</a:t>
+            </a:r>
+          </a:p>
+          <a:p>
+            <a:pPr>
               <a:lnSpc>
-                <a:spcPct val="150000"/>
+                <a:spcPct val="160000"/>
               </a:lnSpc>
               <a:buClr>
                 <a:srgbClr val="C00000"/>
               </a:buClr>
-              <a:buSzPct val="125000"/>
-              <a:buNone/>
+              <a:buSzPct val="120000"/>
             </a:pPr>
-            <a:endParaRPr lang="en-US" sz="2400" b="1" dirty="0">
+            <a:endParaRPr lang="en-US" dirty="0">
               <a:latin typeface="GulimChe" panose="020B0609000101010101" pitchFamily="49" charset="-127"/>
               <a:ea typeface="GulimChe" panose="020B0609000101010101" pitchFamily="49" charset="-127"/>
             </a:endParaRPr>
           </a:p>
+          <a:p>
+            <a:pPr>
+              <a:lnSpc>
+                <a:spcPct val="160000"/>
+              </a:lnSpc>
+              <a:buClr>
+                <a:srgbClr val="C00000"/>
+              </a:buClr>
+              <a:buSzPct val="120000"/>
+              <a:buFont typeface="Arial Unicode MS" panose="020B0604020202020204" pitchFamily="34" charset="-128"/>
+              <a:buChar char="☠"/>
+            </a:pPr>
+            <a:r>
+              <a:rPr lang="en-US" dirty="0">
+                <a:latin typeface="GulimChe" panose="020B0609000101010101" pitchFamily="49" charset="-127"/>
+                <a:ea typeface="GulimChe" panose="020B0609000101010101" pitchFamily="49" charset="-127"/>
+              </a:rPr>
+              <a:t>Same demographic info but more granular</a:t>
+            </a:r>
+          </a:p>
+          <a:p>
+            <a:pPr>
+              <a:lnSpc>
+                <a:spcPct val="160000"/>
+              </a:lnSpc>
+              <a:buClr>
+                <a:srgbClr val="C00000"/>
+              </a:buClr>
+              <a:buSzPct val="120000"/>
+              <a:buFont typeface="Arial Unicode MS" panose="020B0604020202020204" pitchFamily="34" charset="-128"/>
+              <a:buChar char="☠"/>
+            </a:pPr>
+            <a:endParaRPr lang="en-US" dirty="0">
+              <a:latin typeface="GulimChe" panose="020B0609000101010101" pitchFamily="49" charset="-127"/>
+              <a:ea typeface="GulimChe" panose="020B0609000101010101" pitchFamily="49" charset="-127"/>
+            </a:endParaRPr>
+          </a:p>
+          <a:p>
+            <a:pPr>
+              <a:lnSpc>
+                <a:spcPct val="160000"/>
+              </a:lnSpc>
+              <a:buClr>
+                <a:srgbClr val="C00000"/>
+              </a:buClr>
+              <a:buSzPct val="120000"/>
+              <a:buFont typeface="Arial Unicode MS" panose="020B0604020202020204" pitchFamily="34" charset="-128"/>
+              <a:buChar char="☠"/>
+            </a:pPr>
+            <a:r>
+              <a:rPr lang="en-US" dirty="0">
+                <a:latin typeface="GulimChe" panose="020B0609000101010101" pitchFamily="49" charset="-127"/>
+                <a:ea typeface="GulimChe" panose="020B0609000101010101" pitchFamily="49" charset="-127"/>
+              </a:rPr>
+              <a:t>Scope – only Tennessee (100% of agencies report to NIBRS)</a:t>
+            </a:r>
+          </a:p>
+          <a:p>
+            <a:pPr>
+              <a:lnSpc>
+                <a:spcPct val="160000"/>
+              </a:lnSpc>
+              <a:buClr>
+                <a:srgbClr val="C00000"/>
+              </a:buClr>
+              <a:buSzPct val="120000"/>
+            </a:pPr>
+            <a:endParaRPr lang="en-US" dirty="0">
+              <a:latin typeface="GulimChe" panose="020B0609000101010101" pitchFamily="49" charset="-127"/>
+              <a:ea typeface="GulimChe" panose="020B0609000101010101" pitchFamily="49" charset="-127"/>
+            </a:endParaRPr>
+          </a:p>
+          <a:p>
+            <a:pPr>
+              <a:lnSpc>
+                <a:spcPct val="160000"/>
+              </a:lnSpc>
+              <a:buClr>
+                <a:srgbClr val="C00000"/>
+              </a:buClr>
+              <a:buSzPct val="120000"/>
+              <a:buFont typeface="Arial Unicode MS" panose="020B0604020202020204" pitchFamily="34" charset="-128"/>
+              <a:buChar char="☠"/>
+            </a:pPr>
+            <a:endParaRPr lang="en-US" dirty="0">
+              <a:latin typeface="GulimChe" panose="020B0609000101010101" pitchFamily="49" charset="-127"/>
+              <a:ea typeface="GulimChe" panose="020B0609000101010101" pitchFamily="49" charset="-127"/>
+            </a:endParaRPr>
+          </a:p>
+          <a:p>
+            <a:pPr>
+              <a:lnSpc>
+                <a:spcPct val="160000"/>
+              </a:lnSpc>
+              <a:buClr>
+                <a:srgbClr val="C00000"/>
+              </a:buClr>
+              <a:buSzPct val="120000"/>
+              <a:buFont typeface="Arial Unicode MS" panose="020B0604020202020204" pitchFamily="34" charset="-128"/>
+              <a:buChar char="☠"/>
+            </a:pPr>
+            <a:endParaRPr lang="en-US" dirty="0">
+              <a:latin typeface="GulimChe" panose="020B0609000101010101" pitchFamily="49" charset="-127"/>
+              <a:ea typeface="GulimChe" panose="020B0609000101010101" pitchFamily="49" charset="-127"/>
+            </a:endParaRPr>
+          </a:p>
         </p:txBody>
       </p:sp>
     </p:spTree>
     <p:extLst>
       <p:ext uri="{BB962C8B-B14F-4D97-AF65-F5344CB8AC3E}">
-        <p14:creationId xmlns:p14="http://schemas.microsoft.com/office/powerpoint/2010/main" val="1103219929"/>
+        <p14:creationId xmlns:p14="http://schemas.microsoft.com/office/powerpoint/2010/main" val="3660587141"/>
       </p:ext>
     </p:extLst>
   </p:cSld>
@@ -4956,10 +6823,10 @@
       </p:grpSpPr>
       <p:sp>
         <p:nvSpPr>
-          <p:cNvPr id="2" name="Title 1">
+          <p:cNvPr id="4" name="Title 3">
             <a:extLst>
               <a:ext uri="{FF2B5EF4-FFF2-40B4-BE49-F238E27FC236}">
-                <a16:creationId xmlns:a16="http://schemas.microsoft.com/office/drawing/2014/main" id="{38B9BFC2-F016-0E47-8EE0-AF41F0FA2CF5}"/>
+                <a16:creationId xmlns:a16="http://schemas.microsoft.com/office/drawing/2014/main" id="{EF1174C7-588A-2B4B-BC31-6C113B8BC9AF}"/>
               </a:ext>
             </a:extLst>
           </p:cNvPr>
@@ -4972,8 +6839,8 @@
         </p:nvSpPr>
         <p:spPr>
           <a:xfrm>
-            <a:off x="712573" y="265245"/>
-            <a:ext cx="9601200" cy="1485900"/>
+            <a:off x="1371600" y="685800"/>
+            <a:ext cx="9601200" cy="1376463"/>
           </a:xfrm>
         </p:spPr>
         <p:txBody>
@@ -4987,249 +6854,78 @@
                 <a:latin typeface="HGGothicE" panose="020B0909000000000000" pitchFamily="49" charset="-128"/>
                 <a:ea typeface="HGGothicE" panose="020B0909000000000000" pitchFamily="49" charset="-128"/>
               </a:rPr>
-              <a:t>DATA CLEANUP </a:t>
-            </a:r>
-            <a:br>
-              <a:rPr lang="en-US" sz="4000" dirty="0">
+              <a:t>PROCESS… </a:t>
+            </a:r>
+            <a:r>
+              <a:rPr lang="en-US" sz="2800" dirty="0">
                 <a:latin typeface="HGGothicE" panose="020B0909000000000000" pitchFamily="49" charset="-128"/>
                 <a:ea typeface="HGGothicE" panose="020B0909000000000000" pitchFamily="49" charset="-128"/>
               </a:rPr>
-            </a:br>
-            <a:r>
-              <a:rPr lang="en-US" sz="4000" dirty="0">
-                <a:latin typeface="HGGothicE" panose="020B0909000000000000" pitchFamily="49" charset="-128"/>
-                <a:ea typeface="HGGothicE" panose="020B0909000000000000" pitchFamily="49" charset="-128"/>
-              </a:rPr>
-              <a:t>		AND EXPLORATION</a:t>
-            </a:r>
-          </a:p>
-        </p:txBody>
-      </p:sp>
-      <p:sp>
-        <p:nvSpPr>
-          <p:cNvPr id="3" name="Content Placeholder 2">
+              <a:t>CREATING OUR DATABASE</a:t>
+            </a:r>
+            <a:endParaRPr lang="en-US" sz="2000" dirty="0">
+              <a:latin typeface="HGGothicE" panose="020B0909000000000000" pitchFamily="49" charset="-128"/>
+              <a:ea typeface="HGGothicE" panose="020B0909000000000000" pitchFamily="49" charset="-128"/>
+            </a:endParaRPr>
+          </a:p>
+        </p:txBody>
+      </p:sp>
+      <p:sp>
+        <p:nvSpPr>
+          <p:cNvPr id="5" name="TextBox 4">
             <a:extLst>
               <a:ext uri="{FF2B5EF4-FFF2-40B4-BE49-F238E27FC236}">
-                <a16:creationId xmlns:a16="http://schemas.microsoft.com/office/drawing/2014/main" id="{6EA26EF0-218D-7643-A038-D1C5ECF794AC}"/>
+                <a16:creationId xmlns:a16="http://schemas.microsoft.com/office/drawing/2014/main" id="{32F7516F-A7FA-4D43-A391-AAFAB3EFBBC0}"/>
               </a:ext>
             </a:extLst>
           </p:cNvPr>
-          <p:cNvSpPr>
-            <a:spLocks noGrp="1"/>
-          </p:cNvSpPr>
-          <p:nvPr>
-            <p:ph idx="1"/>
-          </p:nvPr>
+          <p:cNvSpPr txBox="1"/>
+          <p:nvPr/>
         </p:nvSpPr>
         <p:spPr>
           <a:xfrm>
-            <a:off x="712573" y="1972964"/>
-            <a:ext cx="4146137" cy="5702000"/>
-          </a:xfrm>
-        </p:spPr>
-        <p:txBody>
-          <a:bodyPr>
-            <a:normAutofit fontScale="62500" lnSpcReduction="20000"/>
-          </a:bodyPr>
-          <a:lstStyle/>
-          <a:p>
-            <a:pPr>
-              <a:lnSpc>
-                <a:spcPct val="160000"/>
-              </a:lnSpc>
-              <a:buClr>
-                <a:srgbClr val="C00000"/>
-              </a:buClr>
-              <a:buSzPct val="120000"/>
-              <a:buFont typeface="Arial Unicode MS" panose="020B0604020202020204" pitchFamily="34" charset="-128"/>
-              <a:buChar char="☠"/>
-            </a:pPr>
-            <a:r>
-              <a:rPr lang="en-US" sz="2600" dirty="0">
-                <a:latin typeface="GulimChe" panose="020B0609000101010101" pitchFamily="49" charset="-127"/>
-                <a:ea typeface="GulimChe" panose="020B0609000101010101" pitchFamily="49" charset="-127"/>
-              </a:rPr>
-              <a:t>Building the FBI queries by state was complicated</a:t>
-            </a:r>
-          </a:p>
-          <a:p>
-            <a:pPr>
-              <a:lnSpc>
-                <a:spcPct val="160000"/>
-              </a:lnSpc>
-              <a:buClr>
-                <a:srgbClr val="C00000"/>
-              </a:buClr>
-              <a:buSzPct val="120000"/>
-              <a:buFont typeface="Arial Unicode MS" panose="020B0604020202020204" pitchFamily="34" charset="-128"/>
-              <a:buChar char="☠"/>
-            </a:pPr>
-            <a:r>
-              <a:rPr lang="en-US" sz="2600" dirty="0">
-                <a:latin typeface="GulimChe" panose="020B0609000101010101" pitchFamily="49" charset="-127"/>
-                <a:ea typeface="GulimChe" panose="020B0609000101010101" pitchFamily="49" charset="-127"/>
-              </a:rPr>
-              <a:t>For the income and relationship data, had to delete and/or rename many columns </a:t>
-            </a:r>
-          </a:p>
-          <a:p>
-            <a:pPr>
-              <a:lnSpc>
-                <a:spcPct val="160000"/>
-              </a:lnSpc>
-              <a:buClr>
-                <a:srgbClr val="C00000"/>
-              </a:buClr>
-              <a:buSzPct val="120000"/>
-              <a:buFont typeface="Arial Unicode MS" panose="020B0604020202020204" pitchFamily="34" charset="-128"/>
-              <a:buChar char="☠"/>
-            </a:pPr>
-            <a:r>
-              <a:rPr lang="en-US" sz="2600" dirty="0">
-                <a:latin typeface="GulimChe" panose="020B0609000101010101" pitchFamily="49" charset="-127"/>
-                <a:ea typeface="GulimChe" panose="020B0609000101010101" pitchFamily="49" charset="-127"/>
-              </a:rPr>
-              <a:t>In many instances, had to use .loc to extract just one year’s worth of data for each state</a:t>
-            </a:r>
-          </a:p>
-          <a:p>
-            <a:pPr>
-              <a:lnSpc>
-                <a:spcPct val="160000"/>
-              </a:lnSpc>
-              <a:buClr>
-                <a:srgbClr val="C00000"/>
-              </a:buClr>
-              <a:buSzPct val="120000"/>
-              <a:buFont typeface="Arial Unicode MS" panose="020B0604020202020204" pitchFamily="34" charset="-128"/>
-              <a:buChar char="☠"/>
-            </a:pPr>
-            <a:r>
-              <a:rPr lang="en-US" sz="2600" dirty="0">
-                <a:latin typeface="GulimChe" panose="020B0609000101010101" pitchFamily="49" charset="-127"/>
-                <a:ea typeface="GulimChe" panose="020B0609000101010101" pitchFamily="49" charset="-127"/>
-              </a:rPr>
-              <a:t>Due to discrepancies in reporting, decided to only look at data post 2007</a:t>
-            </a:r>
-          </a:p>
-          <a:p>
-            <a:pPr marL="0" indent="0">
-              <a:buNone/>
-            </a:pPr>
-            <a:br>
-              <a:rPr lang="en-US" sz="2600" dirty="0">
-                <a:latin typeface="GulimChe" panose="020B0609000101010101" pitchFamily="49" charset="-127"/>
-                <a:ea typeface="GulimChe" panose="020B0609000101010101" pitchFamily="49" charset="-127"/>
-              </a:rPr>
-            </a:br>
-            <a:br>
-              <a:rPr lang="en-US" dirty="0"/>
-            </a:br>
-            <a:br>
-              <a:rPr lang="en-US" dirty="0"/>
-            </a:br>
-            <a:endParaRPr lang="en-US" dirty="0"/>
-          </a:p>
-        </p:txBody>
-      </p:sp>
-      <p:pic>
-        <p:nvPicPr>
-          <p:cNvPr id="2052" name="Picture 4">
-            <a:extLst>
-              <a:ext uri="{FF2B5EF4-FFF2-40B4-BE49-F238E27FC236}">
-                <a16:creationId xmlns:a16="http://schemas.microsoft.com/office/drawing/2014/main" id="{15FF1EE0-49C8-3245-8456-DE9F03DD58D3}"/>
-              </a:ext>
-            </a:extLst>
-          </p:cNvPr>
-          <p:cNvPicPr>
-            <a:picLocks noChangeAspect="1" noChangeArrowheads="1"/>
-          </p:cNvPicPr>
-          <p:nvPr/>
-        </p:nvPicPr>
-        <p:blipFill>
-          <a:blip r:embed="rId2">
-            <a:extLst>
-              <a:ext uri="{28A0092B-C50C-407E-A947-70E740481C1C}">
-                <a14:useLocalDpi xmlns:a14="http://schemas.microsoft.com/office/drawing/2010/main" val="0"/>
-              </a:ext>
-            </a:extLst>
-          </a:blip>
-          <a:srcRect/>
-          <a:stretch>
-            <a:fillRect/>
-          </a:stretch>
-        </p:blipFill>
-        <p:spPr bwMode="auto">
-          <a:xfrm>
-            <a:off x="4730539" y="2416602"/>
-            <a:ext cx="4717984" cy="4311760"/>
+            <a:off x="1371599" y="2302538"/>
+            <a:ext cx="10301591" cy="997196"/>
           </a:xfrm>
           <a:prstGeom prst="rect">
             <a:avLst/>
           </a:prstGeom>
           <a:noFill/>
-          <a:extLst>
-            <a:ext uri="{909E8E84-426E-40DD-AFC4-6F175D3DCCD1}">
-              <a14:hiddenFill xmlns:a14="http://schemas.microsoft.com/office/drawing/2010/main">
-                <a:solidFill>
-                  <a:srgbClr val="FFFFFF"/>
-                </a:solidFill>
-              </a14:hiddenFill>
-            </a:ext>
-          </a:extLst>
         </p:spPr>
-      </p:pic>
-      <p:pic>
-        <p:nvPicPr>
-          <p:cNvPr id="2050" name="Picture 2">
-            <a:extLst>
-              <a:ext uri="{FF2B5EF4-FFF2-40B4-BE49-F238E27FC236}">
-                <a16:creationId xmlns:a16="http://schemas.microsoft.com/office/drawing/2014/main" id="{83E6B07D-723B-AC45-831E-AAE3FAC1ECEA}"/>
-              </a:ext>
-            </a:extLst>
-          </p:cNvPr>
-          <p:cNvPicPr>
-            <a:picLocks noChangeAspect="1" noChangeArrowheads="1"/>
-          </p:cNvPicPr>
-          <p:nvPr/>
-        </p:nvPicPr>
-        <p:blipFill>
-          <a:blip r:embed="rId3">
-            <a:extLst>
-              <a:ext uri="{28A0092B-C50C-407E-A947-70E740481C1C}">
-                <a14:useLocalDpi xmlns:a14="http://schemas.microsoft.com/office/drawing/2010/main" val="0"/>
-              </a:ext>
-            </a:extLst>
-          </a:blip>
-          <a:srcRect/>
-          <a:stretch>
-            <a:fillRect/>
-          </a:stretch>
-        </p:blipFill>
-        <p:spPr bwMode="auto">
-          <a:xfrm>
-            <a:off x="7333291" y="116986"/>
-            <a:ext cx="4717984" cy="4507229"/>
-          </a:xfrm>
-          <a:prstGeom prst="rect">
-            <a:avLst/>
-          </a:prstGeom>
-          <a:noFill/>
-          <a:extLst>
-            <a:ext uri="{909E8E84-426E-40DD-AFC4-6F175D3DCCD1}">
-              <a14:hiddenFill xmlns:a14="http://schemas.microsoft.com/office/drawing/2010/main">
-                <a:solidFill>
-                  <a:srgbClr val="FFFFFF"/>
-                </a:solidFill>
-              </a14:hiddenFill>
-            </a:ext>
-          </a:extLst>
-        </p:spPr>
-      </p:pic>
+        <p:txBody>
+          <a:bodyPr wrap="square" rtlCol="0">
+            <a:spAutoFit/>
+          </a:bodyPr>
+          <a:lstStyle/>
+          <a:p>
+            <a:pPr>
+              <a:lnSpc>
+                <a:spcPct val="170000"/>
+              </a:lnSpc>
+              <a:buClr>
+                <a:srgbClr val="C00000"/>
+              </a:buClr>
+              <a:buSzPct val="125000"/>
+              <a:buFont typeface="Arial Unicode MS" panose="020B0604020202020204" pitchFamily="34" charset="-128"/>
+              <a:buChar char="☠"/>
+            </a:pPr>
+            <a:r>
+              <a:rPr lang="en-US" sz="2400" dirty="0">
+                <a:latin typeface="GulimChe" panose="020B0609000101010101" pitchFamily="49" charset="-127"/>
+                <a:ea typeface="GulimChe" panose="020B0609000101010101" pitchFamily="49" charset="-127"/>
+              </a:rPr>
+              <a:t>STACEY’S INFO GOES HERE</a:t>
+            </a:r>
+          </a:p>
+          <a:p>
+            <a:endParaRPr lang="en-US" dirty="0"/>
+          </a:p>
+        </p:txBody>
+      </p:sp>
     </p:spTree>
     <p:extLst>
       <p:ext uri="{BB962C8B-B14F-4D97-AF65-F5344CB8AC3E}">
-        <p14:creationId xmlns:p14="http://schemas.microsoft.com/office/powerpoint/2010/main" val="1578396527"/>
+        <p14:creationId xmlns:p14="http://schemas.microsoft.com/office/powerpoint/2010/main" val="3250827949"/>
       </p:ext>
     </p:extLst>
   </p:cSld>
@@ -5258,10 +6954,10 @@
       </p:grpSpPr>
       <p:sp>
         <p:nvSpPr>
-          <p:cNvPr id="2" name="Title 1">
+          <p:cNvPr id="4" name="Title 3">
             <a:extLst>
               <a:ext uri="{FF2B5EF4-FFF2-40B4-BE49-F238E27FC236}">
-                <a16:creationId xmlns:a16="http://schemas.microsoft.com/office/drawing/2014/main" id="{E2198825-471A-AA46-BDFF-06A237DF96F9}"/>
+                <a16:creationId xmlns:a16="http://schemas.microsoft.com/office/drawing/2014/main" id="{EF1174C7-588A-2B4B-BC31-6C113B8BC9AF}"/>
               </a:ext>
             </a:extLst>
           </p:cNvPr>
@@ -5274,30 +6970,43 @@
         </p:nvSpPr>
         <p:spPr>
           <a:xfrm>
-            <a:off x="1161738" y="445958"/>
-            <a:ext cx="9601200" cy="1485900"/>
+            <a:off x="1371600" y="685800"/>
+            <a:ext cx="9601200" cy="1376463"/>
           </a:xfrm>
         </p:spPr>
         <p:txBody>
-          <a:bodyPr/>
+          <a:bodyPr>
+            <a:normAutofit/>
+          </a:bodyPr>
           <a:lstStyle/>
           <a:p>
             <a:r>
-              <a:rPr lang="en-US" dirty="0">
+              <a:rPr lang="en-US" sz="4000" dirty="0">
                 <a:latin typeface="HGGothicE" panose="020B0909000000000000" pitchFamily="49" charset="-128"/>
                 <a:ea typeface="HGGothicE" panose="020B0909000000000000" pitchFamily="49" charset="-128"/>
               </a:rPr>
-              <a:t>POST MORTEM </a:t>
-            </a:r>
-          </a:p>
-        </p:txBody>
-      </p:sp>
-      <p:sp>
-        <p:nvSpPr>
-          <p:cNvPr id="3" name="TextBox 2">
+              <a:t>PROCESS… </a:t>
+            </a:r>
+            <a:r>
+              <a:rPr lang="en-US" sz="2800" dirty="0">
+                <a:latin typeface="HGGothicE" panose="020B0909000000000000" pitchFamily="49" charset="-128"/>
+                <a:ea typeface="HGGothicE" panose="020B0909000000000000" pitchFamily="49" charset="-128"/>
+              </a:rPr>
+              <a:t>ANALYSIS WITH TABLEAU</a:t>
+            </a:r>
+            <a:endParaRPr lang="en-US" sz="2000" dirty="0">
+              <a:latin typeface="HGGothicE" panose="020B0909000000000000" pitchFamily="49" charset="-128"/>
+              <a:ea typeface="HGGothicE" panose="020B0909000000000000" pitchFamily="49" charset="-128"/>
+            </a:endParaRPr>
+          </a:p>
+        </p:txBody>
+      </p:sp>
+      <p:sp>
+        <p:nvSpPr>
+          <p:cNvPr id="5" name="TextBox 4">
             <a:extLst>
               <a:ext uri="{FF2B5EF4-FFF2-40B4-BE49-F238E27FC236}">
-                <a16:creationId xmlns:a16="http://schemas.microsoft.com/office/drawing/2014/main" id="{DD82E3BC-ED4C-6C4F-9134-1F57AA2228A0}"/>
+                <a16:creationId xmlns:a16="http://schemas.microsoft.com/office/drawing/2014/main" id="{32F7516F-A7FA-4D43-A391-AAFAB3EFBBC0}"/>
               </a:ext>
             </a:extLst>
           </p:cNvPr>
@@ -5306,8 +7015,8 @@
         </p:nvSpPr>
         <p:spPr>
           <a:xfrm>
-            <a:off x="1161738" y="1225689"/>
-            <a:ext cx="10740452" cy="5016758"/>
+            <a:off x="1371599" y="2302538"/>
+            <a:ext cx="10301591" cy="997196"/>
           </a:xfrm>
           <a:prstGeom prst="rect">
             <a:avLst/>
@@ -5320,182 +7029,34 @@
           </a:bodyPr>
           <a:lstStyle/>
           <a:p>
-            <a:r>
-              <a:rPr lang="en-US" sz="2000" b="1" dirty="0">
+            <a:pPr>
+              <a:lnSpc>
+                <a:spcPct val="170000"/>
+              </a:lnSpc>
+              <a:buClr>
+                <a:srgbClr val="C00000"/>
+              </a:buClr>
+              <a:buSzPct val="125000"/>
+              <a:buFont typeface="Arial Unicode MS" panose="020B0604020202020204" pitchFamily="34" charset="-128"/>
+              <a:buChar char="☠"/>
+            </a:pPr>
+            <a:r>
+              <a:rPr lang="en-US" sz="2400" dirty="0">
                 <a:latin typeface="GulimChe" panose="020B0609000101010101" pitchFamily="49" charset="-127"/>
                 <a:ea typeface="GulimChe" panose="020B0609000101010101" pitchFamily="49" charset="-127"/>
               </a:rPr>
-              <a:t>DIFFICULTIES:</a:t>
-            </a:r>
-          </a:p>
-          <a:p>
-            <a:endParaRPr lang="en-US" sz="2000" dirty="0">
-              <a:latin typeface="GulimChe" panose="020B0609000101010101" pitchFamily="49" charset="-127"/>
-              <a:ea typeface="GulimChe" panose="020B0609000101010101" pitchFamily="49" charset="-127"/>
-            </a:endParaRPr>
-          </a:p>
-          <a:p>
-            <a:pPr marL="342900" indent="-342900">
-              <a:buClr>
-                <a:srgbClr val="C00000"/>
-              </a:buClr>
-              <a:buSzPct val="120000"/>
-              <a:buFont typeface="Arial Unicode MS" panose="020B0604020202020204" pitchFamily="34" charset="-128"/>
-              <a:buChar char="☠"/>
-            </a:pPr>
-            <a:r>
-              <a:rPr lang="en-US" sz="2000" dirty="0">
-                <a:latin typeface="GulimChe" panose="020B0609000101010101" pitchFamily="49" charset="-127"/>
-                <a:ea typeface="GulimChe" panose="020B0609000101010101" pitchFamily="49" charset="-127"/>
-              </a:rPr>
-              <a:t>Executive decision making on data editing and “importance”</a:t>
-            </a:r>
-          </a:p>
-          <a:p>
-            <a:pPr marL="342900" indent="-342900">
-              <a:buClr>
-                <a:srgbClr val="C00000"/>
-              </a:buClr>
-              <a:buSzPct val="120000"/>
-              <a:buFont typeface="Arial Unicode MS" panose="020B0604020202020204" pitchFamily="34" charset="-128"/>
-              <a:buChar char="☠"/>
-            </a:pPr>
-            <a:endParaRPr lang="en-US" sz="2000" dirty="0">
-              <a:latin typeface="GulimChe" panose="020B0609000101010101" pitchFamily="49" charset="-127"/>
-              <a:ea typeface="GulimChe" panose="020B0609000101010101" pitchFamily="49" charset="-127"/>
-            </a:endParaRPr>
-          </a:p>
-          <a:p>
-            <a:pPr marL="342900" indent="-342900">
-              <a:buClr>
-                <a:srgbClr val="C00000"/>
-              </a:buClr>
-              <a:buSzPct val="120000"/>
-              <a:buFont typeface="Arial Unicode MS" panose="020B0604020202020204" pitchFamily="34" charset="-128"/>
-              <a:buChar char="☠"/>
-            </a:pPr>
-            <a:r>
-              <a:rPr lang="en-US" sz="2000" dirty="0">
-                <a:latin typeface="GulimChe" panose="020B0609000101010101" pitchFamily="49" charset="-127"/>
-                <a:ea typeface="GulimChe" panose="020B0609000101010101" pitchFamily="49" charset="-127"/>
-              </a:rPr>
-              <a:t>Limitations of the FBI API – certain topics would not have been possible to explore</a:t>
-            </a:r>
-          </a:p>
-          <a:p>
-            <a:endParaRPr lang="en-US" sz="2000" dirty="0">
-              <a:latin typeface="GulimChe" panose="020B0609000101010101" pitchFamily="49" charset="-127"/>
-              <a:ea typeface="GulimChe" panose="020B0609000101010101" pitchFamily="49" charset="-127"/>
-            </a:endParaRPr>
-          </a:p>
-          <a:p>
-            <a:endParaRPr lang="en-US" sz="2000" dirty="0">
-              <a:latin typeface="GulimChe" panose="020B0609000101010101" pitchFamily="49" charset="-127"/>
-              <a:ea typeface="GulimChe" panose="020B0609000101010101" pitchFamily="49" charset="-127"/>
-            </a:endParaRPr>
-          </a:p>
-          <a:p>
-            <a:r>
-              <a:rPr lang="en-US" sz="2000" b="1" dirty="0">
-                <a:latin typeface="GulimChe" panose="020B0609000101010101" pitchFamily="49" charset="-127"/>
-                <a:ea typeface="GulimChe" panose="020B0609000101010101" pitchFamily="49" charset="-127"/>
-              </a:rPr>
-              <a:t>IF THERE WAS MORE TIME:</a:t>
-            </a:r>
-          </a:p>
-          <a:p>
-            <a:endParaRPr lang="en-US" sz="2000" dirty="0">
-              <a:latin typeface="GulimChe" panose="020B0609000101010101" pitchFamily="49" charset="-127"/>
-              <a:ea typeface="GulimChe" panose="020B0609000101010101" pitchFamily="49" charset="-127"/>
-            </a:endParaRPr>
-          </a:p>
-          <a:p>
-            <a:pPr marL="342900" indent="-342900">
-              <a:buClr>
-                <a:srgbClr val="C00000"/>
-              </a:buClr>
-              <a:buSzPct val="120000"/>
-              <a:buFont typeface="Arial Unicode MS" panose="020B0604020202020204" pitchFamily="34" charset="-128"/>
-              <a:buChar char="☠"/>
-            </a:pPr>
-            <a:r>
-              <a:rPr lang="en-US" sz="2000" dirty="0">
-                <a:latin typeface="GulimChe" panose="020B0609000101010101" pitchFamily="49" charset="-127"/>
-                <a:ea typeface="GulimChe" panose="020B0609000101010101" pitchFamily="49" charset="-127"/>
-              </a:rPr>
-              <a:t>Getting to dig deeper into the FBI databases beyond the API, which is quick to access</a:t>
-            </a:r>
-          </a:p>
-          <a:p>
-            <a:pPr>
-              <a:buClr>
-                <a:srgbClr val="C00000"/>
-              </a:buClr>
-              <a:buSzPct val="120000"/>
-            </a:pPr>
-            <a:endParaRPr lang="en-US" sz="2000" dirty="0">
-              <a:latin typeface="GulimChe" panose="020B0609000101010101" pitchFamily="49" charset="-127"/>
-              <a:ea typeface="GulimChe" panose="020B0609000101010101" pitchFamily="49" charset="-127"/>
-            </a:endParaRPr>
-          </a:p>
-          <a:p>
-            <a:pPr marL="342900" indent="-342900">
-              <a:buClr>
-                <a:srgbClr val="C00000"/>
-              </a:buClr>
-              <a:buSzPct val="120000"/>
-              <a:buFont typeface="Arial Unicode MS" panose="020B0604020202020204" pitchFamily="34" charset="-128"/>
-              <a:buChar char="☠"/>
-            </a:pPr>
-            <a:r>
-              <a:rPr lang="en-US" sz="2000" dirty="0">
-                <a:latin typeface="GulimChe" panose="020B0609000101010101" pitchFamily="49" charset="-127"/>
-                <a:ea typeface="GulimChe" panose="020B0609000101010101" pitchFamily="49" charset="-127"/>
-              </a:rPr>
-              <a:t>Be more specific with locations – getting to look into smaller demographic areas</a:t>
-            </a:r>
-          </a:p>
-          <a:p>
-            <a:pPr marL="342900" indent="-342900">
-              <a:buClr>
-                <a:srgbClr val="C00000"/>
-              </a:buClr>
-              <a:buSzPct val="120000"/>
-              <a:buFont typeface="Arial Unicode MS" panose="020B0604020202020204" pitchFamily="34" charset="-128"/>
-              <a:buChar char="☠"/>
-            </a:pPr>
-            <a:endParaRPr lang="en-US" sz="2000" dirty="0">
-              <a:latin typeface="GulimChe" panose="020B0609000101010101" pitchFamily="49" charset="-127"/>
-              <a:ea typeface="GulimChe" panose="020B0609000101010101" pitchFamily="49" charset="-127"/>
-            </a:endParaRPr>
-          </a:p>
-          <a:p>
-            <a:pPr marL="342900" indent="-342900">
-              <a:buClr>
-                <a:srgbClr val="C00000"/>
-              </a:buClr>
-              <a:buSzPct val="120000"/>
-              <a:buFont typeface="Arial Unicode MS" panose="020B0604020202020204" pitchFamily="34" charset="-128"/>
-              <a:buChar char="☠"/>
-            </a:pPr>
-            <a:r>
-              <a:rPr lang="en-US" sz="2000" dirty="0">
-                <a:latin typeface="GulimChe" panose="020B0609000101010101" pitchFamily="49" charset="-127"/>
-                <a:ea typeface="GulimChe" panose="020B0609000101010101" pitchFamily="49" charset="-127"/>
-              </a:rPr>
-              <a:t>Getting to look into all of the “WHY?” questions that arose in our research</a:t>
-            </a:r>
-            <a:endParaRPr lang="en-US" dirty="0">
-              <a:latin typeface="GulimChe" panose="020B0609000101010101" pitchFamily="49" charset="-127"/>
-              <a:ea typeface="GulimChe" panose="020B0609000101010101" pitchFamily="49" charset="-127"/>
-            </a:endParaRPr>
+              <a:t>INFO GOES HERE</a:t>
+            </a:r>
+          </a:p>
+          <a:p>
+            <a:endParaRPr lang="en-US" dirty="0"/>
           </a:p>
         </p:txBody>
       </p:sp>
     </p:spTree>
     <p:extLst>
       <p:ext uri="{BB962C8B-B14F-4D97-AF65-F5344CB8AC3E}">
-        <p14:creationId xmlns:p14="http://schemas.microsoft.com/office/powerpoint/2010/main" val="7634956"/>
+        <p14:creationId xmlns:p14="http://schemas.microsoft.com/office/powerpoint/2010/main" val="2483130547"/>
       </p:ext>
     </p:extLst>
   </p:cSld>
@@ -5524,10 +7085,10 @@
       </p:grpSpPr>
       <p:sp>
         <p:nvSpPr>
-          <p:cNvPr id="2" name="Title 1">
+          <p:cNvPr id="4" name="Title 3">
             <a:extLst>
               <a:ext uri="{FF2B5EF4-FFF2-40B4-BE49-F238E27FC236}">
-                <a16:creationId xmlns:a16="http://schemas.microsoft.com/office/drawing/2014/main" id="{561DAF69-F241-B246-B90B-FCD4DC5BA6EC}"/>
+                <a16:creationId xmlns:a16="http://schemas.microsoft.com/office/drawing/2014/main" id="{EF1174C7-588A-2B4B-BC31-6C113B8BC9AF}"/>
               </a:ext>
             </a:extLst>
           </p:cNvPr>
@@ -5540,8 +7101,8 @@
         </p:nvSpPr>
         <p:spPr>
           <a:xfrm>
-            <a:off x="6096000" y="3011424"/>
-            <a:ext cx="4138809" cy="1812876"/>
+            <a:off x="1371600" y="685800"/>
+            <a:ext cx="9601200" cy="1376463"/>
           </a:xfrm>
         </p:spPr>
         <p:txBody>
@@ -5551,55 +7112,266 @@
           <a:lstStyle/>
           <a:p>
             <a:r>
-              <a:rPr lang="en-US" sz="12000" dirty="0">
+              <a:rPr lang="en-US" sz="4000" dirty="0">
                 <a:latin typeface="HGGothicE" panose="020B0909000000000000" pitchFamily="49" charset="-128"/>
                 <a:ea typeface="HGGothicE" panose="020B0909000000000000" pitchFamily="49" charset="-128"/>
               </a:rPr>
-              <a:t>Q &amp; A</a:t>
-            </a:r>
-          </a:p>
-        </p:txBody>
-      </p:sp>
-      <p:pic>
-        <p:nvPicPr>
-          <p:cNvPr id="5" name="Graphic 4" descr="Detective">
+              <a:t>PROCESS… </a:t>
+            </a:r>
+            <a:r>
+              <a:rPr lang="en-US" sz="2800" dirty="0">
+                <a:latin typeface="HGGothicE" panose="020B0909000000000000" pitchFamily="49" charset="-128"/>
+                <a:ea typeface="HGGothicE" panose="020B0909000000000000" pitchFamily="49" charset="-128"/>
+              </a:rPr>
+              <a:t>HOW AND WHY OF MACHINE LEARNING</a:t>
+            </a:r>
+            <a:endParaRPr lang="en-US" sz="2000" dirty="0">
+              <a:latin typeface="HGGothicE" panose="020B0909000000000000" pitchFamily="49" charset="-128"/>
+              <a:ea typeface="HGGothicE" panose="020B0909000000000000" pitchFamily="49" charset="-128"/>
+            </a:endParaRPr>
+          </a:p>
+        </p:txBody>
+      </p:sp>
+      <p:sp>
+        <p:nvSpPr>
+          <p:cNvPr id="5" name="TextBox 4">
             <a:extLst>
               <a:ext uri="{FF2B5EF4-FFF2-40B4-BE49-F238E27FC236}">
-                <a16:creationId xmlns:a16="http://schemas.microsoft.com/office/drawing/2014/main" id="{35EAD6F1-B4DB-0C4F-909A-7FE00275588D}"/>
+                <a16:creationId xmlns:a16="http://schemas.microsoft.com/office/drawing/2014/main" id="{32F7516F-A7FA-4D43-A391-AAFAB3EFBBC0}"/>
               </a:ext>
             </a:extLst>
           </p:cNvPr>
-          <p:cNvPicPr>
-            <a:picLocks noChangeAspect="1"/>
-          </p:cNvPicPr>
+          <p:cNvSpPr txBox="1"/>
           <p:nvPr/>
-        </p:nvPicPr>
-        <p:blipFill>
-          <a:blip r:embed="rId2">
-            <a:extLst>
-              <a:ext uri="{96DAC541-7B7A-43D3-8B79-37D633B846F1}">
-                <asvg:svgBlip xmlns:asvg="http://schemas.microsoft.com/office/drawing/2016/SVG/main" r:embed="rId3"/>
-              </a:ext>
-            </a:extLst>
-          </a:blip>
-          <a:stretch>
-            <a:fillRect/>
-          </a:stretch>
-        </p:blipFill>
+        </p:nvSpPr>
         <p:spPr>
           <a:xfrm>
-            <a:off x="-512066" y="286348"/>
-            <a:ext cx="7310081" cy="6820515"/>
+            <a:off x="1371599" y="2302538"/>
+            <a:ext cx="10301591" cy="2252924"/>
           </a:xfrm>
           <a:prstGeom prst="rect">
             <a:avLst/>
           </a:prstGeom>
+          <a:noFill/>
         </p:spPr>
-      </p:pic>
+        <p:txBody>
+          <a:bodyPr wrap="square" rtlCol="0">
+            <a:spAutoFit/>
+          </a:bodyPr>
+          <a:lstStyle/>
+          <a:p>
+            <a:pPr>
+              <a:lnSpc>
+                <a:spcPct val="170000"/>
+              </a:lnSpc>
+              <a:buClr>
+                <a:srgbClr val="C00000"/>
+              </a:buClr>
+              <a:buSzPct val="125000"/>
+              <a:buFont typeface="Arial Unicode MS" panose="020B0604020202020204" pitchFamily="34" charset="-128"/>
+              <a:buChar char="☠"/>
+            </a:pPr>
+            <a:r>
+              <a:rPr lang="en-US" sz="2400" dirty="0">
+                <a:latin typeface="GulimChe" panose="020B0609000101010101" pitchFamily="49" charset="-127"/>
+                <a:ea typeface="GulimChe" panose="020B0609000101010101" pitchFamily="49" charset="-127"/>
+              </a:rPr>
+              <a:t>What do we want to predict?</a:t>
+            </a:r>
+          </a:p>
+          <a:p>
+            <a:pPr>
+              <a:lnSpc>
+                <a:spcPct val="170000"/>
+              </a:lnSpc>
+              <a:buClr>
+                <a:srgbClr val="C00000"/>
+              </a:buClr>
+              <a:buSzPct val="125000"/>
+              <a:buFont typeface="Arial Unicode MS" panose="020B0604020202020204" pitchFamily="34" charset="-128"/>
+              <a:buChar char="☠"/>
+            </a:pPr>
+            <a:r>
+              <a:rPr lang="en-US" sz="2400" dirty="0">
+                <a:latin typeface="GulimChe" panose="020B0609000101010101" pitchFamily="49" charset="-127"/>
+                <a:ea typeface="GulimChe" panose="020B0609000101010101" pitchFamily="49" charset="-127"/>
+              </a:rPr>
+              <a:t>How can we use machine learning to make predictions?</a:t>
+            </a:r>
+          </a:p>
+          <a:p>
+            <a:pPr>
+              <a:lnSpc>
+                <a:spcPct val="170000"/>
+              </a:lnSpc>
+              <a:buClr>
+                <a:srgbClr val="C00000"/>
+              </a:buClr>
+              <a:buSzPct val="125000"/>
+              <a:buFont typeface="Arial Unicode MS" panose="020B0604020202020204" pitchFamily="34" charset="-128"/>
+              <a:buChar char="☠"/>
+            </a:pPr>
+            <a:r>
+              <a:rPr lang="en-US" sz="2400" dirty="0">
+                <a:latin typeface="GulimChe" panose="020B0609000101010101" pitchFamily="49" charset="-127"/>
+                <a:ea typeface="GulimChe" panose="020B0609000101010101" pitchFamily="49" charset="-127"/>
+              </a:rPr>
+              <a:t>Real time vs. future predictions</a:t>
+            </a:r>
+          </a:p>
+          <a:p>
+            <a:endParaRPr lang="en-US" dirty="0"/>
+          </a:p>
+        </p:txBody>
+      </p:sp>
     </p:spTree>
     <p:extLst>
       <p:ext uri="{BB962C8B-B14F-4D97-AF65-F5344CB8AC3E}">
-        <p14:creationId xmlns:p14="http://schemas.microsoft.com/office/powerpoint/2010/main" val="3002473394"/>
+        <p14:creationId xmlns:p14="http://schemas.microsoft.com/office/powerpoint/2010/main" val="4163909247"/>
+      </p:ext>
+    </p:extLst>
+  </p:cSld>
+  <p:clrMapOvr>
+    <a:masterClrMapping/>
+  </p:clrMapOvr>
+</p:sld>
+</file>
+
+<file path=ppt/slides/slide9.xml><?xml version="1.0" encoding="utf-8"?>
+<p:sld xmlns:a="http://schemas.openxmlformats.org/drawingml/2006/main" xmlns:r="http://schemas.openxmlformats.org/officeDocument/2006/relationships" xmlns:p="http://schemas.openxmlformats.org/presentationml/2006/main">
+  <p:cSld>
+    <p:spTree>
+      <p:nvGrpSpPr>
+        <p:cNvPr id="1" name=""/>
+        <p:cNvGrpSpPr/>
+        <p:nvPr/>
+      </p:nvGrpSpPr>
+      <p:grpSpPr>
+        <a:xfrm>
+          <a:off x="0" y="0"/>
+          <a:ext cx="0" cy="0"/>
+          <a:chOff x="0" y="0"/>
+          <a:chExt cx="0" cy="0"/>
+        </a:xfrm>
+      </p:grpSpPr>
+      <p:sp>
+        <p:nvSpPr>
+          <p:cNvPr id="4" name="Title 3">
+            <a:extLst>
+              <a:ext uri="{FF2B5EF4-FFF2-40B4-BE49-F238E27FC236}">
+                <a16:creationId xmlns:a16="http://schemas.microsoft.com/office/drawing/2014/main" id="{EF1174C7-588A-2B4B-BC31-6C113B8BC9AF}"/>
+              </a:ext>
+            </a:extLst>
+          </p:cNvPr>
+          <p:cNvSpPr>
+            <a:spLocks noGrp="1"/>
+          </p:cNvSpPr>
+          <p:nvPr>
+            <p:ph type="title"/>
+          </p:nvPr>
+        </p:nvSpPr>
+        <p:spPr>
+          <a:xfrm>
+            <a:off x="1371600" y="685800"/>
+            <a:ext cx="10301590" cy="1376463"/>
+          </a:xfrm>
+        </p:spPr>
+        <p:txBody>
+          <a:bodyPr>
+            <a:normAutofit/>
+          </a:bodyPr>
+          <a:lstStyle/>
+          <a:p>
+            <a:r>
+              <a:rPr lang="en-US" sz="4000" dirty="0">
+                <a:latin typeface="HGGothicE" panose="020B0909000000000000" pitchFamily="49" charset="-128"/>
+                <a:ea typeface="HGGothicE" panose="020B0909000000000000" pitchFamily="49" charset="-128"/>
+              </a:rPr>
+              <a:t>MACHINE LEARNING … </a:t>
+            </a:r>
+            <a:br>
+              <a:rPr lang="en-US" sz="4000" dirty="0">
+                <a:latin typeface="HGGothicE" panose="020B0909000000000000" pitchFamily="49" charset="-128"/>
+                <a:ea typeface="HGGothicE" panose="020B0909000000000000" pitchFamily="49" charset="-128"/>
+              </a:rPr>
+            </a:br>
+            <a:r>
+              <a:rPr lang="en-US" sz="4000" dirty="0">
+                <a:latin typeface="HGGothicE" panose="020B0909000000000000" pitchFamily="49" charset="-128"/>
+                <a:ea typeface="HGGothicE" panose="020B0909000000000000" pitchFamily="49" charset="-128"/>
+              </a:rPr>
+              <a:t>					</a:t>
+            </a:r>
+            <a:r>
+              <a:rPr lang="en-US" sz="2800" dirty="0">
+                <a:latin typeface="HGGothicE" panose="020B0909000000000000" pitchFamily="49" charset="-128"/>
+                <a:ea typeface="HGGothicE" panose="020B0909000000000000" pitchFamily="49" charset="-128"/>
+              </a:rPr>
+              <a:t>PREDICTING HOMICIDE VARIABLES</a:t>
+            </a:r>
+            <a:endParaRPr lang="en-US" sz="2000" dirty="0">
+              <a:latin typeface="HGGothicE" panose="020B0909000000000000" pitchFamily="49" charset="-128"/>
+              <a:ea typeface="HGGothicE" panose="020B0909000000000000" pitchFamily="49" charset="-128"/>
+            </a:endParaRPr>
+          </a:p>
+        </p:txBody>
+      </p:sp>
+      <p:sp>
+        <p:nvSpPr>
+          <p:cNvPr id="5" name="TextBox 4">
+            <a:extLst>
+              <a:ext uri="{FF2B5EF4-FFF2-40B4-BE49-F238E27FC236}">
+                <a16:creationId xmlns:a16="http://schemas.microsoft.com/office/drawing/2014/main" id="{32F7516F-A7FA-4D43-A391-AAFAB3EFBBC0}"/>
+              </a:ext>
+            </a:extLst>
+          </p:cNvPr>
+          <p:cNvSpPr txBox="1"/>
+          <p:nvPr/>
+        </p:nvSpPr>
+        <p:spPr>
+          <a:xfrm>
+            <a:off x="1371599" y="2302538"/>
+            <a:ext cx="10301591" cy="997196"/>
+          </a:xfrm>
+          <a:prstGeom prst="rect">
+            <a:avLst/>
+          </a:prstGeom>
+          <a:noFill/>
+        </p:spPr>
+        <p:txBody>
+          <a:bodyPr wrap="square" rtlCol="0">
+            <a:spAutoFit/>
+          </a:bodyPr>
+          <a:lstStyle/>
+          <a:p>
+            <a:pPr>
+              <a:lnSpc>
+                <a:spcPct val="170000"/>
+              </a:lnSpc>
+              <a:buClr>
+                <a:srgbClr val="C00000"/>
+              </a:buClr>
+              <a:buSzPct val="125000"/>
+              <a:buFont typeface="Arial Unicode MS" panose="020B0604020202020204" pitchFamily="34" charset="-128"/>
+              <a:buChar char="☠"/>
+            </a:pPr>
+            <a:r>
+              <a:rPr lang="en-US" sz="2400" dirty="0">
+                <a:latin typeface="GulimChe" panose="020B0609000101010101" pitchFamily="49" charset="-127"/>
+                <a:ea typeface="GulimChe" panose="020B0609000101010101" pitchFamily="49" charset="-127"/>
+              </a:rPr>
+              <a:t>ML INFO HERE</a:t>
+            </a:r>
+          </a:p>
+          <a:p>
+            <a:endParaRPr lang="en-US" dirty="0"/>
+          </a:p>
+        </p:txBody>
+      </p:sp>
+    </p:spTree>
+    <p:extLst>
+      <p:ext uri="{BB962C8B-B14F-4D97-AF65-F5344CB8AC3E}">
+        <p14:creationId xmlns:p14="http://schemas.microsoft.com/office/powerpoint/2010/main" val="1379166151"/>
       </p:ext>
     </p:extLst>
   </p:cSld>

--- a/Homicide_Machine_Learning.pptx
+++ b/Homicide_Machine_Learning.pptx
@@ -11,10 +11,19 @@
     <p:sldId id="258" r:id="rId5"/>
     <p:sldId id="259" r:id="rId6"/>
     <p:sldId id="271" r:id="rId7"/>
-    <p:sldId id="272" r:id="rId8"/>
-    <p:sldId id="273" r:id="rId9"/>
-    <p:sldId id="274" r:id="rId10"/>
-    <p:sldId id="269" r:id="rId11"/>
+    <p:sldId id="273" r:id="rId8"/>
+    <p:sldId id="276" r:id="rId9"/>
+    <p:sldId id="277" r:id="rId10"/>
+    <p:sldId id="278" r:id="rId11"/>
+    <p:sldId id="279" r:id="rId12"/>
+    <p:sldId id="280" r:id="rId13"/>
+    <p:sldId id="281" r:id="rId14"/>
+    <p:sldId id="282" r:id="rId15"/>
+    <p:sldId id="283" r:id="rId16"/>
+    <p:sldId id="284" r:id="rId17"/>
+    <p:sldId id="285" r:id="rId18"/>
+    <p:sldId id="269" r:id="rId19"/>
+    <p:sldId id="275" r:id="rId20"/>
   </p:sldIdLst>
   <p:sldSz cx="12192000" cy="6858000"/>
   <p:notesSz cx="6858000" cy="9144000"/>
@@ -291,7 +300,7 @@
             <a:fld id="{87DE6118-2437-4B30-8E3C-4D2BE6020583}" type="datetimeFigureOut">
               <a:rPr lang="en-US" dirty="0"/>
               <a:pPr/>
-              <a:t>11/11/19</a:t>
+              <a:t>11/13/19</a:t>
             </a:fld>
             <a:endParaRPr lang="en-US" dirty="0"/>
           </a:p>
@@ -617,7 +626,7 @@
           <a:p>
             <a:fld id="{87DE6118-2437-4B30-8E3C-4D2BE6020583}" type="datetimeFigureOut">
               <a:rPr lang="en-US" dirty="0"/>
-              <a:t>11/11/19</a:t>
+              <a:t>11/13/19</a:t>
             </a:fld>
             <a:endParaRPr lang="en-US" dirty="0"/>
           </a:p>
@@ -792,7 +801,7 @@
           <a:p>
             <a:fld id="{87DE6118-2437-4B30-8E3C-4D2BE6020583}" type="datetimeFigureOut">
               <a:rPr lang="en-US" dirty="0"/>
-              <a:t>11/11/19</a:t>
+              <a:t>11/13/19</a:t>
             </a:fld>
             <a:endParaRPr lang="en-US" dirty="0"/>
           </a:p>
@@ -957,7 +966,7 @@
           <a:p>
             <a:fld id="{87DE6118-2437-4B30-8E3C-4D2BE6020583}" type="datetimeFigureOut">
               <a:rPr lang="en-US" dirty="0"/>
-              <a:t>11/11/19</a:t>
+              <a:t>11/13/19</a:t>
             </a:fld>
             <a:endParaRPr lang="en-US" dirty="0"/>
           </a:p>
@@ -1230,7 +1239,7 @@
             <a:fld id="{87DE6118-2437-4B30-8E3C-4D2BE6020583}" type="datetimeFigureOut">
               <a:rPr lang="en-US" dirty="0"/>
               <a:pPr/>
-              <a:t>11/11/19</a:t>
+              <a:t>11/13/19</a:t>
             </a:fld>
             <a:endParaRPr lang="en-US" dirty="0"/>
           </a:p>
@@ -1620,7 +1629,7 @@
           <a:p>
             <a:fld id="{87DE6118-2437-4B30-8E3C-4D2BE6020583}" type="datetimeFigureOut">
               <a:rPr lang="en-US" dirty="0"/>
-              <a:t>11/11/19</a:t>
+              <a:t>11/13/19</a:t>
             </a:fld>
             <a:endParaRPr lang="en-US" dirty="0"/>
           </a:p>
@@ -2092,7 +2101,7 @@
           <a:p>
             <a:fld id="{87DE6118-2437-4B30-8E3C-4D2BE6020583}" type="datetimeFigureOut">
               <a:rPr lang="en-US" dirty="0"/>
-              <a:t>11/11/19</a:t>
+              <a:t>11/13/19</a:t>
             </a:fld>
             <a:endParaRPr lang="en-US" dirty="0"/>
           </a:p>
@@ -2205,7 +2214,7 @@
           <a:p>
             <a:fld id="{87DE6118-2437-4B30-8E3C-4D2BE6020583}" type="datetimeFigureOut">
               <a:rPr lang="en-US" dirty="0"/>
-              <a:t>11/11/19</a:t>
+              <a:t>11/13/19</a:t>
             </a:fld>
             <a:endParaRPr lang="en-US" dirty="0"/>
           </a:p>
@@ -2295,7 +2304,7 @@
           <a:p>
             <a:fld id="{87DE6118-2437-4B30-8E3C-4D2BE6020583}" type="datetimeFigureOut">
               <a:rPr lang="en-US" dirty="0"/>
-              <a:t>11/11/19</a:t>
+              <a:t>11/13/19</a:t>
             </a:fld>
             <a:endParaRPr lang="en-US" dirty="0"/>
           </a:p>
@@ -2637,7 +2646,7 @@
             <a:fld id="{87DE6118-2437-4B30-8E3C-4D2BE6020583}" type="datetimeFigureOut">
               <a:rPr lang="en-US" dirty="0"/>
               <a:pPr/>
-              <a:t>11/11/19</a:t>
+              <a:t>11/13/19</a:t>
             </a:fld>
             <a:endParaRPr lang="en-US" dirty="0"/>
           </a:p>
@@ -3022,7 +3031,7 @@
             <a:fld id="{87DE6118-2437-4B30-8E3C-4D2BE6020583}" type="datetimeFigureOut">
               <a:rPr lang="en-US" dirty="0"/>
               <a:pPr/>
-              <a:t>11/11/19</a:t>
+              <a:t>11/13/19</a:t>
             </a:fld>
             <a:endParaRPr lang="en-US" dirty="0"/>
           </a:p>
@@ -3297,7 +3306,7 @@
             <a:fld id="{87DE6118-2437-4B30-8E3C-4D2BE6020583}" type="datetimeFigureOut">
               <a:rPr lang="en-US" dirty="0"/>
               <a:pPr/>
-              <a:t>11/11/19</a:t>
+              <a:t>11/13/19</a:t>
             </a:fld>
             <a:endParaRPr lang="en-US" dirty="0"/>
           </a:p>
@@ -4027,6 +4036,1178 @@
       </p:grpSpPr>
       <p:sp>
         <p:nvSpPr>
+          <p:cNvPr id="4" name="Title 3">
+            <a:extLst>
+              <a:ext uri="{FF2B5EF4-FFF2-40B4-BE49-F238E27FC236}">
+                <a16:creationId xmlns:a16="http://schemas.microsoft.com/office/drawing/2014/main" id="{EF1174C7-588A-2B4B-BC31-6C113B8BC9AF}"/>
+              </a:ext>
+            </a:extLst>
+          </p:cNvPr>
+          <p:cNvSpPr>
+            <a:spLocks noGrp="1"/>
+          </p:cNvSpPr>
+          <p:nvPr>
+            <p:ph type="title"/>
+          </p:nvPr>
+        </p:nvSpPr>
+        <p:spPr>
+          <a:xfrm>
+            <a:off x="1295400" y="266700"/>
+            <a:ext cx="9601200" cy="1376463"/>
+          </a:xfrm>
+        </p:spPr>
+        <p:txBody>
+          <a:bodyPr>
+            <a:normAutofit/>
+          </a:bodyPr>
+          <a:lstStyle/>
+          <a:p>
+            <a:r>
+              <a:rPr lang="en-US" sz="4000" dirty="0">
+                <a:latin typeface="HGGothicE" panose="020B0909000000000000" pitchFamily="49" charset="-128"/>
+                <a:ea typeface="HGGothicE" panose="020B0909000000000000" pitchFamily="49" charset="-128"/>
+              </a:rPr>
+              <a:t>ML… </a:t>
+            </a:r>
+            <a:r>
+              <a:rPr lang="en-US" sz="2800" dirty="0">
+                <a:latin typeface="HGGothicE" panose="020B0909000000000000" pitchFamily="49" charset="-128"/>
+                <a:ea typeface="HGGothicE" panose="020B0909000000000000" pitchFamily="49" charset="-128"/>
+              </a:rPr>
+              <a:t>SPLITTING THE DATA</a:t>
+            </a:r>
+            <a:br>
+              <a:rPr lang="en-US" sz="2800" dirty="0">
+                <a:latin typeface="HGGothicE" panose="020B0909000000000000" pitchFamily="49" charset="-128"/>
+                <a:ea typeface="HGGothicE" panose="020B0909000000000000" pitchFamily="49" charset="-128"/>
+              </a:rPr>
+            </a:br>
+            <a:endParaRPr lang="en-US" sz="2000" dirty="0">
+              <a:latin typeface="HGGothicE" panose="020B0909000000000000" pitchFamily="49" charset="-128"/>
+              <a:ea typeface="HGGothicE" panose="020B0909000000000000" pitchFamily="49" charset="-128"/>
+            </a:endParaRPr>
+          </a:p>
+        </p:txBody>
+      </p:sp>
+      <p:pic>
+        <p:nvPicPr>
+          <p:cNvPr id="3" name="Picture 2">
+            <a:extLst>
+              <a:ext uri="{FF2B5EF4-FFF2-40B4-BE49-F238E27FC236}">
+                <a16:creationId xmlns:a16="http://schemas.microsoft.com/office/drawing/2014/main" id="{0B26E75F-D091-334B-93D7-168056C8CD2D}"/>
+              </a:ext>
+            </a:extLst>
+          </p:cNvPr>
+          <p:cNvPicPr>
+            <a:picLocks noChangeAspect="1"/>
+          </p:cNvPicPr>
+          <p:nvPr/>
+        </p:nvPicPr>
+        <p:blipFill>
+          <a:blip r:embed="rId2"/>
+          <a:stretch>
+            <a:fillRect/>
+          </a:stretch>
+        </p:blipFill>
+        <p:spPr>
+          <a:xfrm>
+            <a:off x="1968500" y="2076450"/>
+            <a:ext cx="8255000" cy="3018874"/>
+          </a:xfrm>
+          <a:prstGeom prst="rect">
+            <a:avLst/>
+          </a:prstGeom>
+        </p:spPr>
+      </p:pic>
+    </p:spTree>
+    <p:extLst>
+      <p:ext uri="{BB962C8B-B14F-4D97-AF65-F5344CB8AC3E}">
+        <p14:creationId xmlns:p14="http://schemas.microsoft.com/office/powerpoint/2010/main" val="1647434920"/>
+      </p:ext>
+    </p:extLst>
+  </p:cSld>
+  <p:clrMapOvr>
+    <a:masterClrMapping/>
+  </p:clrMapOvr>
+</p:sld>
+</file>
+
+<file path=ppt/slides/slide11.xml><?xml version="1.0" encoding="utf-8"?>
+<p:sld xmlns:a="http://schemas.openxmlformats.org/drawingml/2006/main" xmlns:r="http://schemas.openxmlformats.org/officeDocument/2006/relationships" xmlns:p="http://schemas.openxmlformats.org/presentationml/2006/main">
+  <p:cSld>
+    <p:spTree>
+      <p:nvGrpSpPr>
+        <p:cNvPr id="1" name=""/>
+        <p:cNvGrpSpPr/>
+        <p:nvPr/>
+      </p:nvGrpSpPr>
+      <p:grpSpPr>
+        <a:xfrm>
+          <a:off x="0" y="0"/>
+          <a:ext cx="0" cy="0"/>
+          <a:chOff x="0" y="0"/>
+          <a:chExt cx="0" cy="0"/>
+        </a:xfrm>
+      </p:grpSpPr>
+      <p:sp>
+        <p:nvSpPr>
+          <p:cNvPr id="4" name="Title 3">
+            <a:extLst>
+              <a:ext uri="{FF2B5EF4-FFF2-40B4-BE49-F238E27FC236}">
+                <a16:creationId xmlns:a16="http://schemas.microsoft.com/office/drawing/2014/main" id="{EF1174C7-588A-2B4B-BC31-6C113B8BC9AF}"/>
+              </a:ext>
+            </a:extLst>
+          </p:cNvPr>
+          <p:cNvSpPr>
+            <a:spLocks noGrp="1"/>
+          </p:cNvSpPr>
+          <p:nvPr>
+            <p:ph type="title"/>
+          </p:nvPr>
+        </p:nvSpPr>
+        <p:spPr>
+          <a:xfrm>
+            <a:off x="1295400" y="266700"/>
+            <a:ext cx="9601200" cy="1376463"/>
+          </a:xfrm>
+        </p:spPr>
+        <p:txBody>
+          <a:bodyPr>
+            <a:normAutofit/>
+          </a:bodyPr>
+          <a:lstStyle/>
+          <a:p>
+            <a:r>
+              <a:rPr lang="en-US" sz="4000" dirty="0">
+                <a:latin typeface="HGGothicE" panose="020B0909000000000000" pitchFamily="49" charset="-128"/>
+                <a:ea typeface="HGGothicE" panose="020B0909000000000000" pitchFamily="49" charset="-128"/>
+              </a:rPr>
+              <a:t>ML… </a:t>
+            </a:r>
+            <a:r>
+              <a:rPr lang="en-US" sz="2800" dirty="0">
+                <a:latin typeface="HGGothicE" panose="020B0909000000000000" pitchFamily="49" charset="-128"/>
+                <a:ea typeface="HGGothicE" panose="020B0909000000000000" pitchFamily="49" charset="-128"/>
+              </a:rPr>
+              <a:t>TRAINING THE MODELS</a:t>
+            </a:r>
+            <a:br>
+              <a:rPr lang="en-US" sz="2800" dirty="0">
+                <a:latin typeface="HGGothicE" panose="020B0909000000000000" pitchFamily="49" charset="-128"/>
+                <a:ea typeface="HGGothicE" panose="020B0909000000000000" pitchFamily="49" charset="-128"/>
+              </a:rPr>
+            </a:br>
+            <a:endParaRPr lang="en-US" sz="2000" dirty="0">
+              <a:latin typeface="HGGothicE" panose="020B0909000000000000" pitchFamily="49" charset="-128"/>
+              <a:ea typeface="HGGothicE" panose="020B0909000000000000" pitchFamily="49" charset="-128"/>
+            </a:endParaRPr>
+          </a:p>
+        </p:txBody>
+      </p:sp>
+      <p:pic>
+        <p:nvPicPr>
+          <p:cNvPr id="3" name="Picture 2">
+            <a:extLst>
+              <a:ext uri="{FF2B5EF4-FFF2-40B4-BE49-F238E27FC236}">
+                <a16:creationId xmlns:a16="http://schemas.microsoft.com/office/drawing/2014/main" id="{1979BC9A-8BE8-8C45-AF9A-3505E22B4C69}"/>
+              </a:ext>
+            </a:extLst>
+          </p:cNvPr>
+          <p:cNvPicPr>
+            <a:picLocks noChangeAspect="1"/>
+          </p:cNvPicPr>
+          <p:nvPr/>
+        </p:nvPicPr>
+        <p:blipFill>
+          <a:blip r:embed="rId2"/>
+          <a:stretch>
+            <a:fillRect/>
+          </a:stretch>
+        </p:blipFill>
+        <p:spPr>
+          <a:xfrm>
+            <a:off x="862087" y="1130300"/>
+            <a:ext cx="5529337" cy="5461000"/>
+          </a:xfrm>
+          <a:prstGeom prst="rect">
+            <a:avLst/>
+          </a:prstGeom>
+        </p:spPr>
+      </p:pic>
+      <p:pic>
+        <p:nvPicPr>
+          <p:cNvPr id="6" name="Picture 5">
+            <a:extLst>
+              <a:ext uri="{FF2B5EF4-FFF2-40B4-BE49-F238E27FC236}">
+                <a16:creationId xmlns:a16="http://schemas.microsoft.com/office/drawing/2014/main" id="{006BA786-F29E-714C-99CF-8D4EB74FF534}"/>
+              </a:ext>
+            </a:extLst>
+          </p:cNvPr>
+          <p:cNvPicPr>
+            <a:picLocks noChangeAspect="1"/>
+          </p:cNvPicPr>
+          <p:nvPr/>
+        </p:nvPicPr>
+        <p:blipFill>
+          <a:blip r:embed="rId3"/>
+          <a:stretch>
+            <a:fillRect/>
+          </a:stretch>
+        </p:blipFill>
+        <p:spPr>
+          <a:xfrm>
+            <a:off x="6510263" y="1130300"/>
+            <a:ext cx="5529337" cy="5461000"/>
+          </a:xfrm>
+          <a:prstGeom prst="rect">
+            <a:avLst/>
+          </a:prstGeom>
+        </p:spPr>
+      </p:pic>
+      <p:sp>
+        <p:nvSpPr>
+          <p:cNvPr id="7" name="Left Arrow 6">
+            <a:extLst>
+              <a:ext uri="{FF2B5EF4-FFF2-40B4-BE49-F238E27FC236}">
+                <a16:creationId xmlns:a16="http://schemas.microsoft.com/office/drawing/2014/main" id="{47D8063E-31E9-C649-91B8-E213DE58C36B}"/>
+              </a:ext>
+            </a:extLst>
+          </p:cNvPr>
+          <p:cNvSpPr/>
+          <p:nvPr/>
+        </p:nvSpPr>
+        <p:spPr>
+          <a:xfrm>
+            <a:off x="2528812" y="6159500"/>
+            <a:ext cx="3862612" cy="596900"/>
+          </a:xfrm>
+          <a:prstGeom prst="leftArrow">
+            <a:avLst/>
+          </a:prstGeom>
+          <a:solidFill>
+            <a:srgbClr val="C00000"/>
+          </a:solidFill>
+        </p:spPr>
+        <p:style>
+          <a:lnRef idx="2">
+            <a:schemeClr val="accent1">
+              <a:shade val="50000"/>
+            </a:schemeClr>
+          </a:lnRef>
+          <a:fillRef idx="1">
+            <a:schemeClr val="accent1"/>
+          </a:fillRef>
+          <a:effectRef idx="0">
+            <a:schemeClr val="accent1"/>
+          </a:effectRef>
+          <a:fontRef idx="minor">
+            <a:schemeClr val="lt1"/>
+          </a:fontRef>
+        </p:style>
+        <p:txBody>
+          <a:bodyPr rtlCol="0" anchor="ctr"/>
+          <a:lstStyle/>
+          <a:p>
+            <a:pPr algn="ctr"/>
+            <a:endParaRPr lang="en-US"/>
+          </a:p>
+        </p:txBody>
+      </p:sp>
+      <p:sp>
+        <p:nvSpPr>
+          <p:cNvPr id="8" name="Left Arrow 7">
+            <a:extLst>
+              <a:ext uri="{FF2B5EF4-FFF2-40B4-BE49-F238E27FC236}">
+                <a16:creationId xmlns:a16="http://schemas.microsoft.com/office/drawing/2014/main" id="{253C7BB1-7572-3746-A45B-2FEA4B9879C6}"/>
+              </a:ext>
+            </a:extLst>
+          </p:cNvPr>
+          <p:cNvSpPr/>
+          <p:nvPr/>
+        </p:nvSpPr>
+        <p:spPr>
+          <a:xfrm>
+            <a:off x="8157939" y="6159500"/>
+            <a:ext cx="3881661" cy="596900"/>
+          </a:xfrm>
+          <a:prstGeom prst="leftArrow">
+            <a:avLst/>
+          </a:prstGeom>
+          <a:solidFill>
+            <a:srgbClr val="C00000"/>
+          </a:solidFill>
+        </p:spPr>
+        <p:style>
+          <a:lnRef idx="2">
+            <a:schemeClr val="accent1">
+              <a:shade val="50000"/>
+            </a:schemeClr>
+          </a:lnRef>
+          <a:fillRef idx="1">
+            <a:schemeClr val="accent1"/>
+          </a:fillRef>
+          <a:effectRef idx="0">
+            <a:schemeClr val="accent1"/>
+          </a:effectRef>
+          <a:fontRef idx="minor">
+            <a:schemeClr val="lt1"/>
+          </a:fontRef>
+        </p:style>
+        <p:txBody>
+          <a:bodyPr rtlCol="0" anchor="ctr"/>
+          <a:lstStyle/>
+          <a:p>
+            <a:pPr algn="ctr"/>
+            <a:endParaRPr lang="en-US"/>
+          </a:p>
+        </p:txBody>
+      </p:sp>
+    </p:spTree>
+    <p:extLst>
+      <p:ext uri="{BB962C8B-B14F-4D97-AF65-F5344CB8AC3E}">
+        <p14:creationId xmlns:p14="http://schemas.microsoft.com/office/powerpoint/2010/main" val="2788246620"/>
+      </p:ext>
+    </p:extLst>
+  </p:cSld>
+  <p:clrMapOvr>
+    <a:masterClrMapping/>
+  </p:clrMapOvr>
+</p:sld>
+</file>
+
+<file path=ppt/slides/slide12.xml><?xml version="1.0" encoding="utf-8"?>
+<p:sld xmlns:a="http://schemas.openxmlformats.org/drawingml/2006/main" xmlns:r="http://schemas.openxmlformats.org/officeDocument/2006/relationships" xmlns:p="http://schemas.openxmlformats.org/presentationml/2006/main">
+  <p:cSld>
+    <p:spTree>
+      <p:nvGrpSpPr>
+        <p:cNvPr id="1" name=""/>
+        <p:cNvGrpSpPr/>
+        <p:nvPr/>
+      </p:nvGrpSpPr>
+      <p:grpSpPr>
+        <a:xfrm>
+          <a:off x="0" y="0"/>
+          <a:ext cx="0" cy="0"/>
+          <a:chOff x="0" y="0"/>
+          <a:chExt cx="0" cy="0"/>
+        </a:xfrm>
+      </p:grpSpPr>
+      <p:sp>
+        <p:nvSpPr>
+          <p:cNvPr id="4" name="Title 3">
+            <a:extLst>
+              <a:ext uri="{FF2B5EF4-FFF2-40B4-BE49-F238E27FC236}">
+                <a16:creationId xmlns:a16="http://schemas.microsoft.com/office/drawing/2014/main" id="{EF1174C7-588A-2B4B-BC31-6C113B8BC9AF}"/>
+              </a:ext>
+            </a:extLst>
+          </p:cNvPr>
+          <p:cNvSpPr>
+            <a:spLocks noGrp="1"/>
+          </p:cNvSpPr>
+          <p:nvPr>
+            <p:ph type="title"/>
+          </p:nvPr>
+        </p:nvSpPr>
+        <p:spPr>
+          <a:xfrm>
+            <a:off x="1295400" y="266700"/>
+            <a:ext cx="9601200" cy="1376463"/>
+          </a:xfrm>
+        </p:spPr>
+        <p:txBody>
+          <a:bodyPr>
+            <a:normAutofit/>
+          </a:bodyPr>
+          <a:lstStyle/>
+          <a:p>
+            <a:r>
+              <a:rPr lang="en-US" sz="4000" dirty="0">
+                <a:latin typeface="HGGothicE" panose="020B0909000000000000" pitchFamily="49" charset="-128"/>
+                <a:ea typeface="HGGothicE" panose="020B0909000000000000" pitchFamily="49" charset="-128"/>
+              </a:rPr>
+              <a:t>ML… </a:t>
+            </a:r>
+            <a:r>
+              <a:rPr lang="en-US" sz="2800" dirty="0">
+                <a:latin typeface="HGGothicE" panose="020B0909000000000000" pitchFamily="49" charset="-128"/>
+                <a:ea typeface="HGGothicE" panose="020B0909000000000000" pitchFamily="49" charset="-128"/>
+              </a:rPr>
+              <a:t>PREDICTING THE 2018 DATA</a:t>
+            </a:r>
+            <a:br>
+              <a:rPr lang="en-US" sz="2800" dirty="0">
+                <a:latin typeface="HGGothicE" panose="020B0909000000000000" pitchFamily="49" charset="-128"/>
+                <a:ea typeface="HGGothicE" panose="020B0909000000000000" pitchFamily="49" charset="-128"/>
+              </a:rPr>
+            </a:br>
+            <a:endParaRPr lang="en-US" sz="2000" dirty="0">
+              <a:latin typeface="HGGothicE" panose="020B0909000000000000" pitchFamily="49" charset="-128"/>
+              <a:ea typeface="HGGothicE" panose="020B0909000000000000" pitchFamily="49" charset="-128"/>
+            </a:endParaRPr>
+          </a:p>
+        </p:txBody>
+      </p:sp>
+      <p:pic>
+        <p:nvPicPr>
+          <p:cNvPr id="6" name="Picture 5">
+            <a:extLst>
+              <a:ext uri="{FF2B5EF4-FFF2-40B4-BE49-F238E27FC236}">
+                <a16:creationId xmlns:a16="http://schemas.microsoft.com/office/drawing/2014/main" id="{B8CA673A-9A28-834D-AF98-6988A463EE23}"/>
+              </a:ext>
+            </a:extLst>
+          </p:cNvPr>
+          <p:cNvPicPr>
+            <a:picLocks noChangeAspect="1"/>
+          </p:cNvPicPr>
+          <p:nvPr/>
+        </p:nvPicPr>
+        <p:blipFill>
+          <a:blip r:embed="rId2"/>
+          <a:stretch>
+            <a:fillRect/>
+          </a:stretch>
+        </p:blipFill>
+        <p:spPr>
+          <a:xfrm>
+            <a:off x="2415490" y="933450"/>
+            <a:ext cx="8481110" cy="5924550"/>
+          </a:xfrm>
+          <a:prstGeom prst="rect">
+            <a:avLst/>
+          </a:prstGeom>
+        </p:spPr>
+      </p:pic>
+    </p:spTree>
+    <p:extLst>
+      <p:ext uri="{BB962C8B-B14F-4D97-AF65-F5344CB8AC3E}">
+        <p14:creationId xmlns:p14="http://schemas.microsoft.com/office/powerpoint/2010/main" val="2333801438"/>
+      </p:ext>
+    </p:extLst>
+  </p:cSld>
+  <p:clrMapOvr>
+    <a:masterClrMapping/>
+  </p:clrMapOvr>
+</p:sld>
+</file>
+
+<file path=ppt/slides/slide13.xml><?xml version="1.0" encoding="utf-8"?>
+<p:sld xmlns:a="http://schemas.openxmlformats.org/drawingml/2006/main" xmlns:r="http://schemas.openxmlformats.org/officeDocument/2006/relationships" xmlns:p="http://schemas.openxmlformats.org/presentationml/2006/main">
+  <p:cSld>
+    <p:spTree>
+      <p:nvGrpSpPr>
+        <p:cNvPr id="1" name=""/>
+        <p:cNvGrpSpPr/>
+        <p:nvPr/>
+      </p:nvGrpSpPr>
+      <p:grpSpPr>
+        <a:xfrm>
+          <a:off x="0" y="0"/>
+          <a:ext cx="0" cy="0"/>
+          <a:chOff x="0" y="0"/>
+          <a:chExt cx="0" cy="0"/>
+        </a:xfrm>
+      </p:grpSpPr>
+      <p:sp>
+        <p:nvSpPr>
+          <p:cNvPr id="4" name="Title 3">
+            <a:extLst>
+              <a:ext uri="{FF2B5EF4-FFF2-40B4-BE49-F238E27FC236}">
+                <a16:creationId xmlns:a16="http://schemas.microsoft.com/office/drawing/2014/main" id="{EF1174C7-588A-2B4B-BC31-6C113B8BC9AF}"/>
+              </a:ext>
+            </a:extLst>
+          </p:cNvPr>
+          <p:cNvSpPr>
+            <a:spLocks noGrp="1"/>
+          </p:cNvSpPr>
+          <p:nvPr>
+            <p:ph type="title"/>
+          </p:nvPr>
+        </p:nvSpPr>
+        <p:spPr>
+          <a:xfrm>
+            <a:off x="1295400" y="266700"/>
+            <a:ext cx="9601200" cy="1376463"/>
+          </a:xfrm>
+        </p:spPr>
+        <p:txBody>
+          <a:bodyPr>
+            <a:normAutofit/>
+          </a:bodyPr>
+          <a:lstStyle/>
+          <a:p>
+            <a:r>
+              <a:rPr lang="en-US" sz="4000" dirty="0">
+                <a:latin typeface="HGGothicE" panose="020B0909000000000000" pitchFamily="49" charset="-128"/>
+                <a:ea typeface="HGGothicE" panose="020B0909000000000000" pitchFamily="49" charset="-128"/>
+              </a:rPr>
+              <a:t>ML… </a:t>
+            </a:r>
+            <a:r>
+              <a:rPr lang="en-US" sz="2800" dirty="0">
+                <a:latin typeface="HGGothicE" panose="020B0909000000000000" pitchFamily="49" charset="-128"/>
+                <a:ea typeface="HGGothicE" panose="020B0909000000000000" pitchFamily="49" charset="-128"/>
+              </a:rPr>
+              <a:t>RESULTS!</a:t>
+            </a:r>
+            <a:br>
+              <a:rPr lang="en-US" sz="2800" dirty="0">
+                <a:latin typeface="HGGothicE" panose="020B0909000000000000" pitchFamily="49" charset="-128"/>
+                <a:ea typeface="HGGothicE" panose="020B0909000000000000" pitchFamily="49" charset="-128"/>
+              </a:rPr>
+            </a:br>
+            <a:endParaRPr lang="en-US" sz="2000" dirty="0">
+              <a:latin typeface="HGGothicE" panose="020B0909000000000000" pitchFamily="49" charset="-128"/>
+              <a:ea typeface="HGGothicE" panose="020B0909000000000000" pitchFamily="49" charset="-128"/>
+            </a:endParaRPr>
+          </a:p>
+        </p:txBody>
+      </p:sp>
+      <p:pic>
+        <p:nvPicPr>
+          <p:cNvPr id="3" name="Picture 2">
+            <a:extLst>
+              <a:ext uri="{FF2B5EF4-FFF2-40B4-BE49-F238E27FC236}">
+                <a16:creationId xmlns:a16="http://schemas.microsoft.com/office/drawing/2014/main" id="{27789E65-8364-4547-A03C-3E4999DAAD96}"/>
+              </a:ext>
+            </a:extLst>
+          </p:cNvPr>
+          <p:cNvPicPr>
+            <a:picLocks noChangeAspect="1"/>
+          </p:cNvPicPr>
+          <p:nvPr/>
+        </p:nvPicPr>
+        <p:blipFill>
+          <a:blip r:embed="rId2"/>
+          <a:stretch>
+            <a:fillRect/>
+          </a:stretch>
+        </p:blipFill>
+        <p:spPr>
+          <a:xfrm>
+            <a:off x="1295400" y="1320800"/>
+            <a:ext cx="9601200" cy="4807754"/>
+          </a:xfrm>
+          <a:prstGeom prst="rect">
+            <a:avLst/>
+          </a:prstGeom>
+        </p:spPr>
+      </p:pic>
+    </p:spTree>
+    <p:extLst>
+      <p:ext uri="{BB962C8B-B14F-4D97-AF65-F5344CB8AC3E}">
+        <p14:creationId xmlns:p14="http://schemas.microsoft.com/office/powerpoint/2010/main" val="1006556235"/>
+      </p:ext>
+    </p:extLst>
+  </p:cSld>
+  <p:clrMapOvr>
+    <a:masterClrMapping/>
+  </p:clrMapOvr>
+</p:sld>
+</file>
+
+<file path=ppt/slides/slide14.xml><?xml version="1.0" encoding="utf-8"?>
+<p:sld xmlns:a="http://schemas.openxmlformats.org/drawingml/2006/main" xmlns:r="http://schemas.openxmlformats.org/officeDocument/2006/relationships" xmlns:p="http://schemas.openxmlformats.org/presentationml/2006/main">
+  <p:cSld>
+    <p:spTree>
+      <p:nvGrpSpPr>
+        <p:cNvPr id="1" name=""/>
+        <p:cNvGrpSpPr/>
+        <p:nvPr/>
+      </p:nvGrpSpPr>
+      <p:grpSpPr>
+        <a:xfrm>
+          <a:off x="0" y="0"/>
+          <a:ext cx="0" cy="0"/>
+          <a:chOff x="0" y="0"/>
+          <a:chExt cx="0" cy="0"/>
+        </a:xfrm>
+      </p:grpSpPr>
+      <p:sp>
+        <p:nvSpPr>
+          <p:cNvPr id="4" name="Title 3">
+            <a:extLst>
+              <a:ext uri="{FF2B5EF4-FFF2-40B4-BE49-F238E27FC236}">
+                <a16:creationId xmlns:a16="http://schemas.microsoft.com/office/drawing/2014/main" id="{EF1174C7-588A-2B4B-BC31-6C113B8BC9AF}"/>
+              </a:ext>
+            </a:extLst>
+          </p:cNvPr>
+          <p:cNvSpPr>
+            <a:spLocks noGrp="1"/>
+          </p:cNvSpPr>
+          <p:nvPr>
+            <p:ph type="title"/>
+          </p:nvPr>
+        </p:nvSpPr>
+        <p:spPr>
+          <a:xfrm>
+            <a:off x="1295400" y="266700"/>
+            <a:ext cx="9601200" cy="1376463"/>
+          </a:xfrm>
+        </p:spPr>
+        <p:txBody>
+          <a:bodyPr>
+            <a:normAutofit/>
+          </a:bodyPr>
+          <a:lstStyle/>
+          <a:p>
+            <a:r>
+              <a:rPr lang="en-US" sz="4000" dirty="0">
+                <a:latin typeface="HGGothicE" panose="020B0909000000000000" pitchFamily="49" charset="-128"/>
+                <a:ea typeface="HGGothicE" panose="020B0909000000000000" pitchFamily="49" charset="-128"/>
+              </a:rPr>
+              <a:t>ML… RESULTS</a:t>
+            </a:r>
+            <a:br>
+              <a:rPr lang="en-US" sz="2800" dirty="0">
+                <a:latin typeface="HGGothicE" panose="020B0909000000000000" pitchFamily="49" charset="-128"/>
+                <a:ea typeface="HGGothicE" panose="020B0909000000000000" pitchFamily="49" charset="-128"/>
+              </a:rPr>
+            </a:br>
+            <a:endParaRPr lang="en-US" sz="2000" dirty="0">
+              <a:latin typeface="HGGothicE" panose="020B0909000000000000" pitchFamily="49" charset="-128"/>
+              <a:ea typeface="HGGothicE" panose="020B0909000000000000" pitchFamily="49" charset="-128"/>
+            </a:endParaRPr>
+          </a:p>
+        </p:txBody>
+      </p:sp>
+      <p:pic>
+        <p:nvPicPr>
+          <p:cNvPr id="3" name="Picture 2">
+            <a:extLst>
+              <a:ext uri="{FF2B5EF4-FFF2-40B4-BE49-F238E27FC236}">
+                <a16:creationId xmlns:a16="http://schemas.microsoft.com/office/drawing/2014/main" id="{BACCFB47-9135-734E-AE82-5C1574A460EE}"/>
+              </a:ext>
+            </a:extLst>
+          </p:cNvPr>
+          <p:cNvPicPr>
+            <a:picLocks noChangeAspect="1"/>
+          </p:cNvPicPr>
+          <p:nvPr/>
+        </p:nvPicPr>
+        <p:blipFill>
+          <a:blip r:embed="rId2"/>
+          <a:stretch>
+            <a:fillRect/>
+          </a:stretch>
+        </p:blipFill>
+        <p:spPr>
+          <a:xfrm>
+            <a:off x="1295399" y="861686"/>
+            <a:ext cx="9601201" cy="5866270"/>
+          </a:xfrm>
+          <a:prstGeom prst="rect">
+            <a:avLst/>
+          </a:prstGeom>
+        </p:spPr>
+      </p:pic>
+    </p:spTree>
+    <p:extLst>
+      <p:ext uri="{BB962C8B-B14F-4D97-AF65-F5344CB8AC3E}">
+        <p14:creationId xmlns:p14="http://schemas.microsoft.com/office/powerpoint/2010/main" val="3541900700"/>
+      </p:ext>
+    </p:extLst>
+  </p:cSld>
+  <p:clrMapOvr>
+    <a:masterClrMapping/>
+  </p:clrMapOvr>
+</p:sld>
+</file>
+
+<file path=ppt/slides/slide15.xml><?xml version="1.0" encoding="utf-8"?>
+<p:sld xmlns:a="http://schemas.openxmlformats.org/drawingml/2006/main" xmlns:r="http://schemas.openxmlformats.org/officeDocument/2006/relationships" xmlns:p="http://schemas.openxmlformats.org/presentationml/2006/main">
+  <p:cSld>
+    <p:spTree>
+      <p:nvGrpSpPr>
+        <p:cNvPr id="1" name=""/>
+        <p:cNvGrpSpPr/>
+        <p:nvPr/>
+      </p:nvGrpSpPr>
+      <p:grpSpPr>
+        <a:xfrm>
+          <a:off x="0" y="0"/>
+          <a:ext cx="0" cy="0"/>
+          <a:chOff x="0" y="0"/>
+          <a:chExt cx="0" cy="0"/>
+        </a:xfrm>
+      </p:grpSpPr>
+      <p:sp>
+        <p:nvSpPr>
+          <p:cNvPr id="4" name="Title 3">
+            <a:extLst>
+              <a:ext uri="{FF2B5EF4-FFF2-40B4-BE49-F238E27FC236}">
+                <a16:creationId xmlns:a16="http://schemas.microsoft.com/office/drawing/2014/main" id="{EF1174C7-588A-2B4B-BC31-6C113B8BC9AF}"/>
+              </a:ext>
+            </a:extLst>
+          </p:cNvPr>
+          <p:cNvSpPr>
+            <a:spLocks noGrp="1"/>
+          </p:cNvSpPr>
+          <p:nvPr>
+            <p:ph type="title"/>
+          </p:nvPr>
+        </p:nvSpPr>
+        <p:spPr>
+          <a:xfrm>
+            <a:off x="1295400" y="266700"/>
+            <a:ext cx="9601200" cy="1376463"/>
+          </a:xfrm>
+        </p:spPr>
+        <p:txBody>
+          <a:bodyPr>
+            <a:normAutofit/>
+          </a:bodyPr>
+          <a:lstStyle/>
+          <a:p>
+            <a:r>
+              <a:rPr lang="en-US" sz="4000" dirty="0">
+                <a:latin typeface="HGGothicE" panose="020B0909000000000000" pitchFamily="49" charset="-128"/>
+                <a:ea typeface="HGGothicE" panose="020B0909000000000000" pitchFamily="49" charset="-128"/>
+              </a:rPr>
+              <a:t>ML… RESULTS</a:t>
+            </a:r>
+            <a:br>
+              <a:rPr lang="en-US" sz="2800" dirty="0">
+                <a:latin typeface="HGGothicE" panose="020B0909000000000000" pitchFamily="49" charset="-128"/>
+                <a:ea typeface="HGGothicE" panose="020B0909000000000000" pitchFamily="49" charset="-128"/>
+              </a:rPr>
+            </a:br>
+            <a:endParaRPr lang="en-US" sz="2000" dirty="0">
+              <a:latin typeface="HGGothicE" panose="020B0909000000000000" pitchFamily="49" charset="-128"/>
+              <a:ea typeface="HGGothicE" panose="020B0909000000000000" pitchFamily="49" charset="-128"/>
+            </a:endParaRPr>
+          </a:p>
+        </p:txBody>
+      </p:sp>
+      <p:pic>
+        <p:nvPicPr>
+          <p:cNvPr id="3" name="Picture 2">
+            <a:extLst>
+              <a:ext uri="{FF2B5EF4-FFF2-40B4-BE49-F238E27FC236}">
+                <a16:creationId xmlns:a16="http://schemas.microsoft.com/office/drawing/2014/main" id="{D6A592FE-06F9-3743-BA97-09C43CDE8589}"/>
+              </a:ext>
+            </a:extLst>
+          </p:cNvPr>
+          <p:cNvPicPr>
+            <a:picLocks noChangeAspect="1"/>
+          </p:cNvPicPr>
+          <p:nvPr/>
+        </p:nvPicPr>
+        <p:blipFill>
+          <a:blip r:embed="rId2"/>
+          <a:stretch>
+            <a:fillRect/>
+          </a:stretch>
+        </p:blipFill>
+        <p:spPr>
+          <a:xfrm>
+            <a:off x="1234582" y="954931"/>
+            <a:ext cx="9722836" cy="5810525"/>
+          </a:xfrm>
+          <a:prstGeom prst="rect">
+            <a:avLst/>
+          </a:prstGeom>
+        </p:spPr>
+      </p:pic>
+    </p:spTree>
+    <p:extLst>
+      <p:ext uri="{BB962C8B-B14F-4D97-AF65-F5344CB8AC3E}">
+        <p14:creationId xmlns:p14="http://schemas.microsoft.com/office/powerpoint/2010/main" val="2112759478"/>
+      </p:ext>
+    </p:extLst>
+  </p:cSld>
+  <p:clrMapOvr>
+    <a:masterClrMapping/>
+  </p:clrMapOvr>
+</p:sld>
+</file>
+
+<file path=ppt/slides/slide16.xml><?xml version="1.0" encoding="utf-8"?>
+<p:sld xmlns:a="http://schemas.openxmlformats.org/drawingml/2006/main" xmlns:r="http://schemas.openxmlformats.org/officeDocument/2006/relationships" xmlns:p="http://schemas.openxmlformats.org/presentationml/2006/main">
+  <p:cSld>
+    <p:spTree>
+      <p:nvGrpSpPr>
+        <p:cNvPr id="1" name=""/>
+        <p:cNvGrpSpPr/>
+        <p:nvPr/>
+      </p:nvGrpSpPr>
+      <p:grpSpPr>
+        <a:xfrm>
+          <a:off x="0" y="0"/>
+          <a:ext cx="0" cy="0"/>
+          <a:chOff x="0" y="0"/>
+          <a:chExt cx="0" cy="0"/>
+        </a:xfrm>
+      </p:grpSpPr>
+      <p:sp>
+        <p:nvSpPr>
+          <p:cNvPr id="4" name="Title 3">
+            <a:extLst>
+              <a:ext uri="{FF2B5EF4-FFF2-40B4-BE49-F238E27FC236}">
+                <a16:creationId xmlns:a16="http://schemas.microsoft.com/office/drawing/2014/main" id="{EF1174C7-588A-2B4B-BC31-6C113B8BC9AF}"/>
+              </a:ext>
+            </a:extLst>
+          </p:cNvPr>
+          <p:cNvSpPr>
+            <a:spLocks noGrp="1"/>
+          </p:cNvSpPr>
+          <p:nvPr>
+            <p:ph type="title"/>
+          </p:nvPr>
+        </p:nvSpPr>
+        <p:spPr>
+          <a:xfrm>
+            <a:off x="1295400" y="266700"/>
+            <a:ext cx="9601200" cy="1376463"/>
+          </a:xfrm>
+        </p:spPr>
+        <p:txBody>
+          <a:bodyPr>
+            <a:normAutofit/>
+          </a:bodyPr>
+          <a:lstStyle/>
+          <a:p>
+            <a:r>
+              <a:rPr lang="en-US" sz="4000" dirty="0">
+                <a:latin typeface="HGGothicE" panose="020B0909000000000000" pitchFamily="49" charset="-128"/>
+                <a:ea typeface="HGGothicE" panose="020B0909000000000000" pitchFamily="49" charset="-128"/>
+              </a:rPr>
+              <a:t>ML… RESULTS</a:t>
+            </a:r>
+            <a:br>
+              <a:rPr lang="en-US" sz="2800" dirty="0">
+                <a:latin typeface="HGGothicE" panose="020B0909000000000000" pitchFamily="49" charset="-128"/>
+                <a:ea typeface="HGGothicE" panose="020B0909000000000000" pitchFamily="49" charset="-128"/>
+              </a:rPr>
+            </a:br>
+            <a:endParaRPr lang="en-US" sz="2000" dirty="0">
+              <a:latin typeface="HGGothicE" panose="020B0909000000000000" pitchFamily="49" charset="-128"/>
+              <a:ea typeface="HGGothicE" panose="020B0909000000000000" pitchFamily="49" charset="-128"/>
+            </a:endParaRPr>
+          </a:p>
+        </p:txBody>
+      </p:sp>
+      <p:pic>
+        <p:nvPicPr>
+          <p:cNvPr id="3" name="Picture 2">
+            <a:extLst>
+              <a:ext uri="{FF2B5EF4-FFF2-40B4-BE49-F238E27FC236}">
+                <a16:creationId xmlns:a16="http://schemas.microsoft.com/office/drawing/2014/main" id="{44B95B47-798C-3749-92EC-AECBF6CF4E21}"/>
+              </a:ext>
+            </a:extLst>
+          </p:cNvPr>
+          <p:cNvPicPr>
+            <a:picLocks noChangeAspect="1"/>
+          </p:cNvPicPr>
+          <p:nvPr/>
+        </p:nvPicPr>
+        <p:blipFill>
+          <a:blip r:embed="rId2"/>
+          <a:stretch>
+            <a:fillRect/>
+          </a:stretch>
+        </p:blipFill>
+        <p:spPr>
+          <a:xfrm>
+            <a:off x="1012009" y="1149350"/>
+            <a:ext cx="10795000" cy="4559300"/>
+          </a:xfrm>
+          <a:prstGeom prst="rect">
+            <a:avLst/>
+          </a:prstGeom>
+        </p:spPr>
+      </p:pic>
+    </p:spTree>
+    <p:extLst>
+      <p:ext uri="{BB962C8B-B14F-4D97-AF65-F5344CB8AC3E}">
+        <p14:creationId xmlns:p14="http://schemas.microsoft.com/office/powerpoint/2010/main" val="2420630891"/>
+      </p:ext>
+    </p:extLst>
+  </p:cSld>
+  <p:clrMapOvr>
+    <a:masterClrMapping/>
+  </p:clrMapOvr>
+</p:sld>
+</file>
+
+<file path=ppt/slides/slide17.xml><?xml version="1.0" encoding="utf-8"?>
+<p:sld xmlns:a="http://schemas.openxmlformats.org/drawingml/2006/main" xmlns:r="http://schemas.openxmlformats.org/officeDocument/2006/relationships" xmlns:p="http://schemas.openxmlformats.org/presentationml/2006/main">
+  <p:cSld>
+    <p:spTree>
+      <p:nvGrpSpPr>
+        <p:cNvPr id="1" name=""/>
+        <p:cNvGrpSpPr/>
+        <p:nvPr/>
+      </p:nvGrpSpPr>
+      <p:grpSpPr>
+        <a:xfrm>
+          <a:off x="0" y="0"/>
+          <a:ext cx="0" cy="0"/>
+          <a:chOff x="0" y="0"/>
+          <a:chExt cx="0" cy="0"/>
+        </a:xfrm>
+      </p:grpSpPr>
+      <p:sp>
+        <p:nvSpPr>
+          <p:cNvPr id="4" name="Title 3">
+            <a:extLst>
+              <a:ext uri="{FF2B5EF4-FFF2-40B4-BE49-F238E27FC236}">
+                <a16:creationId xmlns:a16="http://schemas.microsoft.com/office/drawing/2014/main" id="{EF1174C7-588A-2B4B-BC31-6C113B8BC9AF}"/>
+              </a:ext>
+            </a:extLst>
+          </p:cNvPr>
+          <p:cNvSpPr>
+            <a:spLocks noGrp="1"/>
+          </p:cNvSpPr>
+          <p:nvPr>
+            <p:ph type="title"/>
+          </p:nvPr>
+        </p:nvSpPr>
+        <p:spPr>
+          <a:xfrm>
+            <a:off x="1295400" y="266700"/>
+            <a:ext cx="9601200" cy="1376463"/>
+          </a:xfrm>
+        </p:spPr>
+        <p:txBody>
+          <a:bodyPr>
+            <a:normAutofit/>
+          </a:bodyPr>
+          <a:lstStyle/>
+          <a:p>
+            <a:r>
+              <a:rPr lang="en-US" sz="4000" dirty="0">
+                <a:latin typeface="HGGothicE" panose="020B0909000000000000" pitchFamily="49" charset="-128"/>
+                <a:ea typeface="HGGothicE" panose="020B0909000000000000" pitchFamily="49" charset="-128"/>
+              </a:rPr>
+              <a:t>ML… RESULTS</a:t>
+            </a:r>
+            <a:br>
+              <a:rPr lang="en-US" sz="2800" dirty="0">
+                <a:latin typeface="HGGothicE" panose="020B0909000000000000" pitchFamily="49" charset="-128"/>
+                <a:ea typeface="HGGothicE" panose="020B0909000000000000" pitchFamily="49" charset="-128"/>
+              </a:rPr>
+            </a:br>
+            <a:endParaRPr lang="en-US" sz="2000" dirty="0">
+              <a:latin typeface="HGGothicE" panose="020B0909000000000000" pitchFamily="49" charset="-128"/>
+              <a:ea typeface="HGGothicE" panose="020B0909000000000000" pitchFamily="49" charset="-128"/>
+            </a:endParaRPr>
+          </a:p>
+        </p:txBody>
+      </p:sp>
+      <p:pic>
+        <p:nvPicPr>
+          <p:cNvPr id="3" name="Picture 2">
+            <a:extLst>
+              <a:ext uri="{FF2B5EF4-FFF2-40B4-BE49-F238E27FC236}">
+                <a16:creationId xmlns:a16="http://schemas.microsoft.com/office/drawing/2014/main" id="{A0290EA2-C388-9742-AFEE-6356454A2AA8}"/>
+              </a:ext>
+            </a:extLst>
+          </p:cNvPr>
+          <p:cNvPicPr>
+            <a:picLocks noChangeAspect="1"/>
+          </p:cNvPicPr>
+          <p:nvPr/>
+        </p:nvPicPr>
+        <p:blipFill>
+          <a:blip r:embed="rId2"/>
+          <a:stretch>
+            <a:fillRect/>
+          </a:stretch>
+        </p:blipFill>
+        <p:spPr>
+          <a:xfrm>
+            <a:off x="966470" y="1231900"/>
+            <a:ext cx="10807700" cy="4394200"/>
+          </a:xfrm>
+          <a:prstGeom prst="rect">
+            <a:avLst/>
+          </a:prstGeom>
+        </p:spPr>
+      </p:pic>
+    </p:spTree>
+    <p:extLst>
+      <p:ext uri="{BB962C8B-B14F-4D97-AF65-F5344CB8AC3E}">
+        <p14:creationId xmlns:p14="http://schemas.microsoft.com/office/powerpoint/2010/main" val="2664621416"/>
+      </p:ext>
+    </p:extLst>
+  </p:cSld>
+  <p:clrMapOvr>
+    <a:masterClrMapping/>
+  </p:clrMapOvr>
+</p:sld>
+</file>
+
+<file path=ppt/slides/slide18.xml><?xml version="1.0" encoding="utf-8"?>
+<p:sld xmlns:a="http://schemas.openxmlformats.org/drawingml/2006/main" xmlns:r="http://schemas.openxmlformats.org/officeDocument/2006/relationships" xmlns:p="http://schemas.openxmlformats.org/presentationml/2006/main">
+  <p:cSld>
+    <p:spTree>
+      <p:nvGrpSpPr>
+        <p:cNvPr id="1" name=""/>
+        <p:cNvGrpSpPr/>
+        <p:nvPr/>
+      </p:nvGrpSpPr>
+      <p:grpSpPr>
+        <a:xfrm>
+          <a:off x="0" y="0"/>
+          <a:ext cx="0" cy="0"/>
+          <a:chOff x="0" y="0"/>
+          <a:chExt cx="0" cy="0"/>
+        </a:xfrm>
+      </p:grpSpPr>
+      <p:sp>
+        <p:nvSpPr>
+          <p:cNvPr id="2" name="Title 1">
+            <a:extLst>
+              <a:ext uri="{FF2B5EF4-FFF2-40B4-BE49-F238E27FC236}">
+                <a16:creationId xmlns:a16="http://schemas.microsoft.com/office/drawing/2014/main" id="{561DAF69-F241-B246-B90B-FCD4DC5BA6EC}"/>
+              </a:ext>
+            </a:extLst>
+          </p:cNvPr>
+          <p:cNvSpPr>
+            <a:spLocks noGrp="1"/>
+          </p:cNvSpPr>
+          <p:nvPr>
+            <p:ph type="title"/>
+          </p:nvPr>
+        </p:nvSpPr>
+        <p:spPr>
+          <a:xfrm>
+            <a:off x="6096000" y="3011424"/>
+            <a:ext cx="4138809" cy="1812876"/>
+          </a:xfrm>
+        </p:spPr>
+        <p:txBody>
+          <a:bodyPr>
+            <a:normAutofit fontScale="90000"/>
+          </a:bodyPr>
+          <a:lstStyle/>
+          <a:p>
+            <a:r>
+              <a:rPr lang="en-US" sz="12000" dirty="0">
+                <a:latin typeface="HGGothicE" panose="020B0909000000000000" pitchFamily="49" charset="-128"/>
+                <a:ea typeface="HGGothicE" panose="020B0909000000000000" pitchFamily="49" charset="-128"/>
+              </a:rPr>
+              <a:t>Thank you </a:t>
+            </a:r>
+          </a:p>
+        </p:txBody>
+      </p:sp>
+      <p:sp>
+        <p:nvSpPr>
+          <p:cNvPr id="3" name="TextBox 2">
+            <a:extLst>
+              <a:ext uri="{FF2B5EF4-FFF2-40B4-BE49-F238E27FC236}">
+                <a16:creationId xmlns:a16="http://schemas.microsoft.com/office/drawing/2014/main" id="{7C2DC69F-F306-414E-9A34-15A6372C6208}"/>
+              </a:ext>
+            </a:extLst>
+          </p:cNvPr>
+          <p:cNvSpPr txBox="1"/>
+          <p:nvPr/>
+        </p:nvSpPr>
+        <p:spPr>
+          <a:xfrm>
+            <a:off x="2414649" y="510639"/>
+            <a:ext cx="3681351" cy="5509200"/>
+          </a:xfrm>
+          <a:prstGeom prst="rect">
+            <a:avLst/>
+          </a:prstGeom>
+          <a:noFill/>
+        </p:spPr>
+        <p:txBody>
+          <a:bodyPr wrap="square" rtlCol="0">
+            <a:spAutoFit/>
+          </a:bodyPr>
+          <a:lstStyle/>
+          <a:p>
+            <a:r>
+              <a:rPr lang="en-US" sz="8800" b="1" dirty="0">
+                <a:solidFill>
+                  <a:srgbClr val="C00000"/>
+                </a:solidFill>
+                <a:latin typeface="HGGothicE" panose="020B0909000000000000" pitchFamily="49" charset="-128"/>
+                <a:ea typeface="HGGothicE" panose="020B0909000000000000" pitchFamily="49" charset="-128"/>
+              </a:rPr>
+              <a:t>Simon </a:t>
+            </a:r>
+          </a:p>
+          <a:p>
+            <a:r>
+              <a:rPr lang="en-US" sz="8800" b="1" dirty="0" err="1">
+                <a:solidFill>
+                  <a:srgbClr val="C00000"/>
+                </a:solidFill>
+                <a:latin typeface="HGGothicE" panose="020B0909000000000000" pitchFamily="49" charset="-128"/>
+                <a:ea typeface="HGGothicE" panose="020B0909000000000000" pitchFamily="49" charset="-128"/>
+              </a:rPr>
+              <a:t>Myri</a:t>
+            </a:r>
+            <a:endParaRPr lang="en-US" sz="8800" b="1" dirty="0">
+              <a:solidFill>
+                <a:srgbClr val="C00000"/>
+              </a:solidFill>
+              <a:latin typeface="HGGothicE" panose="020B0909000000000000" pitchFamily="49" charset="-128"/>
+              <a:ea typeface="HGGothicE" panose="020B0909000000000000" pitchFamily="49" charset="-128"/>
+            </a:endParaRPr>
+          </a:p>
+          <a:p>
+            <a:r>
+              <a:rPr lang="en-US" sz="8800" b="1" dirty="0">
+                <a:solidFill>
+                  <a:srgbClr val="C00000"/>
+                </a:solidFill>
+                <a:latin typeface="HGGothicE" panose="020B0909000000000000" pitchFamily="49" charset="-128"/>
+                <a:ea typeface="HGGothicE" panose="020B0909000000000000" pitchFamily="49" charset="-128"/>
+              </a:rPr>
+              <a:t>Kayla </a:t>
+            </a:r>
+          </a:p>
+          <a:p>
+            <a:r>
+              <a:rPr lang="en-US" sz="8800" b="1" dirty="0">
+                <a:solidFill>
+                  <a:srgbClr val="C00000"/>
+                </a:solidFill>
+                <a:latin typeface="HGGothicE" panose="020B0909000000000000" pitchFamily="49" charset="-128"/>
+                <a:ea typeface="HGGothicE" panose="020B0909000000000000" pitchFamily="49" charset="-128"/>
+              </a:rPr>
+              <a:t>Linh</a:t>
+            </a:r>
+          </a:p>
+        </p:txBody>
+      </p:sp>
+    </p:spTree>
+    <p:extLst>
+      <p:ext uri="{BB962C8B-B14F-4D97-AF65-F5344CB8AC3E}">
+        <p14:creationId xmlns:p14="http://schemas.microsoft.com/office/powerpoint/2010/main" val="3002473394"/>
+      </p:ext>
+    </p:extLst>
+  </p:cSld>
+  <p:clrMapOvr>
+    <a:masterClrMapping/>
+  </p:clrMapOvr>
+</p:sld>
+</file>
+
+<file path=ppt/slides/slide19.xml><?xml version="1.0" encoding="utf-8"?>
+<p:sld xmlns:a="http://schemas.openxmlformats.org/drawingml/2006/main" xmlns:r="http://schemas.openxmlformats.org/officeDocument/2006/relationships" xmlns:p="http://schemas.openxmlformats.org/presentationml/2006/main">
+  <p:cSld>
+    <p:spTree>
+      <p:nvGrpSpPr>
+        <p:cNvPr id="1" name=""/>
+        <p:cNvGrpSpPr/>
+        <p:nvPr/>
+      </p:nvGrpSpPr>
+      <p:grpSpPr>
+        <a:xfrm>
+          <a:off x="0" y="0"/>
+          <a:ext cx="0" cy="0"/>
+          <a:chOff x="0" y="0"/>
+          <a:chExt cx="0" cy="0"/>
+        </a:xfrm>
+      </p:grpSpPr>
+      <p:sp>
+        <p:nvSpPr>
           <p:cNvPr id="2" name="Title 1">
             <a:extLst>
               <a:ext uri="{FF2B5EF4-FFF2-40B4-BE49-F238E27FC236}">
@@ -4102,7 +5283,7 @@
     </p:spTree>
     <p:extLst>
       <p:ext uri="{BB962C8B-B14F-4D97-AF65-F5344CB8AC3E}">
-        <p14:creationId xmlns:p14="http://schemas.microsoft.com/office/powerpoint/2010/main" val="3002473394"/>
+        <p14:creationId xmlns:p14="http://schemas.microsoft.com/office/powerpoint/2010/main" val="3697916520"/>
       </p:ext>
     </p:extLst>
   </p:cSld>
@@ -6884,8 +8065,8 @@
         </p:nvSpPr>
         <p:spPr>
           <a:xfrm>
-            <a:off x="1371599" y="2302538"/>
-            <a:ext cx="10301591" cy="997196"/>
+            <a:off x="1371600" y="2062263"/>
+            <a:ext cx="6905501" cy="2853089"/>
           </a:xfrm>
           <a:prstGeom prst="rect">
             <a:avLst/>
@@ -6906,22 +8087,52 @@
                 <a:srgbClr val="C00000"/>
               </a:buClr>
               <a:buSzPct val="125000"/>
-              <a:buFont typeface="Arial Unicode MS" panose="020B0604020202020204" pitchFamily="34" charset="-128"/>
-              <a:buChar char="☠"/>
             </a:pPr>
             <a:r>
-              <a:rPr lang="en-US" sz="2400" dirty="0">
-                <a:latin typeface="GulimChe" panose="020B0609000101010101" pitchFamily="49" charset="-127"/>
-                <a:ea typeface="GulimChe" panose="020B0609000101010101" pitchFamily="49" charset="-127"/>
-              </a:rPr>
-              <a:t>STACEY’S INFO GOES HERE</a:t>
-            </a:r>
-          </a:p>
-          <a:p>
-            <a:endParaRPr lang="en-US" dirty="0"/>
-          </a:p>
-        </p:txBody>
-      </p:sp>
+              <a:rPr lang="en-US" dirty="0"/>
+              <a:t>The Crime Data Explorer (CDE) provides bulk data sets for download. We pulled sets for years 2007-2018. Each year contained 42 csv files, one for each table, or a total of 504 csv files to be imported into our database. Luckily, </a:t>
+            </a:r>
+            <a:r>
+              <a:rPr lang="en-US" dirty="0" err="1"/>
+              <a:t>postgres</a:t>
+            </a:r>
+            <a:r>
+              <a:rPr lang="en-US" dirty="0"/>
+              <a:t> setup and load scripts were included for each year, making database population a bit easier to manage. In the end, we had a dataset comprising nearly five million criminal acts.</a:t>
+            </a:r>
+          </a:p>
+        </p:txBody>
+      </p:sp>
+      <p:pic>
+        <p:nvPicPr>
+          <p:cNvPr id="3" name="Picture 2">
+            <a:extLst>
+              <a:ext uri="{FF2B5EF4-FFF2-40B4-BE49-F238E27FC236}">
+                <a16:creationId xmlns:a16="http://schemas.microsoft.com/office/drawing/2014/main" id="{5FAE31C2-144D-2A4F-B71C-55CE6EFE5F17}"/>
+              </a:ext>
+            </a:extLst>
+          </p:cNvPr>
+          <p:cNvPicPr>
+            <a:picLocks noChangeAspect="1"/>
+          </p:cNvPicPr>
+          <p:nvPr/>
+        </p:nvPicPr>
+        <p:blipFill>
+          <a:blip r:embed="rId2"/>
+          <a:stretch>
+            <a:fillRect/>
+          </a:stretch>
+        </p:blipFill>
+        <p:spPr>
+          <a:xfrm>
+            <a:off x="8352200" y="0"/>
+            <a:ext cx="3634072" cy="6858000"/>
+          </a:xfrm>
+          <a:prstGeom prst="rect">
+            <a:avLst/>
+          </a:prstGeom>
+        </p:spPr>
+      </p:pic>
     </p:spTree>
     <p:extLst>
       <p:ext uri="{BB962C8B-B14F-4D97-AF65-F5344CB8AC3E}">
@@ -6992,7 +8203,7 @@
                 <a:latin typeface="HGGothicE" panose="020B0909000000000000" pitchFamily="49" charset="-128"/>
                 <a:ea typeface="HGGothicE" panose="020B0909000000000000" pitchFamily="49" charset="-128"/>
               </a:rPr>
-              <a:t>ANALYSIS WITH TABLEAU</a:t>
+              <a:t>HOW AND WHY OF MACHINE LEARNING</a:t>
             </a:r>
             <a:endParaRPr lang="en-US" sz="2000" dirty="0">
               <a:latin typeface="HGGothicE" panose="020B0909000000000000" pitchFamily="49" charset="-128"/>
@@ -7016,7 +8227,7 @@
         <p:spPr>
           <a:xfrm>
             <a:off x="1371599" y="2302538"/>
-            <a:ext cx="10301591" cy="997196"/>
+            <a:ext cx="10301591" cy="2880789"/>
           </a:xfrm>
           <a:prstGeom prst="rect">
             <a:avLst/>
@@ -7045,7 +8256,67 @@
                 <a:latin typeface="GulimChe" panose="020B0609000101010101" pitchFamily="49" charset="-127"/>
                 <a:ea typeface="GulimChe" panose="020B0609000101010101" pitchFamily="49" charset="-127"/>
               </a:rPr>
-              <a:t>INFO GOES HERE</a:t>
+              <a:t>What do we want to predict?</a:t>
+            </a:r>
+          </a:p>
+          <a:p>
+            <a:pPr>
+              <a:lnSpc>
+                <a:spcPct val="170000"/>
+              </a:lnSpc>
+              <a:buClr>
+                <a:srgbClr val="C00000"/>
+              </a:buClr>
+              <a:buSzPct val="125000"/>
+              <a:buFont typeface="Arial Unicode MS" panose="020B0604020202020204" pitchFamily="34" charset="-128"/>
+              <a:buChar char="☠"/>
+            </a:pPr>
+            <a:r>
+              <a:rPr lang="en-US" sz="2400" dirty="0">
+                <a:latin typeface="GulimChe" panose="020B0609000101010101" pitchFamily="49" charset="-127"/>
+                <a:ea typeface="GulimChe" panose="020B0609000101010101" pitchFamily="49" charset="-127"/>
+              </a:rPr>
+              <a:t>How can we use machine learning to make predictions?</a:t>
+            </a:r>
+          </a:p>
+          <a:p>
+            <a:pPr>
+              <a:lnSpc>
+                <a:spcPct val="170000"/>
+              </a:lnSpc>
+              <a:buClr>
+                <a:srgbClr val="C00000"/>
+              </a:buClr>
+              <a:buSzPct val="125000"/>
+              <a:buFont typeface="Arial Unicode MS" panose="020B0604020202020204" pitchFamily="34" charset="-128"/>
+              <a:buChar char="☠"/>
+            </a:pPr>
+            <a:r>
+              <a:rPr lang="en-US" sz="2400" dirty="0">
+                <a:latin typeface="GulimChe" panose="020B0609000101010101" pitchFamily="49" charset="-127"/>
+                <a:ea typeface="GulimChe" panose="020B0609000101010101" pitchFamily="49" charset="-127"/>
+              </a:rPr>
+              <a:t>What data should be used to train the model?</a:t>
+            </a:r>
+          </a:p>
+          <a:p>
+            <a:pPr>
+              <a:lnSpc>
+                <a:spcPct val="170000"/>
+              </a:lnSpc>
+              <a:buClr>
+                <a:srgbClr val="C00000"/>
+              </a:buClr>
+              <a:buSzPct val="125000"/>
+              <a:buFont typeface="Arial Unicode MS" panose="020B0604020202020204" pitchFamily="34" charset="-128"/>
+              <a:buChar char="☠"/>
+            </a:pPr>
+            <a:r>
+              <a:rPr lang="en-US" sz="2400" dirty="0">
+                <a:latin typeface="GulimChe" panose="020B0609000101010101" pitchFamily="49" charset="-127"/>
+                <a:ea typeface="GulimChe" panose="020B0609000101010101" pitchFamily="49" charset="-127"/>
+              </a:rPr>
+              <a:t>What data should we use to compare predictions to?</a:t>
             </a:r>
           </a:p>
           <a:p>
@@ -7056,7 +8327,7 @@
     </p:spTree>
     <p:extLst>
       <p:ext uri="{BB962C8B-B14F-4D97-AF65-F5344CB8AC3E}">
-        <p14:creationId xmlns:p14="http://schemas.microsoft.com/office/powerpoint/2010/main" val="2483130547"/>
+        <p14:creationId xmlns:p14="http://schemas.microsoft.com/office/powerpoint/2010/main" val="4163909247"/>
       </p:ext>
     </p:extLst>
   </p:cSld>
@@ -7101,7 +8372,7 @@
         </p:nvSpPr>
         <p:spPr>
           <a:xfrm>
-            <a:off x="1371600" y="685800"/>
+            <a:off x="863600" y="168790"/>
             <a:ext cx="9601200" cy="1376463"/>
           </a:xfrm>
         </p:spPr>
@@ -7116,15 +8387,21 @@
                 <a:latin typeface="HGGothicE" panose="020B0909000000000000" pitchFamily="49" charset="-128"/>
                 <a:ea typeface="HGGothicE" panose="020B0909000000000000" pitchFamily="49" charset="-128"/>
               </a:rPr>
-              <a:t>PROCESS… </a:t>
+              <a:t>ML… </a:t>
             </a:r>
             <a:r>
               <a:rPr lang="en-US" sz="2800" dirty="0">
                 <a:latin typeface="HGGothicE" panose="020B0909000000000000" pitchFamily="49" charset="-128"/>
                 <a:ea typeface="HGGothicE" panose="020B0909000000000000" pitchFamily="49" charset="-128"/>
               </a:rPr>
-              <a:t>HOW AND WHY OF MACHINE LEARNING</a:t>
-            </a:r>
+              <a:t>SETTING UP THE DATA</a:t>
+            </a:r>
+            <a:br>
+              <a:rPr lang="en-US" sz="2800" dirty="0">
+                <a:latin typeface="HGGothicE" panose="020B0909000000000000" pitchFamily="49" charset="-128"/>
+                <a:ea typeface="HGGothicE" panose="020B0909000000000000" pitchFamily="49" charset="-128"/>
+              </a:rPr>
+            </a:br>
             <a:endParaRPr lang="en-US" sz="2000" dirty="0">
               <a:latin typeface="HGGothicE" panose="020B0909000000000000" pitchFamily="49" charset="-128"/>
               <a:ea typeface="HGGothicE" panose="020B0909000000000000" pitchFamily="49" charset="-128"/>
@@ -7132,102 +8409,40 @@
           </a:p>
         </p:txBody>
       </p:sp>
-      <p:sp>
-        <p:nvSpPr>
-          <p:cNvPr id="5" name="TextBox 4">
+      <p:pic>
+        <p:nvPicPr>
+          <p:cNvPr id="3" name="Picture 2">
             <a:extLst>
               <a:ext uri="{FF2B5EF4-FFF2-40B4-BE49-F238E27FC236}">
-                <a16:creationId xmlns:a16="http://schemas.microsoft.com/office/drawing/2014/main" id="{32F7516F-A7FA-4D43-A391-AAFAB3EFBBC0}"/>
+                <a16:creationId xmlns:a16="http://schemas.microsoft.com/office/drawing/2014/main" id="{2E397ADE-4746-D442-8EE2-A4AE303E0B80}"/>
               </a:ext>
             </a:extLst>
           </p:cNvPr>
-          <p:cNvSpPr txBox="1"/>
+          <p:cNvPicPr>
+            <a:picLocks noChangeAspect="1"/>
+          </p:cNvPicPr>
           <p:nvPr/>
-        </p:nvSpPr>
+        </p:nvPicPr>
+        <p:blipFill>
+          <a:blip r:embed="rId2"/>
+          <a:stretch>
+            <a:fillRect/>
+          </a:stretch>
+        </p:blipFill>
         <p:spPr>
           <a:xfrm>
-            <a:off x="1371599" y="2302538"/>
-            <a:ext cx="10301591" cy="2252924"/>
+            <a:off x="1857375" y="857022"/>
+            <a:ext cx="8477250" cy="5734278"/>
           </a:xfrm>
           <a:prstGeom prst="rect">
             <a:avLst/>
           </a:prstGeom>
-          <a:noFill/>
-        </p:spPr>
-        <p:txBody>
-          <a:bodyPr wrap="square" rtlCol="0">
-            <a:spAutoFit/>
-          </a:bodyPr>
-          <a:lstStyle/>
-          <a:p>
-            <a:pPr>
-              <a:lnSpc>
-                <a:spcPct val="170000"/>
-              </a:lnSpc>
-              <a:buClr>
-                <a:srgbClr val="C00000"/>
-              </a:buClr>
-              <a:buSzPct val="125000"/>
-              <a:buFont typeface="Arial Unicode MS" panose="020B0604020202020204" pitchFamily="34" charset="-128"/>
-              <a:buChar char="☠"/>
-            </a:pPr>
-            <a:r>
-              <a:rPr lang="en-US" sz="2400" dirty="0">
-                <a:latin typeface="GulimChe" panose="020B0609000101010101" pitchFamily="49" charset="-127"/>
-                <a:ea typeface="GulimChe" panose="020B0609000101010101" pitchFamily="49" charset="-127"/>
-              </a:rPr>
-              <a:t>What do we want to predict?</a:t>
-            </a:r>
-          </a:p>
-          <a:p>
-            <a:pPr>
-              <a:lnSpc>
-                <a:spcPct val="170000"/>
-              </a:lnSpc>
-              <a:buClr>
-                <a:srgbClr val="C00000"/>
-              </a:buClr>
-              <a:buSzPct val="125000"/>
-              <a:buFont typeface="Arial Unicode MS" panose="020B0604020202020204" pitchFamily="34" charset="-128"/>
-              <a:buChar char="☠"/>
-            </a:pPr>
-            <a:r>
-              <a:rPr lang="en-US" sz="2400" dirty="0">
-                <a:latin typeface="GulimChe" panose="020B0609000101010101" pitchFamily="49" charset="-127"/>
-                <a:ea typeface="GulimChe" panose="020B0609000101010101" pitchFamily="49" charset="-127"/>
-              </a:rPr>
-              <a:t>How can we use machine learning to make predictions?</a:t>
-            </a:r>
-          </a:p>
-          <a:p>
-            <a:pPr>
-              <a:lnSpc>
-                <a:spcPct val="170000"/>
-              </a:lnSpc>
-              <a:buClr>
-                <a:srgbClr val="C00000"/>
-              </a:buClr>
-              <a:buSzPct val="125000"/>
-              <a:buFont typeface="Arial Unicode MS" panose="020B0604020202020204" pitchFamily="34" charset="-128"/>
-              <a:buChar char="☠"/>
-            </a:pPr>
-            <a:r>
-              <a:rPr lang="en-US" sz="2400" dirty="0">
-                <a:latin typeface="GulimChe" panose="020B0609000101010101" pitchFamily="49" charset="-127"/>
-                <a:ea typeface="GulimChe" panose="020B0609000101010101" pitchFamily="49" charset="-127"/>
-              </a:rPr>
-              <a:t>Real time vs. future predictions</a:t>
-            </a:r>
-          </a:p>
-          <a:p>
-            <a:endParaRPr lang="en-US" dirty="0"/>
-          </a:p>
-        </p:txBody>
-      </p:sp>
+        </p:spPr>
+      </p:pic>
     </p:spTree>
     <p:extLst>
       <p:ext uri="{BB962C8B-B14F-4D97-AF65-F5344CB8AC3E}">
-        <p14:creationId xmlns:p14="http://schemas.microsoft.com/office/powerpoint/2010/main" val="4163909247"/>
+        <p14:creationId xmlns:p14="http://schemas.microsoft.com/office/powerpoint/2010/main" val="1602406851"/>
       </p:ext>
     </p:extLst>
   </p:cSld>
@@ -7272,8 +8487,8 @@
         </p:nvSpPr>
         <p:spPr>
           <a:xfrm>
-            <a:off x="1371600" y="685800"/>
-            <a:ext cx="10301590" cy="1376463"/>
+            <a:off x="1295400" y="266700"/>
+            <a:ext cx="9601200" cy="1376463"/>
           </a:xfrm>
         </p:spPr>
         <p:txBody>
@@ -7287,28 +8502,21 @@
                 <a:latin typeface="HGGothicE" panose="020B0909000000000000" pitchFamily="49" charset="-128"/>
                 <a:ea typeface="HGGothicE" panose="020B0909000000000000" pitchFamily="49" charset="-128"/>
               </a:rPr>
-              <a:t>MACHINE LEARNING … </a:t>
+              <a:t>ML… </a:t>
+            </a:r>
+            <a:r>
+              <a:rPr lang="en-US" sz="2800" dirty="0">
+                <a:latin typeface="HGGothicE" panose="020B0909000000000000" pitchFamily="49" charset="-128"/>
+                <a:ea typeface="HGGothicE" panose="020B0909000000000000" pitchFamily="49" charset="-128"/>
+              </a:rPr>
+              <a:t>PIPELINING THE DATA</a:t>
             </a:r>
             <a:br>
-              <a:rPr lang="en-US" sz="4000" dirty="0">
+              <a:rPr lang="en-US" sz="2800" dirty="0">
                 <a:latin typeface="HGGothicE" panose="020B0909000000000000" pitchFamily="49" charset="-128"/>
                 <a:ea typeface="HGGothicE" panose="020B0909000000000000" pitchFamily="49" charset="-128"/>
               </a:rPr>
             </a:br>
-            <a:r>
-              <a:rPr lang="en-US" sz="4000" dirty="0">
-                <a:latin typeface="HGGothicE" panose="020B0909000000000000" pitchFamily="49" charset="-128"/>
-                <a:ea typeface="HGGothicE" panose="020B0909000000000000" pitchFamily="49" charset="-128"/>
-              </a:rPr>
-              <a:t>					</a:t>
-            </a:r>
-            <a:r>
-              <a:rPr lang="en-US" sz="2800" dirty="0">
-                <a:latin typeface="HGGothicE" panose="020B0909000000000000" pitchFamily="49" charset="-128"/>
-                <a:ea typeface="HGGothicE" panose="020B0909000000000000" pitchFamily="49" charset="-128"/>
-              </a:rPr>
-              <a:t>PREDICTING HOMICIDE VARIABLES</a:t>
-            </a:r>
             <a:endParaRPr lang="en-US" sz="2000" dirty="0">
               <a:latin typeface="HGGothicE" panose="020B0909000000000000" pitchFamily="49" charset="-128"/>
               <a:ea typeface="HGGothicE" panose="020B0909000000000000" pitchFamily="49" charset="-128"/>
@@ -7316,62 +8524,40 @@
           </a:p>
         </p:txBody>
       </p:sp>
-      <p:sp>
-        <p:nvSpPr>
-          <p:cNvPr id="5" name="TextBox 4">
+      <p:pic>
+        <p:nvPicPr>
+          <p:cNvPr id="3" name="Picture 2">
             <a:extLst>
               <a:ext uri="{FF2B5EF4-FFF2-40B4-BE49-F238E27FC236}">
-                <a16:creationId xmlns:a16="http://schemas.microsoft.com/office/drawing/2014/main" id="{32F7516F-A7FA-4D43-A391-AAFAB3EFBBC0}"/>
+                <a16:creationId xmlns:a16="http://schemas.microsoft.com/office/drawing/2014/main" id="{8687CE27-0CCE-D24B-BB2F-86CEE8C7F6E1}"/>
               </a:ext>
             </a:extLst>
           </p:cNvPr>
-          <p:cNvSpPr txBox="1"/>
+          <p:cNvPicPr>
+            <a:picLocks noChangeAspect="1"/>
+          </p:cNvPicPr>
           <p:nvPr/>
-        </p:nvSpPr>
+        </p:nvPicPr>
+        <p:blipFill>
+          <a:blip r:embed="rId2"/>
+          <a:stretch>
+            <a:fillRect/>
+          </a:stretch>
+        </p:blipFill>
         <p:spPr>
           <a:xfrm>
-            <a:off x="1371599" y="2302538"/>
-            <a:ext cx="10301591" cy="997196"/>
+            <a:off x="840924" y="890596"/>
+            <a:ext cx="11173275" cy="5815004"/>
           </a:xfrm>
           <a:prstGeom prst="rect">
             <a:avLst/>
           </a:prstGeom>
-          <a:noFill/>
-        </p:spPr>
-        <p:txBody>
-          <a:bodyPr wrap="square" rtlCol="0">
-            <a:spAutoFit/>
-          </a:bodyPr>
-          <a:lstStyle/>
-          <a:p>
-            <a:pPr>
-              <a:lnSpc>
-                <a:spcPct val="170000"/>
-              </a:lnSpc>
-              <a:buClr>
-                <a:srgbClr val="C00000"/>
-              </a:buClr>
-              <a:buSzPct val="125000"/>
-              <a:buFont typeface="Arial Unicode MS" panose="020B0604020202020204" pitchFamily="34" charset="-128"/>
-              <a:buChar char="☠"/>
-            </a:pPr>
-            <a:r>
-              <a:rPr lang="en-US" sz="2400" dirty="0">
-                <a:latin typeface="GulimChe" panose="020B0609000101010101" pitchFamily="49" charset="-127"/>
-                <a:ea typeface="GulimChe" panose="020B0609000101010101" pitchFamily="49" charset="-127"/>
-              </a:rPr>
-              <a:t>ML INFO HERE</a:t>
-            </a:r>
-          </a:p>
-          <a:p>
-            <a:endParaRPr lang="en-US" dirty="0"/>
-          </a:p>
-        </p:txBody>
-      </p:sp>
+        </p:spPr>
+      </p:pic>
     </p:spTree>
     <p:extLst>
       <p:ext uri="{BB962C8B-B14F-4D97-AF65-F5344CB8AC3E}">
-        <p14:creationId xmlns:p14="http://schemas.microsoft.com/office/powerpoint/2010/main" val="1379166151"/>
+        <p14:creationId xmlns:p14="http://schemas.microsoft.com/office/powerpoint/2010/main" val="3516546668"/>
       </p:ext>
     </p:extLst>
   </p:cSld>
